--- a/SDG3_Diabetes_Prediction_Presentation.pptx
+++ b/SDG3_Diabetes_Prediction_Presentation.pptx
@@ -2,16 +2,16 @@
 <file path=ppt/presentation.xml><?xml version="1.0" encoding="utf-8"?>
 <p:presentation xmlns:a="http://schemas.openxmlformats.org/drawingml/2006/main" xmlns:r="http://schemas.openxmlformats.org/officeDocument/2006/relationships" xmlns:p="http://schemas.openxmlformats.org/presentationml/2006/main" saveSubsetFonts="1" autoCompressPictures="0">
   <p:sldMasterIdLst>
-    <p:sldMasterId id="2147483648" r:id="rId1"/>
+    <p:sldMasterId id="2147483678" r:id="rId1"/>
   </p:sldMasterIdLst>
   <p:sldIdLst>
-    <p:sldId id="256" r:id="rId7"/>
-    <p:sldId id="257" r:id="rId8"/>
-    <p:sldId id="258" r:id="rId9"/>
-    <p:sldId id="259" r:id="rId10"/>
-    <p:sldId id="260" r:id="rId11"/>
-    <p:sldId id="261" r:id="rId12"/>
-    <p:sldId id="262" r:id="rId13"/>
+    <p:sldId id="256" r:id="rId2"/>
+    <p:sldId id="257" r:id="rId3"/>
+    <p:sldId id="258" r:id="rId4"/>
+    <p:sldId id="259" r:id="rId5"/>
+    <p:sldId id="260" r:id="rId6"/>
+    <p:sldId id="261" r:id="rId7"/>
+    <p:sldId id="262" r:id="rId8"/>
   </p:sldIdLst>
   <p:sldSz cx="9144000" cy="6858000" type="screen4x3"/>
   <p:notesSz cx="6858000" cy="9144000"/>
@@ -110,6 +110,22 @@
       </a:defRPr>
     </a:lvl9pPr>
   </p:defaultTextStyle>
+  <p:extLst>
+    <p:ext uri="{EFAFB233-063F-42B5-8137-9DF3F51BA10A}">
+      <p15:sldGuideLst xmlns:p15="http://schemas.microsoft.com/office/powerpoint/2012/main">
+        <p15:guide id="1" orient="horz" pos="2160">
+          <p15:clr>
+            <a:srgbClr val="A4A3A4"/>
+          </p15:clr>
+        </p15:guide>
+        <p15:guide id="2" pos="2880">
+          <p15:clr>
+            <a:srgbClr val="A4A3A4"/>
+          </p15:clr>
+        </p15:guide>
+      </p15:sldGuideLst>
+    </p:ext>
+  </p:extLst>
 </p:presentation>
 </file>
 
@@ -130,6 +146,36 @@
           <a:chExt cx="0" cy="0"/>
         </a:xfrm>
       </p:grpSpPr>
+      <p:pic>
+        <p:nvPicPr>
+          <p:cNvPr id="7" name="Picture 6" descr="C0-HD-BTM.png"/>
+          <p:cNvPicPr>
+            <a:picLocks noChangeAspect="1"/>
+          </p:cNvPicPr>
+          <p:nvPr/>
+        </p:nvPicPr>
+        <p:blipFill>
+          <a:blip r:embed="rId2">
+            <a:extLst>
+              <a:ext uri="{28A0092B-C50C-407E-A947-70E740481C1C}">
+                <a14:useLocalDpi xmlns:a14="http://schemas.microsoft.com/office/drawing/2010/main" val="0"/>
+              </a:ext>
+            </a:extLst>
+          </a:blip>
+          <a:stretch>
+            <a:fillRect/>
+          </a:stretch>
+        </p:blipFill>
+        <p:spPr>
+          <a:xfrm>
+            <a:off x="0" y="4995862"/>
+            <a:ext cx="9144000" cy="1862138"/>
+          </a:xfrm>
+          <a:prstGeom prst="rect">
+            <a:avLst/>
+          </a:prstGeom>
+        </p:spPr>
+      </p:pic>
       <p:sp>
         <p:nvSpPr>
           <p:cNvPr id="2" name="Title 1"/>
@@ -142,19 +188,25 @@
         </p:nvSpPr>
         <p:spPr>
           <a:xfrm>
-            <a:off x="685800" y="2130425"/>
-            <a:ext cx="7772400" cy="1470025"/>
-          </a:xfrm>
-        </p:spPr>
-        <p:txBody>
-          <a:bodyPr/>
-          <a:lstStyle/>
-          <a:p>
-            <a:r>
-              <a:rPr lang="en-US" smtClean="0"/>
+            <a:off x="914400" y="1803405"/>
+            <a:ext cx="7315200" cy="1825096"/>
+          </a:xfrm>
+        </p:spPr>
+        <p:txBody>
+          <a:bodyPr anchor="b">
+            <a:normAutofit/>
+          </a:bodyPr>
+          <a:lstStyle>
+            <a:lvl1pPr algn="l">
+              <a:defRPr sz="6000"/>
+            </a:lvl1pPr>
+          </a:lstStyle>
+          <a:p>
+            <a:r>
+              <a:rPr lang="en-US"/>
               <a:t>Click to edit Master title style</a:t>
             </a:r>
-            <a:endParaRPr lang="en-US"/>
+            <a:endParaRPr lang="en-US" dirty="0"/>
           </a:p>
         </p:txBody>
       </p:sp>
@@ -170,110 +222,58 @@
         </p:nvSpPr>
         <p:spPr>
           <a:xfrm>
-            <a:off x="1371600" y="3886200"/>
-            <a:ext cx="6400800" cy="1752600"/>
-          </a:xfrm>
-        </p:spPr>
-        <p:txBody>
-          <a:bodyPr/>
+            <a:off x="914400" y="3632201"/>
+            <a:ext cx="7315200" cy="685800"/>
+          </a:xfrm>
+        </p:spPr>
+        <p:txBody>
+          <a:bodyPr>
+            <a:normAutofit/>
+          </a:bodyPr>
           <a:lstStyle>
-            <a:lvl1pPr marL="0" indent="0" algn="ctr">
-              <a:buNone/>
-              <a:defRPr>
-                <a:solidFill>
-                  <a:schemeClr val="tx1">
-                    <a:tint val="75000"/>
-                  </a:schemeClr>
-                </a:solidFill>
-              </a:defRPr>
+            <a:lvl1pPr marL="0" indent="0" algn="l">
+              <a:buNone/>
+              <a:defRPr sz="2000"/>
             </a:lvl1pPr>
             <a:lvl2pPr marL="457200" indent="0" algn="ctr">
               <a:buNone/>
-              <a:defRPr>
-                <a:solidFill>
-                  <a:schemeClr val="tx1">
-                    <a:tint val="75000"/>
-                  </a:schemeClr>
-                </a:solidFill>
-              </a:defRPr>
+              <a:defRPr sz="2000"/>
             </a:lvl2pPr>
             <a:lvl3pPr marL="914400" indent="0" algn="ctr">
               <a:buNone/>
-              <a:defRPr>
-                <a:solidFill>
-                  <a:schemeClr val="tx1">
-                    <a:tint val="75000"/>
-                  </a:schemeClr>
-                </a:solidFill>
-              </a:defRPr>
+              <a:defRPr sz="1800"/>
             </a:lvl3pPr>
             <a:lvl4pPr marL="1371600" indent="0" algn="ctr">
               <a:buNone/>
-              <a:defRPr>
-                <a:solidFill>
-                  <a:schemeClr val="tx1">
-                    <a:tint val="75000"/>
-                  </a:schemeClr>
-                </a:solidFill>
-              </a:defRPr>
+              <a:defRPr sz="1600"/>
             </a:lvl4pPr>
             <a:lvl5pPr marL="1828800" indent="0" algn="ctr">
               <a:buNone/>
-              <a:defRPr>
-                <a:solidFill>
-                  <a:schemeClr val="tx1">
-                    <a:tint val="75000"/>
-                  </a:schemeClr>
-                </a:solidFill>
-              </a:defRPr>
+              <a:defRPr sz="1600"/>
             </a:lvl5pPr>
             <a:lvl6pPr marL="2286000" indent="0" algn="ctr">
               <a:buNone/>
-              <a:defRPr>
-                <a:solidFill>
-                  <a:schemeClr val="tx1">
-                    <a:tint val="75000"/>
-                  </a:schemeClr>
-                </a:solidFill>
-              </a:defRPr>
+              <a:defRPr sz="1600"/>
             </a:lvl6pPr>
             <a:lvl7pPr marL="2743200" indent="0" algn="ctr">
               <a:buNone/>
-              <a:defRPr>
-                <a:solidFill>
-                  <a:schemeClr val="tx1">
-                    <a:tint val="75000"/>
-                  </a:schemeClr>
-                </a:solidFill>
-              </a:defRPr>
+              <a:defRPr sz="1600"/>
             </a:lvl7pPr>
             <a:lvl8pPr marL="3200400" indent="0" algn="ctr">
               <a:buNone/>
-              <a:defRPr>
-                <a:solidFill>
-                  <a:schemeClr val="tx1">
-                    <a:tint val="75000"/>
-                  </a:schemeClr>
-                </a:solidFill>
-              </a:defRPr>
+              <a:defRPr sz="1600"/>
             </a:lvl8pPr>
             <a:lvl9pPr marL="3657600" indent="0" algn="ctr">
               <a:buNone/>
-              <a:defRPr>
-                <a:solidFill>
-                  <a:schemeClr val="tx1">
-                    <a:tint val="75000"/>
-                  </a:schemeClr>
-                </a:solidFill>
-              </a:defRPr>
+              <a:defRPr sz="1600"/>
             </a:lvl9pPr>
           </a:lstStyle>
           <a:p>
             <a:r>
-              <a:rPr lang="en-US" smtClean="0"/>
+              <a:rPr lang="en-US"/>
               <a:t>Click to edit Master subtitle style</a:t>
             </a:r>
-            <a:endParaRPr lang="en-US"/>
+            <a:endParaRPr lang="en-US" dirty="0"/>
           </a:p>
         </p:txBody>
       </p:sp>
@@ -287,14 +287,19 @@
             <p:ph type="dt" sz="half" idx="10"/>
           </p:nvPr>
         </p:nvSpPr>
-        <p:spPr/>
+        <p:spPr>
+          <a:xfrm>
+            <a:off x="5932170" y="4323845"/>
+            <a:ext cx="2297429" cy="365125"/>
+          </a:xfrm>
+        </p:spPr>
         <p:txBody>
           <a:bodyPr/>
           <a:lstStyle/>
           <a:p>
             <a:fld id="{5BCAD085-E8A6-8845-BD4E-CB4CCA059FC4}" type="datetimeFigureOut">
               <a:rPr lang="en-US" smtClean="0"/>
-              <a:t>1/27/13</a:t>
+              <a:t>10/17/2025</a:t>
             </a:fld>
             <a:endParaRPr lang="en-US"/>
           </a:p>
@@ -310,7 +315,12 @@
             <p:ph type="ftr" sz="quarter" idx="11"/>
           </p:nvPr>
         </p:nvSpPr>
-        <p:spPr/>
+        <p:spPr>
+          <a:xfrm>
+            <a:off x="914400" y="4323846"/>
+            <a:ext cx="4880610" cy="365125"/>
+          </a:xfrm>
+        </p:spPr>
         <p:txBody>
           <a:bodyPr/>
           <a:lstStyle/>
@@ -329,7 +339,12 @@
             <p:ph type="sldNum" sz="quarter" idx="12"/>
           </p:nvPr>
         </p:nvSpPr>
-        <p:spPr/>
+        <p:spPr>
+          <a:xfrm>
+            <a:off x="6057900" y="1430867"/>
+            <a:ext cx="2171700" cy="365125"/>
+          </a:xfrm>
+        </p:spPr>
         <p:txBody>
           <a:bodyPr/>
           <a:lstStyle/>
@@ -345,7 +360,7 @@
     </p:spTree>
     <p:extLst>
       <p:ext uri="{BB962C8B-B14F-4D97-AF65-F5344CB8AC3E}">
-        <p14:creationId xmlns:p14="http://schemas.microsoft.com/office/powerpoint/2010/main" val="3168075583"/>
+        <p14:creationId xmlns:p14="http://schemas.microsoft.com/office/powerpoint/2010/main" val="4167220444"/>
       </p:ext>
     </p:extLst>
   </p:cSld>
@@ -356,6 +371,2598 @@
 </file>
 
 <file path=ppt/slideLayouts/slideLayout10.xml><?xml version="1.0" encoding="utf-8"?>
+<p:sldLayout xmlns:a="http://schemas.openxmlformats.org/drawingml/2006/main" xmlns:r="http://schemas.openxmlformats.org/officeDocument/2006/relationships" xmlns:p="http://schemas.openxmlformats.org/presentationml/2006/main" preserve="1">
+  <p:cSld name="Panoramic Picture with Caption">
+    <p:spTree>
+      <p:nvGrpSpPr>
+        <p:cNvPr id="1" name=""/>
+        <p:cNvGrpSpPr/>
+        <p:nvPr/>
+      </p:nvGrpSpPr>
+      <p:grpSpPr>
+        <a:xfrm>
+          <a:off x="0" y="0"/>
+          <a:ext cx="0" cy="0"/>
+          <a:chOff x="0" y="0"/>
+          <a:chExt cx="0" cy="0"/>
+        </a:xfrm>
+      </p:grpSpPr>
+      <p:sp>
+        <p:nvSpPr>
+          <p:cNvPr id="2" name="Title 1"/>
+          <p:cNvSpPr>
+            <a:spLocks noGrp="1"/>
+          </p:cNvSpPr>
+          <p:nvPr>
+            <p:ph type="title"/>
+          </p:nvPr>
+        </p:nvSpPr>
+        <p:spPr>
+          <a:xfrm>
+            <a:off x="594355" y="4697361"/>
+            <a:ext cx="7956482" cy="819355"/>
+          </a:xfrm>
+        </p:spPr>
+        <p:txBody>
+          <a:bodyPr anchor="b"/>
+          <a:lstStyle>
+            <a:lvl1pPr algn="l">
+              <a:defRPr sz="3200"/>
+            </a:lvl1pPr>
+          </a:lstStyle>
+          <a:p>
+            <a:r>
+              <a:rPr lang="en-US"/>
+              <a:t>Click to edit Master title style</a:t>
+            </a:r>
+            <a:endParaRPr lang="en-US" dirty="0"/>
+          </a:p>
+        </p:txBody>
+      </p:sp>
+      <p:sp>
+        <p:nvSpPr>
+          <p:cNvPr id="3" name="Picture Placeholder 2"/>
+          <p:cNvSpPr>
+            <a:spLocks noGrp="1" noChangeAspect="1"/>
+          </p:cNvSpPr>
+          <p:nvPr>
+            <p:ph type="pic" idx="1"/>
+          </p:nvPr>
+        </p:nvSpPr>
+        <p:spPr>
+          <a:xfrm>
+            <a:off x="594355" y="977035"/>
+            <a:ext cx="7950260" cy="3406972"/>
+          </a:xfrm>
+        </p:spPr>
+        <p:txBody>
+          <a:bodyPr anchor="t"/>
+          <a:lstStyle>
+            <a:lvl1pPr marL="0" indent="0">
+              <a:buNone/>
+              <a:defRPr sz="3200"/>
+            </a:lvl1pPr>
+            <a:lvl2pPr marL="457200" indent="0">
+              <a:buNone/>
+              <a:defRPr sz="2800"/>
+            </a:lvl2pPr>
+            <a:lvl3pPr marL="914400" indent="0">
+              <a:buNone/>
+              <a:defRPr sz="2400"/>
+            </a:lvl3pPr>
+            <a:lvl4pPr marL="1371600" indent="0">
+              <a:buNone/>
+              <a:defRPr sz="2000"/>
+            </a:lvl4pPr>
+            <a:lvl5pPr marL="1828800" indent="0">
+              <a:buNone/>
+              <a:defRPr sz="2000"/>
+            </a:lvl5pPr>
+            <a:lvl6pPr marL="2286000" indent="0">
+              <a:buNone/>
+              <a:defRPr sz="2000"/>
+            </a:lvl6pPr>
+            <a:lvl7pPr marL="2743200" indent="0">
+              <a:buNone/>
+              <a:defRPr sz="2000"/>
+            </a:lvl7pPr>
+            <a:lvl8pPr marL="3200400" indent="0">
+              <a:buNone/>
+              <a:defRPr sz="2000"/>
+            </a:lvl8pPr>
+            <a:lvl9pPr marL="3657600" indent="0">
+              <a:buNone/>
+              <a:defRPr sz="2000"/>
+            </a:lvl9pPr>
+          </a:lstStyle>
+          <a:p>
+            <a:r>
+              <a:rPr lang="en-US"/>
+              <a:t>Click icon to add picture</a:t>
+            </a:r>
+            <a:endParaRPr lang="en-US" dirty="0"/>
+          </a:p>
+        </p:txBody>
+      </p:sp>
+      <p:sp>
+        <p:nvSpPr>
+          <p:cNvPr id="4" name="Text Placeholder 3"/>
+          <p:cNvSpPr>
+            <a:spLocks noGrp="1"/>
+          </p:cNvSpPr>
+          <p:nvPr>
+            <p:ph type="body" sz="half" idx="2"/>
+          </p:nvPr>
+        </p:nvSpPr>
+        <p:spPr>
+          <a:xfrm>
+            <a:off x="594360" y="5516716"/>
+            <a:ext cx="7955280" cy="746924"/>
+          </a:xfrm>
+        </p:spPr>
+        <p:txBody>
+          <a:bodyPr/>
+          <a:lstStyle>
+            <a:lvl1pPr marL="0" indent="0" algn="l">
+              <a:buNone/>
+              <a:defRPr sz="1600"/>
+            </a:lvl1pPr>
+            <a:lvl2pPr marL="457200" indent="0">
+              <a:buNone/>
+              <a:defRPr sz="1400"/>
+            </a:lvl2pPr>
+            <a:lvl3pPr marL="914400" indent="0">
+              <a:buNone/>
+              <a:defRPr sz="1200"/>
+            </a:lvl3pPr>
+            <a:lvl4pPr marL="1371600" indent="0">
+              <a:buNone/>
+              <a:defRPr sz="1000"/>
+            </a:lvl4pPr>
+            <a:lvl5pPr marL="1828800" indent="0">
+              <a:buNone/>
+              <a:defRPr sz="1000"/>
+            </a:lvl5pPr>
+            <a:lvl6pPr marL="2286000" indent="0">
+              <a:buNone/>
+              <a:defRPr sz="1000"/>
+            </a:lvl6pPr>
+            <a:lvl7pPr marL="2743200" indent="0">
+              <a:buNone/>
+              <a:defRPr sz="1000"/>
+            </a:lvl7pPr>
+            <a:lvl8pPr marL="3200400" indent="0">
+              <a:buNone/>
+              <a:defRPr sz="1000"/>
+            </a:lvl8pPr>
+            <a:lvl9pPr marL="3657600" indent="0">
+              <a:buNone/>
+              <a:defRPr sz="1000"/>
+            </a:lvl9pPr>
+          </a:lstStyle>
+          <a:p>
+            <a:pPr lvl="0"/>
+            <a:r>
+              <a:rPr lang="en-US"/>
+              <a:t>Click to edit Master text styles</a:t>
+            </a:r>
+          </a:p>
+        </p:txBody>
+      </p:sp>
+      <p:sp>
+        <p:nvSpPr>
+          <p:cNvPr id="5" name="Date Placeholder 4"/>
+          <p:cNvSpPr>
+            <a:spLocks noGrp="1"/>
+          </p:cNvSpPr>
+          <p:nvPr>
+            <p:ph type="dt" sz="half" idx="10"/>
+          </p:nvPr>
+        </p:nvSpPr>
+        <p:spPr/>
+        <p:txBody>
+          <a:bodyPr/>
+          <a:lstStyle/>
+          <a:p>
+            <a:fld id="{5BCAD085-E8A6-8845-BD4E-CB4CCA059FC4}" type="datetimeFigureOut">
+              <a:rPr lang="en-US" smtClean="0"/>
+              <a:t>10/17/2025</a:t>
+            </a:fld>
+            <a:endParaRPr lang="en-US"/>
+          </a:p>
+        </p:txBody>
+      </p:sp>
+      <p:sp>
+        <p:nvSpPr>
+          <p:cNvPr id="6" name="Footer Placeholder 5"/>
+          <p:cNvSpPr>
+            <a:spLocks noGrp="1"/>
+          </p:cNvSpPr>
+          <p:nvPr>
+            <p:ph type="ftr" sz="quarter" idx="11"/>
+          </p:nvPr>
+        </p:nvSpPr>
+        <p:spPr/>
+        <p:txBody>
+          <a:bodyPr/>
+          <a:lstStyle/>
+          <a:p>
+            <a:endParaRPr lang="en-US"/>
+          </a:p>
+        </p:txBody>
+      </p:sp>
+      <p:sp>
+        <p:nvSpPr>
+          <p:cNvPr id="7" name="Slide Number Placeholder 6"/>
+          <p:cNvSpPr>
+            <a:spLocks noGrp="1"/>
+          </p:cNvSpPr>
+          <p:nvPr>
+            <p:ph type="sldNum" sz="quarter" idx="12"/>
+          </p:nvPr>
+        </p:nvSpPr>
+        <p:spPr/>
+        <p:txBody>
+          <a:bodyPr/>
+          <a:lstStyle/>
+          <a:p>
+            <a:fld id="{C1FF6DA9-008F-8B48-92A6-B652298478BF}" type="slidenum">
+              <a:rPr lang="en-US" smtClean="0"/>
+              <a:t>‹#›</a:t>
+            </a:fld>
+            <a:endParaRPr lang="en-US"/>
+          </a:p>
+        </p:txBody>
+      </p:sp>
+    </p:spTree>
+    <p:extLst>
+      <p:ext uri="{BB962C8B-B14F-4D97-AF65-F5344CB8AC3E}">
+        <p14:creationId xmlns:p14="http://schemas.microsoft.com/office/powerpoint/2010/main" val="602166334"/>
+      </p:ext>
+    </p:extLst>
+  </p:cSld>
+  <p:clrMapOvr>
+    <a:masterClrMapping/>
+  </p:clrMapOvr>
+</p:sldLayout>
+</file>
+
+<file path=ppt/slideLayouts/slideLayout11.xml><?xml version="1.0" encoding="utf-8"?>
+<p:sldLayout xmlns:a="http://schemas.openxmlformats.org/drawingml/2006/main" xmlns:r="http://schemas.openxmlformats.org/officeDocument/2006/relationships" xmlns:p="http://schemas.openxmlformats.org/presentationml/2006/main" showMasterSp="0" preserve="1">
+  <p:cSld name="Title and Caption">
+    <p:spTree>
+      <p:nvGrpSpPr>
+        <p:cNvPr id="1" name=""/>
+        <p:cNvGrpSpPr/>
+        <p:nvPr/>
+      </p:nvGrpSpPr>
+      <p:grpSpPr>
+        <a:xfrm>
+          <a:off x="0" y="0"/>
+          <a:ext cx="0" cy="0"/>
+          <a:chOff x="0" y="0"/>
+          <a:chExt cx="0" cy="0"/>
+        </a:xfrm>
+      </p:grpSpPr>
+      <p:pic>
+        <p:nvPicPr>
+          <p:cNvPr id="9" name="Picture 8" descr="C0-HD-BTM.png"/>
+          <p:cNvPicPr>
+            <a:picLocks noChangeAspect="1"/>
+          </p:cNvPicPr>
+          <p:nvPr/>
+        </p:nvPicPr>
+        <p:blipFill>
+          <a:blip r:embed="rId2">
+            <a:extLst>
+              <a:ext uri="{28A0092B-C50C-407E-A947-70E740481C1C}">
+                <a14:useLocalDpi xmlns:a14="http://schemas.microsoft.com/office/drawing/2010/main" val="0"/>
+              </a:ext>
+            </a:extLst>
+          </a:blip>
+          <a:stretch>
+            <a:fillRect/>
+          </a:stretch>
+        </p:blipFill>
+        <p:spPr>
+          <a:xfrm>
+            <a:off x="0" y="4995862"/>
+            <a:ext cx="9144000" cy="1862138"/>
+          </a:xfrm>
+          <a:prstGeom prst="rect">
+            <a:avLst/>
+          </a:prstGeom>
+        </p:spPr>
+      </p:pic>
+      <p:sp>
+        <p:nvSpPr>
+          <p:cNvPr id="2" name="Title 1"/>
+          <p:cNvSpPr>
+            <a:spLocks noGrp="1"/>
+          </p:cNvSpPr>
+          <p:nvPr>
+            <p:ph type="title"/>
+          </p:nvPr>
+        </p:nvSpPr>
+        <p:spPr>
+          <a:xfrm>
+            <a:off x="594360" y="753533"/>
+            <a:ext cx="7955280" cy="2802467"/>
+          </a:xfrm>
+        </p:spPr>
+        <p:txBody>
+          <a:bodyPr anchor="ctr"/>
+          <a:lstStyle>
+            <a:lvl1pPr algn="l">
+              <a:defRPr sz="3200"/>
+            </a:lvl1pPr>
+          </a:lstStyle>
+          <a:p>
+            <a:r>
+              <a:rPr lang="en-US"/>
+              <a:t>Click to edit Master title style</a:t>
+            </a:r>
+            <a:endParaRPr lang="en-US" dirty="0"/>
+          </a:p>
+        </p:txBody>
+      </p:sp>
+      <p:sp>
+        <p:nvSpPr>
+          <p:cNvPr id="4" name="Text Placeholder 3"/>
+          <p:cNvSpPr>
+            <a:spLocks noGrp="1"/>
+          </p:cNvSpPr>
+          <p:nvPr>
+            <p:ph type="body" sz="half" idx="2"/>
+          </p:nvPr>
+        </p:nvSpPr>
+        <p:spPr>
+          <a:xfrm>
+            <a:off x="685800" y="3649134"/>
+            <a:ext cx="7772400" cy="1330852"/>
+          </a:xfrm>
+        </p:spPr>
+        <p:txBody>
+          <a:bodyPr anchor="ctr"/>
+          <a:lstStyle>
+            <a:lvl1pPr marL="0" indent="0">
+              <a:buNone/>
+              <a:defRPr sz="1600"/>
+            </a:lvl1pPr>
+            <a:lvl2pPr marL="457200" indent="0">
+              <a:buNone/>
+              <a:defRPr sz="1400"/>
+            </a:lvl2pPr>
+            <a:lvl3pPr marL="914400" indent="0">
+              <a:buNone/>
+              <a:defRPr sz="1200"/>
+            </a:lvl3pPr>
+            <a:lvl4pPr marL="1371600" indent="0">
+              <a:buNone/>
+              <a:defRPr sz="1000"/>
+            </a:lvl4pPr>
+            <a:lvl5pPr marL="1828800" indent="0">
+              <a:buNone/>
+              <a:defRPr sz="1000"/>
+            </a:lvl5pPr>
+            <a:lvl6pPr marL="2286000" indent="0">
+              <a:buNone/>
+              <a:defRPr sz="1000"/>
+            </a:lvl6pPr>
+            <a:lvl7pPr marL="2743200" indent="0">
+              <a:buNone/>
+              <a:defRPr sz="1000"/>
+            </a:lvl7pPr>
+            <a:lvl8pPr marL="3200400" indent="0">
+              <a:buNone/>
+              <a:defRPr sz="1000"/>
+            </a:lvl8pPr>
+            <a:lvl9pPr marL="3657600" indent="0">
+              <a:buNone/>
+              <a:defRPr sz="1000"/>
+            </a:lvl9pPr>
+          </a:lstStyle>
+          <a:p>
+            <a:pPr lvl="0"/>
+            <a:r>
+              <a:rPr lang="en-US"/>
+              <a:t>Click to edit Master text styles</a:t>
+            </a:r>
+          </a:p>
+        </p:txBody>
+      </p:sp>
+      <p:sp>
+        <p:nvSpPr>
+          <p:cNvPr id="5" name="Date Placeholder 4"/>
+          <p:cNvSpPr>
+            <a:spLocks noGrp="1"/>
+          </p:cNvSpPr>
+          <p:nvPr>
+            <p:ph type="dt" sz="half" idx="10"/>
+          </p:nvPr>
+        </p:nvSpPr>
+        <p:spPr>
+          <a:xfrm>
+            <a:off x="5562176" y="381001"/>
+            <a:ext cx="2183130" cy="365125"/>
+          </a:xfrm>
+        </p:spPr>
+        <p:txBody>
+          <a:bodyPr/>
+          <a:lstStyle>
+            <a:lvl1pPr algn="r">
+              <a:defRPr/>
+            </a:lvl1pPr>
+          </a:lstStyle>
+          <a:p>
+            <a:fld id="{5BCAD085-E8A6-8845-BD4E-CB4CCA059FC4}" type="datetimeFigureOut">
+              <a:rPr lang="en-US" smtClean="0"/>
+              <a:t>10/17/2025</a:t>
+            </a:fld>
+            <a:endParaRPr lang="en-US"/>
+          </a:p>
+        </p:txBody>
+      </p:sp>
+      <p:sp>
+        <p:nvSpPr>
+          <p:cNvPr id="6" name="Footer Placeholder 5"/>
+          <p:cNvSpPr>
+            <a:spLocks noGrp="1"/>
+          </p:cNvSpPr>
+          <p:nvPr>
+            <p:ph type="ftr" sz="quarter" idx="11"/>
+          </p:nvPr>
+        </p:nvSpPr>
+        <p:spPr>
+          <a:xfrm>
+            <a:off x="594360" y="381001"/>
+            <a:ext cx="4830656" cy="365125"/>
+          </a:xfrm>
+        </p:spPr>
+        <p:txBody>
+          <a:bodyPr/>
+          <a:lstStyle/>
+          <a:p>
+            <a:endParaRPr lang="en-US"/>
+          </a:p>
+        </p:txBody>
+      </p:sp>
+      <p:sp>
+        <p:nvSpPr>
+          <p:cNvPr id="7" name="Slide Number Placeholder 6"/>
+          <p:cNvSpPr>
+            <a:spLocks noGrp="1"/>
+          </p:cNvSpPr>
+          <p:nvPr>
+            <p:ph type="sldNum" sz="quarter" idx="12"/>
+          </p:nvPr>
+        </p:nvSpPr>
+        <p:spPr>
+          <a:xfrm>
+            <a:off x="7882466" y="381001"/>
+            <a:ext cx="667174" cy="365125"/>
+          </a:xfrm>
+        </p:spPr>
+        <p:txBody>
+          <a:bodyPr/>
+          <a:lstStyle/>
+          <a:p>
+            <a:fld id="{C1FF6DA9-008F-8B48-92A6-B652298478BF}" type="slidenum">
+              <a:rPr lang="en-US" smtClean="0"/>
+              <a:t>‹#›</a:t>
+            </a:fld>
+            <a:endParaRPr lang="en-US"/>
+          </a:p>
+        </p:txBody>
+      </p:sp>
+    </p:spTree>
+    <p:extLst>
+      <p:ext uri="{BB962C8B-B14F-4D97-AF65-F5344CB8AC3E}">
+        <p14:creationId xmlns:p14="http://schemas.microsoft.com/office/powerpoint/2010/main" val="3748944266"/>
+      </p:ext>
+    </p:extLst>
+  </p:cSld>
+  <p:clrMapOvr>
+    <a:masterClrMapping/>
+  </p:clrMapOvr>
+</p:sldLayout>
+</file>
+
+<file path=ppt/slideLayouts/slideLayout12.xml><?xml version="1.0" encoding="utf-8"?>
+<p:sldLayout xmlns:a="http://schemas.openxmlformats.org/drawingml/2006/main" xmlns:r="http://schemas.openxmlformats.org/officeDocument/2006/relationships" xmlns:p="http://schemas.openxmlformats.org/presentationml/2006/main" showMasterSp="0" preserve="1">
+  <p:cSld name="Quote with Caption">
+    <p:spTree>
+      <p:nvGrpSpPr>
+        <p:cNvPr id="1" name=""/>
+        <p:cNvGrpSpPr/>
+        <p:nvPr/>
+      </p:nvGrpSpPr>
+      <p:grpSpPr>
+        <a:xfrm>
+          <a:off x="0" y="0"/>
+          <a:ext cx="0" cy="0"/>
+          <a:chOff x="0" y="0"/>
+          <a:chExt cx="0" cy="0"/>
+        </a:xfrm>
+      </p:grpSpPr>
+      <p:pic>
+        <p:nvPicPr>
+          <p:cNvPr id="11" name="Picture 10" descr="C0-HD-BTM.png"/>
+          <p:cNvPicPr>
+            <a:picLocks noChangeAspect="1"/>
+          </p:cNvPicPr>
+          <p:nvPr/>
+        </p:nvPicPr>
+        <p:blipFill>
+          <a:blip r:embed="rId2">
+            <a:extLst>
+              <a:ext uri="{28A0092B-C50C-407E-A947-70E740481C1C}">
+                <a14:useLocalDpi xmlns:a14="http://schemas.microsoft.com/office/drawing/2010/main" val="0"/>
+              </a:ext>
+            </a:extLst>
+          </a:blip>
+          <a:stretch>
+            <a:fillRect/>
+          </a:stretch>
+        </p:blipFill>
+        <p:spPr>
+          <a:xfrm>
+            <a:off x="0" y="4995862"/>
+            <a:ext cx="9144000" cy="1862138"/>
+          </a:xfrm>
+          <a:prstGeom prst="rect">
+            <a:avLst/>
+          </a:prstGeom>
+        </p:spPr>
+      </p:pic>
+      <p:sp>
+        <p:nvSpPr>
+          <p:cNvPr id="2" name="Title 1"/>
+          <p:cNvSpPr>
+            <a:spLocks noGrp="1"/>
+          </p:cNvSpPr>
+          <p:nvPr>
+            <p:ph type="title"/>
+          </p:nvPr>
+        </p:nvSpPr>
+        <p:spPr>
+          <a:xfrm>
+            <a:off x="768351" y="753534"/>
+            <a:ext cx="7613650" cy="2756234"/>
+          </a:xfrm>
+        </p:spPr>
+        <p:txBody>
+          <a:bodyPr anchor="ctr"/>
+          <a:lstStyle>
+            <a:lvl1pPr algn="l">
+              <a:defRPr sz="3200"/>
+            </a:lvl1pPr>
+          </a:lstStyle>
+          <a:p>
+            <a:r>
+              <a:rPr lang="en-US"/>
+              <a:t>Click to edit Master title style</a:t>
+            </a:r>
+            <a:endParaRPr lang="en-US" dirty="0"/>
+          </a:p>
+        </p:txBody>
+      </p:sp>
+      <p:sp>
+        <p:nvSpPr>
+          <p:cNvPr id="12" name="Text Placeholder 3"/>
+          <p:cNvSpPr>
+            <a:spLocks noGrp="1"/>
+          </p:cNvSpPr>
+          <p:nvPr>
+            <p:ph type="body" sz="half" idx="13"/>
+          </p:nvPr>
+        </p:nvSpPr>
+        <p:spPr>
+          <a:xfrm>
+            <a:off x="977899" y="3509768"/>
+            <a:ext cx="7194552" cy="444443"/>
+          </a:xfrm>
+        </p:spPr>
+        <p:txBody>
+          <a:bodyPr anchor="t">
+            <a:normAutofit/>
+          </a:bodyPr>
+          <a:lstStyle>
+            <a:lvl1pPr marL="0" indent="0">
+              <a:buNone/>
+              <a:defRPr sz="1400"/>
+            </a:lvl1pPr>
+            <a:lvl2pPr marL="457200" indent="0">
+              <a:buNone/>
+              <a:defRPr sz="1400"/>
+            </a:lvl2pPr>
+            <a:lvl3pPr marL="914400" indent="0">
+              <a:buNone/>
+              <a:defRPr sz="1200"/>
+            </a:lvl3pPr>
+            <a:lvl4pPr marL="1371600" indent="0">
+              <a:buNone/>
+              <a:defRPr sz="1000"/>
+            </a:lvl4pPr>
+            <a:lvl5pPr marL="1828800" indent="0">
+              <a:buNone/>
+              <a:defRPr sz="1000"/>
+            </a:lvl5pPr>
+            <a:lvl6pPr marL="2286000" indent="0">
+              <a:buNone/>
+              <a:defRPr sz="1000"/>
+            </a:lvl6pPr>
+            <a:lvl7pPr marL="2743200" indent="0">
+              <a:buNone/>
+              <a:defRPr sz="1000"/>
+            </a:lvl7pPr>
+            <a:lvl8pPr marL="3200400" indent="0">
+              <a:buNone/>
+              <a:defRPr sz="1000"/>
+            </a:lvl8pPr>
+            <a:lvl9pPr marL="3657600" indent="0">
+              <a:buNone/>
+              <a:defRPr sz="1000"/>
+            </a:lvl9pPr>
+          </a:lstStyle>
+          <a:p>
+            <a:pPr lvl="0"/>
+            <a:r>
+              <a:rPr lang="en-US"/>
+              <a:t>Click to edit Master text styles</a:t>
+            </a:r>
+          </a:p>
+        </p:txBody>
+      </p:sp>
+      <p:sp>
+        <p:nvSpPr>
+          <p:cNvPr id="4" name="Text Placeholder 3"/>
+          <p:cNvSpPr>
+            <a:spLocks noGrp="1"/>
+          </p:cNvSpPr>
+          <p:nvPr>
+            <p:ph type="body" sz="half" idx="2"/>
+          </p:nvPr>
+        </p:nvSpPr>
+        <p:spPr>
+          <a:xfrm>
+            <a:off x="685800" y="4174597"/>
+            <a:ext cx="7778752" cy="821265"/>
+          </a:xfrm>
+        </p:spPr>
+        <p:txBody>
+          <a:bodyPr anchor="ctr">
+            <a:normAutofit/>
+          </a:bodyPr>
+          <a:lstStyle>
+            <a:lvl1pPr marL="0" indent="0">
+              <a:buNone/>
+              <a:defRPr sz="1600"/>
+            </a:lvl1pPr>
+            <a:lvl2pPr marL="457200" indent="0">
+              <a:buNone/>
+              <a:defRPr sz="1400"/>
+            </a:lvl2pPr>
+            <a:lvl3pPr marL="914400" indent="0">
+              <a:buNone/>
+              <a:defRPr sz="1200"/>
+            </a:lvl3pPr>
+            <a:lvl4pPr marL="1371600" indent="0">
+              <a:buNone/>
+              <a:defRPr sz="1000"/>
+            </a:lvl4pPr>
+            <a:lvl5pPr marL="1828800" indent="0">
+              <a:buNone/>
+              <a:defRPr sz="1000"/>
+            </a:lvl5pPr>
+            <a:lvl6pPr marL="2286000" indent="0">
+              <a:buNone/>
+              <a:defRPr sz="1000"/>
+            </a:lvl6pPr>
+            <a:lvl7pPr marL="2743200" indent="0">
+              <a:buNone/>
+              <a:defRPr sz="1000"/>
+            </a:lvl7pPr>
+            <a:lvl8pPr marL="3200400" indent="0">
+              <a:buNone/>
+              <a:defRPr sz="1000"/>
+            </a:lvl8pPr>
+            <a:lvl9pPr marL="3657600" indent="0">
+              <a:buNone/>
+              <a:defRPr sz="1000"/>
+            </a:lvl9pPr>
+          </a:lstStyle>
+          <a:p>
+            <a:pPr lvl="0"/>
+            <a:r>
+              <a:rPr lang="en-US"/>
+              <a:t>Click to edit Master text styles</a:t>
+            </a:r>
+          </a:p>
+        </p:txBody>
+      </p:sp>
+      <p:sp>
+        <p:nvSpPr>
+          <p:cNvPr id="5" name="Date Placeholder 4"/>
+          <p:cNvSpPr>
+            <a:spLocks noGrp="1"/>
+          </p:cNvSpPr>
+          <p:nvPr>
+            <p:ph type="dt" sz="half" idx="10"/>
+          </p:nvPr>
+        </p:nvSpPr>
+        <p:spPr>
+          <a:xfrm>
+            <a:off x="5562176" y="381001"/>
+            <a:ext cx="2183130" cy="365125"/>
+          </a:xfrm>
+        </p:spPr>
+        <p:txBody>
+          <a:bodyPr/>
+          <a:lstStyle>
+            <a:lvl1pPr algn="r">
+              <a:defRPr/>
+            </a:lvl1pPr>
+          </a:lstStyle>
+          <a:p>
+            <a:fld id="{5BCAD085-E8A6-8845-BD4E-CB4CCA059FC4}" type="datetimeFigureOut">
+              <a:rPr lang="en-US" smtClean="0"/>
+              <a:t>10/17/2025</a:t>
+            </a:fld>
+            <a:endParaRPr lang="en-US"/>
+          </a:p>
+        </p:txBody>
+      </p:sp>
+      <p:sp>
+        <p:nvSpPr>
+          <p:cNvPr id="6" name="Footer Placeholder 5"/>
+          <p:cNvSpPr>
+            <a:spLocks noGrp="1"/>
+          </p:cNvSpPr>
+          <p:nvPr>
+            <p:ph type="ftr" sz="quarter" idx="11"/>
+          </p:nvPr>
+        </p:nvSpPr>
+        <p:spPr>
+          <a:xfrm>
+            <a:off x="594360" y="379438"/>
+            <a:ext cx="4830656" cy="365125"/>
+          </a:xfrm>
+        </p:spPr>
+        <p:txBody>
+          <a:bodyPr/>
+          <a:lstStyle/>
+          <a:p>
+            <a:endParaRPr lang="en-US"/>
+          </a:p>
+        </p:txBody>
+      </p:sp>
+      <p:sp>
+        <p:nvSpPr>
+          <p:cNvPr id="7" name="Slide Number Placeholder 6"/>
+          <p:cNvSpPr>
+            <a:spLocks noGrp="1"/>
+          </p:cNvSpPr>
+          <p:nvPr>
+            <p:ph type="sldNum" sz="quarter" idx="12"/>
+          </p:nvPr>
+        </p:nvSpPr>
+        <p:spPr>
+          <a:xfrm>
+            <a:off x="7882466" y="381001"/>
+            <a:ext cx="667174" cy="365125"/>
+          </a:xfrm>
+        </p:spPr>
+        <p:txBody>
+          <a:bodyPr/>
+          <a:lstStyle/>
+          <a:p>
+            <a:fld id="{C1FF6DA9-008F-8B48-92A6-B652298478BF}" type="slidenum">
+              <a:rPr lang="en-US" smtClean="0"/>
+              <a:t>‹#›</a:t>
+            </a:fld>
+            <a:endParaRPr lang="en-US"/>
+          </a:p>
+        </p:txBody>
+      </p:sp>
+      <p:sp>
+        <p:nvSpPr>
+          <p:cNvPr id="13" name="TextBox 12"/>
+          <p:cNvSpPr txBox="1"/>
+          <p:nvPr/>
+        </p:nvSpPr>
+        <p:spPr>
+          <a:xfrm>
+            <a:off x="231458" y="807720"/>
+            <a:ext cx="457200" cy="584776"/>
+          </a:xfrm>
+          <a:prstGeom prst="rect">
+            <a:avLst/>
+          </a:prstGeom>
+        </p:spPr>
+        <p:txBody>
+          <a:bodyPr vert="horz" lIns="91440" tIns="45720" rIns="91440" bIns="45720" rtlCol="0" anchor="ctr">
+            <a:noAutofit/>
+          </a:bodyPr>
+          <a:lstStyle>
+            <a:lvl1pPr>
+              <a:spcBef>
+                <a:spcPct val="0"/>
+              </a:spcBef>
+              <a:buNone/>
+              <a:defRPr sz="3200" b="0" cap="all">
+                <a:ln w="3175" cmpd="sng">
+                  <a:noFill/>
+                </a:ln>
+                <a:effectLst>
+                  <a:glow rad="38100">
+                    <a:schemeClr val="bg1">
+                      <a:lumMod val="65000"/>
+                      <a:lumOff val="35000"/>
+                      <a:alpha val="40000"/>
+                    </a:schemeClr>
+                  </a:glow>
+                  <a:outerShdw blurRad="28575" dist="38100" dir="14040000" algn="tl" rotWithShape="0">
+                    <a:srgbClr val="000000">
+                      <a:alpha val="25000"/>
+                    </a:srgbClr>
+                  </a:outerShdw>
+                </a:effectLst>
+              </a:defRPr>
+            </a:lvl1pPr>
+            <a:lvl2pPr>
+              <a:defRPr>
+                <a:solidFill>
+                  <a:schemeClr val="tx2"/>
+                </a:solidFill>
+              </a:defRPr>
+            </a:lvl2pPr>
+            <a:lvl3pPr>
+              <a:defRPr>
+                <a:solidFill>
+                  <a:schemeClr val="tx2"/>
+                </a:solidFill>
+              </a:defRPr>
+            </a:lvl3pPr>
+            <a:lvl4pPr>
+              <a:defRPr>
+                <a:solidFill>
+                  <a:schemeClr val="tx2"/>
+                </a:solidFill>
+              </a:defRPr>
+            </a:lvl4pPr>
+            <a:lvl5pPr>
+              <a:defRPr>
+                <a:solidFill>
+                  <a:schemeClr val="tx2"/>
+                </a:solidFill>
+              </a:defRPr>
+            </a:lvl5pPr>
+            <a:lvl6pPr>
+              <a:defRPr>
+                <a:solidFill>
+                  <a:schemeClr val="tx2"/>
+                </a:solidFill>
+              </a:defRPr>
+            </a:lvl6pPr>
+            <a:lvl7pPr>
+              <a:defRPr>
+                <a:solidFill>
+                  <a:schemeClr val="tx2"/>
+                </a:solidFill>
+              </a:defRPr>
+            </a:lvl7pPr>
+            <a:lvl8pPr>
+              <a:defRPr>
+                <a:solidFill>
+                  <a:schemeClr val="tx2"/>
+                </a:solidFill>
+              </a:defRPr>
+            </a:lvl8pPr>
+            <a:lvl9pPr>
+              <a:defRPr>
+                <a:solidFill>
+                  <a:schemeClr val="tx2"/>
+                </a:solidFill>
+              </a:defRPr>
+            </a:lvl9pPr>
+          </a:lstStyle>
+          <a:p>
+            <a:pPr lvl="0"/>
+            <a:r>
+              <a:rPr lang="en-US" sz="8000" dirty="0">
+                <a:solidFill>
+                  <a:schemeClr val="tx1"/>
+                </a:solidFill>
+                <a:effectLst/>
+              </a:rPr>
+              <a:t>“</a:t>
+            </a:r>
+          </a:p>
+        </p:txBody>
+      </p:sp>
+      <p:sp>
+        <p:nvSpPr>
+          <p:cNvPr id="14" name="TextBox 13"/>
+          <p:cNvSpPr txBox="1"/>
+          <p:nvPr/>
+        </p:nvSpPr>
+        <p:spPr>
+          <a:xfrm>
+            <a:off x="8146733" y="3021330"/>
+            <a:ext cx="457200" cy="584776"/>
+          </a:xfrm>
+          <a:prstGeom prst="rect">
+            <a:avLst/>
+          </a:prstGeom>
+        </p:spPr>
+        <p:txBody>
+          <a:bodyPr vert="horz" lIns="91440" tIns="45720" rIns="91440" bIns="45720" rtlCol="0" anchor="ctr">
+            <a:noAutofit/>
+          </a:bodyPr>
+          <a:lstStyle>
+            <a:lvl1pPr>
+              <a:spcBef>
+                <a:spcPct val="0"/>
+              </a:spcBef>
+              <a:buNone/>
+              <a:defRPr sz="3200" b="0" cap="all">
+                <a:ln w="3175" cmpd="sng">
+                  <a:noFill/>
+                </a:ln>
+                <a:effectLst>
+                  <a:glow rad="38100">
+                    <a:schemeClr val="bg1">
+                      <a:lumMod val="65000"/>
+                      <a:lumOff val="35000"/>
+                      <a:alpha val="40000"/>
+                    </a:schemeClr>
+                  </a:glow>
+                  <a:outerShdw blurRad="28575" dist="38100" dir="14040000" algn="tl" rotWithShape="0">
+                    <a:srgbClr val="000000">
+                      <a:alpha val="25000"/>
+                    </a:srgbClr>
+                  </a:outerShdw>
+                </a:effectLst>
+              </a:defRPr>
+            </a:lvl1pPr>
+            <a:lvl2pPr>
+              <a:defRPr>
+                <a:solidFill>
+                  <a:schemeClr val="tx2"/>
+                </a:solidFill>
+              </a:defRPr>
+            </a:lvl2pPr>
+            <a:lvl3pPr>
+              <a:defRPr>
+                <a:solidFill>
+                  <a:schemeClr val="tx2"/>
+                </a:solidFill>
+              </a:defRPr>
+            </a:lvl3pPr>
+            <a:lvl4pPr>
+              <a:defRPr>
+                <a:solidFill>
+                  <a:schemeClr val="tx2"/>
+                </a:solidFill>
+              </a:defRPr>
+            </a:lvl4pPr>
+            <a:lvl5pPr>
+              <a:defRPr>
+                <a:solidFill>
+                  <a:schemeClr val="tx2"/>
+                </a:solidFill>
+              </a:defRPr>
+            </a:lvl5pPr>
+            <a:lvl6pPr>
+              <a:defRPr>
+                <a:solidFill>
+                  <a:schemeClr val="tx2"/>
+                </a:solidFill>
+              </a:defRPr>
+            </a:lvl6pPr>
+            <a:lvl7pPr>
+              <a:defRPr>
+                <a:solidFill>
+                  <a:schemeClr val="tx2"/>
+                </a:solidFill>
+              </a:defRPr>
+            </a:lvl7pPr>
+            <a:lvl8pPr>
+              <a:defRPr>
+                <a:solidFill>
+                  <a:schemeClr val="tx2"/>
+                </a:solidFill>
+              </a:defRPr>
+            </a:lvl8pPr>
+            <a:lvl9pPr>
+              <a:defRPr>
+                <a:solidFill>
+                  <a:schemeClr val="tx2"/>
+                </a:solidFill>
+              </a:defRPr>
+            </a:lvl9pPr>
+          </a:lstStyle>
+          <a:p>
+            <a:pPr lvl="0" algn="r"/>
+            <a:r>
+              <a:rPr lang="en-US" sz="8000" dirty="0">
+                <a:solidFill>
+                  <a:schemeClr val="tx1"/>
+                </a:solidFill>
+                <a:effectLst/>
+              </a:rPr>
+              <a:t>”</a:t>
+            </a:r>
+          </a:p>
+        </p:txBody>
+      </p:sp>
+    </p:spTree>
+    <p:extLst>
+      <p:ext uri="{BB962C8B-B14F-4D97-AF65-F5344CB8AC3E}">
+        <p14:creationId xmlns:p14="http://schemas.microsoft.com/office/powerpoint/2010/main" val="754143370"/>
+      </p:ext>
+    </p:extLst>
+  </p:cSld>
+  <p:clrMapOvr>
+    <a:masterClrMapping/>
+  </p:clrMapOvr>
+</p:sldLayout>
+</file>
+
+<file path=ppt/slideLayouts/slideLayout13.xml><?xml version="1.0" encoding="utf-8"?>
+<p:sldLayout xmlns:a="http://schemas.openxmlformats.org/drawingml/2006/main" xmlns:r="http://schemas.openxmlformats.org/officeDocument/2006/relationships" xmlns:p="http://schemas.openxmlformats.org/presentationml/2006/main" showMasterSp="0" preserve="1">
+  <p:cSld name="Name Card">
+    <p:spTree>
+      <p:nvGrpSpPr>
+        <p:cNvPr id="1" name=""/>
+        <p:cNvGrpSpPr/>
+        <p:nvPr/>
+      </p:nvGrpSpPr>
+      <p:grpSpPr>
+        <a:xfrm>
+          <a:off x="0" y="0"/>
+          <a:ext cx="0" cy="0"/>
+          <a:chOff x="0" y="0"/>
+          <a:chExt cx="0" cy="0"/>
+        </a:xfrm>
+      </p:grpSpPr>
+      <p:pic>
+        <p:nvPicPr>
+          <p:cNvPr id="8" name="Picture 7" descr="C0-HD-BTM.png"/>
+          <p:cNvPicPr>
+            <a:picLocks noChangeAspect="1"/>
+          </p:cNvPicPr>
+          <p:nvPr/>
+        </p:nvPicPr>
+        <p:blipFill>
+          <a:blip r:embed="rId2">
+            <a:extLst>
+              <a:ext uri="{28A0092B-C50C-407E-A947-70E740481C1C}">
+                <a14:useLocalDpi xmlns:a14="http://schemas.microsoft.com/office/drawing/2010/main" val="0"/>
+              </a:ext>
+            </a:extLst>
+          </a:blip>
+          <a:stretch>
+            <a:fillRect/>
+          </a:stretch>
+        </p:blipFill>
+        <p:spPr>
+          <a:xfrm>
+            <a:off x="0" y="4995862"/>
+            <a:ext cx="9144000" cy="1862138"/>
+          </a:xfrm>
+          <a:prstGeom prst="rect">
+            <a:avLst/>
+          </a:prstGeom>
+        </p:spPr>
+      </p:pic>
+      <p:sp>
+        <p:nvSpPr>
+          <p:cNvPr id="2" name="Title 1"/>
+          <p:cNvSpPr>
+            <a:spLocks noGrp="1"/>
+          </p:cNvSpPr>
+          <p:nvPr>
+            <p:ph type="title"/>
+          </p:nvPr>
+        </p:nvSpPr>
+        <p:spPr>
+          <a:xfrm>
+            <a:off x="685800" y="1124702"/>
+            <a:ext cx="7774782" cy="2511835"/>
+          </a:xfrm>
+        </p:spPr>
+        <p:txBody>
+          <a:bodyPr anchor="b"/>
+          <a:lstStyle>
+            <a:lvl1pPr algn="l">
+              <a:defRPr sz="3200"/>
+            </a:lvl1pPr>
+          </a:lstStyle>
+          <a:p>
+            <a:r>
+              <a:rPr lang="en-US"/>
+              <a:t>Click to edit Master title style</a:t>
+            </a:r>
+            <a:endParaRPr lang="en-US" dirty="0"/>
+          </a:p>
+        </p:txBody>
+      </p:sp>
+      <p:sp>
+        <p:nvSpPr>
+          <p:cNvPr id="4" name="Text Placeholder 3"/>
+          <p:cNvSpPr>
+            <a:spLocks noGrp="1"/>
+          </p:cNvSpPr>
+          <p:nvPr>
+            <p:ph type="body" sz="half" idx="2"/>
+          </p:nvPr>
+        </p:nvSpPr>
+        <p:spPr>
+          <a:xfrm>
+            <a:off x="685792" y="3648316"/>
+            <a:ext cx="7773608" cy="999885"/>
+          </a:xfrm>
+        </p:spPr>
+        <p:txBody>
+          <a:bodyPr anchor="t"/>
+          <a:lstStyle>
+            <a:lvl1pPr marL="0" indent="0">
+              <a:buNone/>
+              <a:defRPr sz="1600"/>
+            </a:lvl1pPr>
+            <a:lvl2pPr marL="457200" indent="0">
+              <a:buNone/>
+              <a:defRPr sz="1400"/>
+            </a:lvl2pPr>
+            <a:lvl3pPr marL="914400" indent="0">
+              <a:buNone/>
+              <a:defRPr sz="1200"/>
+            </a:lvl3pPr>
+            <a:lvl4pPr marL="1371600" indent="0">
+              <a:buNone/>
+              <a:defRPr sz="1000"/>
+            </a:lvl4pPr>
+            <a:lvl5pPr marL="1828800" indent="0">
+              <a:buNone/>
+              <a:defRPr sz="1000"/>
+            </a:lvl5pPr>
+            <a:lvl6pPr marL="2286000" indent="0">
+              <a:buNone/>
+              <a:defRPr sz="1000"/>
+            </a:lvl6pPr>
+            <a:lvl7pPr marL="2743200" indent="0">
+              <a:buNone/>
+              <a:defRPr sz="1000"/>
+            </a:lvl7pPr>
+            <a:lvl8pPr marL="3200400" indent="0">
+              <a:buNone/>
+              <a:defRPr sz="1000"/>
+            </a:lvl8pPr>
+            <a:lvl9pPr marL="3657600" indent="0">
+              <a:buNone/>
+              <a:defRPr sz="1000"/>
+            </a:lvl9pPr>
+          </a:lstStyle>
+          <a:p>
+            <a:pPr lvl="0"/>
+            <a:r>
+              <a:rPr lang="en-US"/>
+              <a:t>Click to edit Master text styles</a:t>
+            </a:r>
+          </a:p>
+        </p:txBody>
+      </p:sp>
+      <p:sp>
+        <p:nvSpPr>
+          <p:cNvPr id="5" name="Date Placeholder 4"/>
+          <p:cNvSpPr>
+            <a:spLocks noGrp="1"/>
+          </p:cNvSpPr>
+          <p:nvPr>
+            <p:ph type="dt" sz="half" idx="10"/>
+          </p:nvPr>
+        </p:nvSpPr>
+        <p:spPr>
+          <a:xfrm>
+            <a:off x="5562176" y="378884"/>
+            <a:ext cx="2183130" cy="365125"/>
+          </a:xfrm>
+        </p:spPr>
+        <p:txBody>
+          <a:bodyPr/>
+          <a:lstStyle>
+            <a:lvl1pPr algn="r">
+              <a:defRPr/>
+            </a:lvl1pPr>
+          </a:lstStyle>
+          <a:p>
+            <a:fld id="{5BCAD085-E8A6-8845-BD4E-CB4CCA059FC4}" type="datetimeFigureOut">
+              <a:rPr lang="en-US" smtClean="0"/>
+              <a:t>10/17/2025</a:t>
+            </a:fld>
+            <a:endParaRPr lang="en-US"/>
+          </a:p>
+        </p:txBody>
+      </p:sp>
+      <p:sp>
+        <p:nvSpPr>
+          <p:cNvPr id="6" name="Footer Placeholder 5"/>
+          <p:cNvSpPr>
+            <a:spLocks noGrp="1"/>
+          </p:cNvSpPr>
+          <p:nvPr>
+            <p:ph type="ftr" sz="quarter" idx="11"/>
+          </p:nvPr>
+        </p:nvSpPr>
+        <p:spPr>
+          <a:xfrm>
+            <a:off x="594360" y="378884"/>
+            <a:ext cx="4830656" cy="365125"/>
+          </a:xfrm>
+        </p:spPr>
+        <p:txBody>
+          <a:bodyPr/>
+          <a:lstStyle/>
+          <a:p>
+            <a:endParaRPr lang="en-US"/>
+          </a:p>
+        </p:txBody>
+      </p:sp>
+      <p:sp>
+        <p:nvSpPr>
+          <p:cNvPr id="7" name="Slide Number Placeholder 6"/>
+          <p:cNvSpPr>
+            <a:spLocks noGrp="1"/>
+          </p:cNvSpPr>
+          <p:nvPr>
+            <p:ph type="sldNum" sz="quarter" idx="12"/>
+          </p:nvPr>
+        </p:nvSpPr>
+        <p:spPr>
+          <a:xfrm>
+            <a:off x="7882466" y="381001"/>
+            <a:ext cx="667174" cy="365125"/>
+          </a:xfrm>
+        </p:spPr>
+        <p:txBody>
+          <a:bodyPr/>
+          <a:lstStyle/>
+          <a:p>
+            <a:fld id="{C1FF6DA9-008F-8B48-92A6-B652298478BF}" type="slidenum">
+              <a:rPr lang="en-US" smtClean="0"/>
+              <a:t>‹#›</a:t>
+            </a:fld>
+            <a:endParaRPr lang="en-US"/>
+          </a:p>
+        </p:txBody>
+      </p:sp>
+    </p:spTree>
+    <p:extLst>
+      <p:ext uri="{BB962C8B-B14F-4D97-AF65-F5344CB8AC3E}">
+        <p14:creationId xmlns:p14="http://schemas.microsoft.com/office/powerpoint/2010/main" val="2398216703"/>
+      </p:ext>
+    </p:extLst>
+  </p:cSld>
+  <p:clrMapOvr>
+    <a:masterClrMapping/>
+  </p:clrMapOvr>
+</p:sldLayout>
+</file>
+
+<file path=ppt/slideLayouts/slideLayout14.xml><?xml version="1.0" encoding="utf-8"?>
+<p:sldLayout xmlns:a="http://schemas.openxmlformats.org/drawingml/2006/main" xmlns:r="http://schemas.openxmlformats.org/officeDocument/2006/relationships" xmlns:p="http://schemas.openxmlformats.org/presentationml/2006/main" preserve="1">
+  <p:cSld name="3 Column">
+    <p:spTree>
+      <p:nvGrpSpPr>
+        <p:cNvPr id="1" name=""/>
+        <p:cNvGrpSpPr/>
+        <p:nvPr/>
+      </p:nvGrpSpPr>
+      <p:grpSpPr>
+        <a:xfrm>
+          <a:off x="0" y="0"/>
+          <a:ext cx="0" cy="0"/>
+          <a:chOff x="0" y="0"/>
+          <a:chExt cx="0" cy="0"/>
+        </a:xfrm>
+      </p:grpSpPr>
+      <p:sp>
+        <p:nvSpPr>
+          <p:cNvPr id="15" name="Title 1"/>
+          <p:cNvSpPr>
+            <a:spLocks noGrp="1"/>
+          </p:cNvSpPr>
+          <p:nvPr>
+            <p:ph type="title"/>
+          </p:nvPr>
+        </p:nvSpPr>
+        <p:spPr>
+          <a:xfrm>
+            <a:off x="2171701" y="762000"/>
+            <a:ext cx="6377939" cy="1303867"/>
+          </a:xfrm>
+        </p:spPr>
+        <p:txBody>
+          <a:bodyPr/>
+          <a:lstStyle/>
+          <a:p>
+            <a:r>
+              <a:rPr lang="en-US"/>
+              <a:t>Click to edit Master title style</a:t>
+            </a:r>
+            <a:endParaRPr lang="en-US" dirty="0"/>
+          </a:p>
+        </p:txBody>
+      </p:sp>
+      <p:sp>
+        <p:nvSpPr>
+          <p:cNvPr id="7" name="Text Placeholder 2"/>
+          <p:cNvSpPr>
+            <a:spLocks noGrp="1"/>
+          </p:cNvSpPr>
+          <p:nvPr>
+            <p:ph type="body" idx="1"/>
+          </p:nvPr>
+        </p:nvSpPr>
+        <p:spPr>
+          <a:xfrm>
+            <a:off x="594361" y="2202080"/>
+            <a:ext cx="2560320" cy="617320"/>
+          </a:xfrm>
+        </p:spPr>
+        <p:txBody>
+          <a:bodyPr anchor="b">
+            <a:noAutofit/>
+          </a:bodyPr>
+          <a:lstStyle>
+            <a:lvl1pPr marL="0" indent="0">
+              <a:buNone/>
+              <a:defRPr sz="2400" b="0">
+                <a:solidFill>
+                  <a:schemeClr val="tx1"/>
+                </a:solidFill>
+              </a:defRPr>
+            </a:lvl1pPr>
+            <a:lvl2pPr marL="457200" indent="0">
+              <a:buNone/>
+              <a:defRPr sz="2000" b="1"/>
+            </a:lvl2pPr>
+            <a:lvl3pPr marL="914400" indent="0">
+              <a:buNone/>
+              <a:defRPr sz="1800" b="1"/>
+            </a:lvl3pPr>
+            <a:lvl4pPr marL="1371600" indent="0">
+              <a:buNone/>
+              <a:defRPr sz="1600" b="1"/>
+            </a:lvl4pPr>
+            <a:lvl5pPr marL="1828800" indent="0">
+              <a:buNone/>
+              <a:defRPr sz="1600" b="1"/>
+            </a:lvl5pPr>
+            <a:lvl6pPr marL="2286000" indent="0">
+              <a:buNone/>
+              <a:defRPr sz="1600" b="1"/>
+            </a:lvl6pPr>
+            <a:lvl7pPr marL="2743200" indent="0">
+              <a:buNone/>
+              <a:defRPr sz="1600" b="1"/>
+            </a:lvl7pPr>
+            <a:lvl8pPr marL="3200400" indent="0">
+              <a:buNone/>
+              <a:defRPr sz="1600" b="1"/>
+            </a:lvl8pPr>
+            <a:lvl9pPr marL="3657600" indent="0">
+              <a:buNone/>
+              <a:defRPr sz="1600" b="1"/>
+            </a:lvl9pPr>
+          </a:lstStyle>
+          <a:p>
+            <a:pPr lvl="0"/>
+            <a:r>
+              <a:rPr lang="en-US"/>
+              <a:t>Click to edit Master text styles</a:t>
+            </a:r>
+          </a:p>
+        </p:txBody>
+      </p:sp>
+      <p:sp>
+        <p:nvSpPr>
+          <p:cNvPr id="8" name="Text Placeholder 3"/>
+          <p:cNvSpPr>
+            <a:spLocks noGrp="1"/>
+          </p:cNvSpPr>
+          <p:nvPr>
+            <p:ph type="body" sz="half" idx="15"/>
+          </p:nvPr>
+        </p:nvSpPr>
+        <p:spPr>
+          <a:xfrm>
+            <a:off x="594360" y="2904564"/>
+            <a:ext cx="2560320" cy="3359079"/>
+          </a:xfrm>
+        </p:spPr>
+        <p:txBody>
+          <a:bodyPr anchor="t">
+            <a:normAutofit/>
+          </a:bodyPr>
+          <a:lstStyle>
+            <a:lvl1pPr marL="0" indent="0">
+              <a:buNone/>
+              <a:defRPr sz="1400"/>
+            </a:lvl1pPr>
+            <a:lvl2pPr marL="457200" indent="0">
+              <a:buNone/>
+              <a:defRPr sz="1200"/>
+            </a:lvl2pPr>
+            <a:lvl3pPr marL="914400" indent="0">
+              <a:buNone/>
+              <a:defRPr sz="1000"/>
+            </a:lvl3pPr>
+            <a:lvl4pPr marL="1371600" indent="0">
+              <a:buNone/>
+              <a:defRPr sz="900"/>
+            </a:lvl4pPr>
+            <a:lvl5pPr marL="1828800" indent="0">
+              <a:buNone/>
+              <a:defRPr sz="900"/>
+            </a:lvl5pPr>
+            <a:lvl6pPr marL="2286000" indent="0">
+              <a:buNone/>
+              <a:defRPr sz="900"/>
+            </a:lvl6pPr>
+            <a:lvl7pPr marL="2743200" indent="0">
+              <a:buNone/>
+              <a:defRPr sz="900"/>
+            </a:lvl7pPr>
+            <a:lvl8pPr marL="3200400" indent="0">
+              <a:buNone/>
+              <a:defRPr sz="900"/>
+            </a:lvl8pPr>
+            <a:lvl9pPr marL="3657600" indent="0">
+              <a:buNone/>
+              <a:defRPr sz="900"/>
+            </a:lvl9pPr>
+          </a:lstStyle>
+          <a:p>
+            <a:pPr lvl="0"/>
+            <a:r>
+              <a:rPr lang="en-US"/>
+              <a:t>Click to edit Master text styles</a:t>
+            </a:r>
+          </a:p>
+        </p:txBody>
+      </p:sp>
+      <p:sp>
+        <p:nvSpPr>
+          <p:cNvPr id="9" name="Text Placeholder 4"/>
+          <p:cNvSpPr>
+            <a:spLocks noGrp="1"/>
+          </p:cNvSpPr>
+          <p:nvPr>
+            <p:ph type="body" sz="quarter" idx="3"/>
+          </p:nvPr>
+        </p:nvSpPr>
+        <p:spPr>
+          <a:xfrm>
+            <a:off x="3302237" y="2201333"/>
+            <a:ext cx="2560320" cy="626534"/>
+          </a:xfrm>
+        </p:spPr>
+        <p:txBody>
+          <a:bodyPr anchor="b">
+            <a:noAutofit/>
+          </a:bodyPr>
+          <a:lstStyle>
+            <a:lvl1pPr marL="0" indent="0">
+              <a:buNone/>
+              <a:defRPr sz="2400" b="0">
+                <a:solidFill>
+                  <a:schemeClr val="tx1"/>
+                </a:solidFill>
+              </a:defRPr>
+            </a:lvl1pPr>
+            <a:lvl2pPr marL="457200" indent="0">
+              <a:buNone/>
+              <a:defRPr sz="2000" b="1"/>
+            </a:lvl2pPr>
+            <a:lvl3pPr marL="914400" indent="0">
+              <a:buNone/>
+              <a:defRPr sz="1800" b="1"/>
+            </a:lvl3pPr>
+            <a:lvl4pPr marL="1371600" indent="0">
+              <a:buNone/>
+              <a:defRPr sz="1600" b="1"/>
+            </a:lvl4pPr>
+            <a:lvl5pPr marL="1828800" indent="0">
+              <a:buNone/>
+              <a:defRPr sz="1600" b="1"/>
+            </a:lvl5pPr>
+            <a:lvl6pPr marL="2286000" indent="0">
+              <a:buNone/>
+              <a:defRPr sz="1600" b="1"/>
+            </a:lvl6pPr>
+            <a:lvl7pPr marL="2743200" indent="0">
+              <a:buNone/>
+              <a:defRPr sz="1600" b="1"/>
+            </a:lvl7pPr>
+            <a:lvl8pPr marL="3200400" indent="0">
+              <a:buNone/>
+              <a:defRPr sz="1600" b="1"/>
+            </a:lvl8pPr>
+            <a:lvl9pPr marL="3657600" indent="0">
+              <a:buNone/>
+              <a:defRPr sz="1600" b="1"/>
+            </a:lvl9pPr>
+          </a:lstStyle>
+          <a:p>
+            <a:pPr lvl="0"/>
+            <a:r>
+              <a:rPr lang="en-US"/>
+              <a:t>Click to edit Master text styles</a:t>
+            </a:r>
+          </a:p>
+        </p:txBody>
+      </p:sp>
+      <p:sp>
+        <p:nvSpPr>
+          <p:cNvPr id="10" name="Text Placeholder 3"/>
+          <p:cNvSpPr>
+            <a:spLocks noGrp="1"/>
+          </p:cNvSpPr>
+          <p:nvPr>
+            <p:ph type="body" sz="half" idx="16"/>
+          </p:nvPr>
+        </p:nvSpPr>
+        <p:spPr>
+          <a:xfrm>
+            <a:off x="3300781" y="2904068"/>
+            <a:ext cx="2560320" cy="3359572"/>
+          </a:xfrm>
+        </p:spPr>
+        <p:txBody>
+          <a:bodyPr anchor="t">
+            <a:normAutofit/>
+          </a:bodyPr>
+          <a:lstStyle>
+            <a:lvl1pPr marL="0" indent="0">
+              <a:buNone/>
+              <a:defRPr sz="1400"/>
+            </a:lvl1pPr>
+            <a:lvl2pPr marL="457200" indent="0">
+              <a:buNone/>
+              <a:defRPr sz="1200"/>
+            </a:lvl2pPr>
+            <a:lvl3pPr marL="914400" indent="0">
+              <a:buNone/>
+              <a:defRPr sz="1000"/>
+            </a:lvl3pPr>
+            <a:lvl4pPr marL="1371600" indent="0">
+              <a:buNone/>
+              <a:defRPr sz="900"/>
+            </a:lvl4pPr>
+            <a:lvl5pPr marL="1828800" indent="0">
+              <a:buNone/>
+              <a:defRPr sz="900"/>
+            </a:lvl5pPr>
+            <a:lvl6pPr marL="2286000" indent="0">
+              <a:buNone/>
+              <a:defRPr sz="900"/>
+            </a:lvl6pPr>
+            <a:lvl7pPr marL="2743200" indent="0">
+              <a:buNone/>
+              <a:defRPr sz="900"/>
+            </a:lvl7pPr>
+            <a:lvl8pPr marL="3200400" indent="0">
+              <a:buNone/>
+              <a:defRPr sz="900"/>
+            </a:lvl8pPr>
+            <a:lvl9pPr marL="3657600" indent="0">
+              <a:buNone/>
+              <a:defRPr sz="900"/>
+            </a:lvl9pPr>
+          </a:lstStyle>
+          <a:p>
+            <a:pPr lvl="0"/>
+            <a:r>
+              <a:rPr lang="en-US"/>
+              <a:t>Click to edit Master text styles</a:t>
+            </a:r>
+          </a:p>
+        </p:txBody>
+      </p:sp>
+      <p:sp>
+        <p:nvSpPr>
+          <p:cNvPr id="11" name="Text Placeholder 4"/>
+          <p:cNvSpPr>
+            <a:spLocks noGrp="1"/>
+          </p:cNvSpPr>
+          <p:nvPr>
+            <p:ph type="body" sz="quarter" idx="13"/>
+          </p:nvPr>
+        </p:nvSpPr>
+        <p:spPr>
+          <a:xfrm>
+            <a:off x="5989319" y="2192866"/>
+            <a:ext cx="2560320" cy="626534"/>
+          </a:xfrm>
+        </p:spPr>
+        <p:txBody>
+          <a:bodyPr anchor="b">
+            <a:noAutofit/>
+          </a:bodyPr>
+          <a:lstStyle>
+            <a:lvl1pPr marL="0" indent="0">
+              <a:buNone/>
+              <a:defRPr sz="2400" b="0">
+                <a:solidFill>
+                  <a:schemeClr val="tx1"/>
+                </a:solidFill>
+              </a:defRPr>
+            </a:lvl1pPr>
+            <a:lvl2pPr marL="457200" indent="0">
+              <a:buNone/>
+              <a:defRPr sz="2000" b="1"/>
+            </a:lvl2pPr>
+            <a:lvl3pPr marL="914400" indent="0">
+              <a:buNone/>
+              <a:defRPr sz="1800" b="1"/>
+            </a:lvl3pPr>
+            <a:lvl4pPr marL="1371600" indent="0">
+              <a:buNone/>
+              <a:defRPr sz="1600" b="1"/>
+            </a:lvl4pPr>
+            <a:lvl5pPr marL="1828800" indent="0">
+              <a:buNone/>
+              <a:defRPr sz="1600" b="1"/>
+            </a:lvl5pPr>
+            <a:lvl6pPr marL="2286000" indent="0">
+              <a:buNone/>
+              <a:defRPr sz="1600" b="1"/>
+            </a:lvl6pPr>
+            <a:lvl7pPr marL="2743200" indent="0">
+              <a:buNone/>
+              <a:defRPr sz="1600" b="1"/>
+            </a:lvl7pPr>
+            <a:lvl8pPr marL="3200400" indent="0">
+              <a:buNone/>
+              <a:defRPr sz="1600" b="1"/>
+            </a:lvl8pPr>
+            <a:lvl9pPr marL="3657600" indent="0">
+              <a:buNone/>
+              <a:defRPr sz="1600" b="1"/>
+            </a:lvl9pPr>
+          </a:lstStyle>
+          <a:p>
+            <a:pPr lvl="0"/>
+            <a:r>
+              <a:rPr lang="en-US"/>
+              <a:t>Click to edit Master text styles</a:t>
+            </a:r>
+          </a:p>
+        </p:txBody>
+      </p:sp>
+      <p:sp>
+        <p:nvSpPr>
+          <p:cNvPr id="12" name="Text Placeholder 3"/>
+          <p:cNvSpPr>
+            <a:spLocks noGrp="1"/>
+          </p:cNvSpPr>
+          <p:nvPr>
+            <p:ph type="body" sz="half" idx="17"/>
+          </p:nvPr>
+        </p:nvSpPr>
+        <p:spPr>
+          <a:xfrm>
+            <a:off x="5989320" y="2904564"/>
+            <a:ext cx="2560320" cy="3359079"/>
+          </a:xfrm>
+        </p:spPr>
+        <p:txBody>
+          <a:bodyPr anchor="t">
+            <a:normAutofit/>
+          </a:bodyPr>
+          <a:lstStyle>
+            <a:lvl1pPr marL="0" indent="0">
+              <a:buNone/>
+              <a:defRPr sz="1400"/>
+            </a:lvl1pPr>
+            <a:lvl2pPr marL="457200" indent="0">
+              <a:buNone/>
+              <a:defRPr sz="1200"/>
+            </a:lvl2pPr>
+            <a:lvl3pPr marL="914400" indent="0">
+              <a:buNone/>
+              <a:defRPr sz="1000"/>
+            </a:lvl3pPr>
+            <a:lvl4pPr marL="1371600" indent="0">
+              <a:buNone/>
+              <a:defRPr sz="900"/>
+            </a:lvl4pPr>
+            <a:lvl5pPr marL="1828800" indent="0">
+              <a:buNone/>
+              <a:defRPr sz="900"/>
+            </a:lvl5pPr>
+            <a:lvl6pPr marL="2286000" indent="0">
+              <a:buNone/>
+              <a:defRPr sz="900"/>
+            </a:lvl6pPr>
+            <a:lvl7pPr marL="2743200" indent="0">
+              <a:buNone/>
+              <a:defRPr sz="900"/>
+            </a:lvl7pPr>
+            <a:lvl8pPr marL="3200400" indent="0">
+              <a:buNone/>
+              <a:defRPr sz="900"/>
+            </a:lvl8pPr>
+            <a:lvl9pPr marL="3657600" indent="0">
+              <a:buNone/>
+              <a:defRPr sz="900"/>
+            </a:lvl9pPr>
+          </a:lstStyle>
+          <a:p>
+            <a:pPr lvl="0"/>
+            <a:r>
+              <a:rPr lang="en-US"/>
+              <a:t>Click to edit Master text styles</a:t>
+            </a:r>
+          </a:p>
+        </p:txBody>
+      </p:sp>
+      <p:sp>
+        <p:nvSpPr>
+          <p:cNvPr id="3" name="Date Placeholder 2"/>
+          <p:cNvSpPr>
+            <a:spLocks noGrp="1"/>
+          </p:cNvSpPr>
+          <p:nvPr>
+            <p:ph type="dt" sz="half" idx="10"/>
+          </p:nvPr>
+        </p:nvSpPr>
+        <p:spPr/>
+        <p:txBody>
+          <a:bodyPr/>
+          <a:lstStyle/>
+          <a:p>
+            <a:fld id="{5BCAD085-E8A6-8845-BD4E-CB4CCA059FC4}" type="datetimeFigureOut">
+              <a:rPr lang="en-US" smtClean="0"/>
+              <a:t>10/17/2025</a:t>
+            </a:fld>
+            <a:endParaRPr lang="en-US"/>
+          </a:p>
+        </p:txBody>
+      </p:sp>
+      <p:sp>
+        <p:nvSpPr>
+          <p:cNvPr id="4" name="Footer Placeholder 3"/>
+          <p:cNvSpPr>
+            <a:spLocks noGrp="1"/>
+          </p:cNvSpPr>
+          <p:nvPr>
+            <p:ph type="ftr" sz="quarter" idx="11"/>
+          </p:nvPr>
+        </p:nvSpPr>
+        <p:spPr/>
+        <p:txBody>
+          <a:bodyPr/>
+          <a:lstStyle/>
+          <a:p>
+            <a:endParaRPr lang="en-US"/>
+          </a:p>
+        </p:txBody>
+      </p:sp>
+      <p:sp>
+        <p:nvSpPr>
+          <p:cNvPr id="5" name="Slide Number Placeholder 4"/>
+          <p:cNvSpPr>
+            <a:spLocks noGrp="1"/>
+          </p:cNvSpPr>
+          <p:nvPr>
+            <p:ph type="sldNum" sz="quarter" idx="12"/>
+          </p:nvPr>
+        </p:nvSpPr>
+        <p:spPr/>
+        <p:txBody>
+          <a:bodyPr/>
+          <a:lstStyle/>
+          <a:p>
+            <a:fld id="{C1FF6DA9-008F-8B48-92A6-B652298478BF}" type="slidenum">
+              <a:rPr lang="en-US" smtClean="0"/>
+              <a:t>‹#›</a:t>
+            </a:fld>
+            <a:endParaRPr lang="en-US"/>
+          </a:p>
+        </p:txBody>
+      </p:sp>
+    </p:spTree>
+    <p:extLst>
+      <p:ext uri="{BB962C8B-B14F-4D97-AF65-F5344CB8AC3E}">
+        <p14:creationId xmlns:p14="http://schemas.microsoft.com/office/powerpoint/2010/main" val="1716211415"/>
+      </p:ext>
+    </p:extLst>
+  </p:cSld>
+  <p:clrMapOvr>
+    <a:masterClrMapping/>
+  </p:clrMapOvr>
+</p:sldLayout>
+</file>
+
+<file path=ppt/slideLayouts/slideLayout15.xml><?xml version="1.0" encoding="utf-8"?>
+<p:sldLayout xmlns:a="http://schemas.openxmlformats.org/drawingml/2006/main" xmlns:r="http://schemas.openxmlformats.org/officeDocument/2006/relationships" xmlns:p="http://schemas.openxmlformats.org/presentationml/2006/main" preserve="1">
+  <p:cSld name="3 Picture Column">
+    <p:spTree>
+      <p:nvGrpSpPr>
+        <p:cNvPr id="1" name=""/>
+        <p:cNvGrpSpPr/>
+        <p:nvPr/>
+      </p:nvGrpSpPr>
+      <p:grpSpPr>
+        <a:xfrm>
+          <a:off x="0" y="0"/>
+          <a:ext cx="0" cy="0"/>
+          <a:chOff x="0" y="0"/>
+          <a:chExt cx="0" cy="0"/>
+        </a:xfrm>
+      </p:grpSpPr>
+      <p:sp>
+        <p:nvSpPr>
+          <p:cNvPr id="30" name="Title 1"/>
+          <p:cNvSpPr>
+            <a:spLocks noGrp="1"/>
+          </p:cNvSpPr>
+          <p:nvPr>
+            <p:ph type="title"/>
+          </p:nvPr>
+        </p:nvSpPr>
+        <p:spPr>
+          <a:xfrm>
+            <a:off x="2171702" y="762000"/>
+            <a:ext cx="6381984" cy="1295400"/>
+          </a:xfrm>
+        </p:spPr>
+        <p:txBody>
+          <a:bodyPr/>
+          <a:lstStyle/>
+          <a:p>
+            <a:r>
+              <a:rPr lang="en-US"/>
+              <a:t>Click to edit Master title style</a:t>
+            </a:r>
+            <a:endParaRPr lang="en-US" dirty="0"/>
+          </a:p>
+        </p:txBody>
+      </p:sp>
+      <p:sp>
+        <p:nvSpPr>
+          <p:cNvPr id="19" name="Text Placeholder 2"/>
+          <p:cNvSpPr>
+            <a:spLocks noGrp="1"/>
+          </p:cNvSpPr>
+          <p:nvPr>
+            <p:ph type="body" idx="1"/>
+          </p:nvPr>
+        </p:nvSpPr>
+        <p:spPr>
+          <a:xfrm>
+            <a:off x="594360" y="4113340"/>
+            <a:ext cx="2560320" cy="682765"/>
+          </a:xfrm>
+        </p:spPr>
+        <p:txBody>
+          <a:bodyPr anchor="b">
+            <a:noAutofit/>
+          </a:bodyPr>
+          <a:lstStyle>
+            <a:lvl1pPr marL="0" indent="0">
+              <a:buNone/>
+              <a:defRPr sz="2400" b="0">
+                <a:solidFill>
+                  <a:schemeClr val="tx1"/>
+                </a:solidFill>
+              </a:defRPr>
+            </a:lvl1pPr>
+            <a:lvl2pPr marL="457200" indent="0">
+              <a:buNone/>
+              <a:defRPr sz="2000" b="1"/>
+            </a:lvl2pPr>
+            <a:lvl3pPr marL="914400" indent="0">
+              <a:buNone/>
+              <a:defRPr sz="1800" b="1"/>
+            </a:lvl3pPr>
+            <a:lvl4pPr marL="1371600" indent="0">
+              <a:buNone/>
+              <a:defRPr sz="1600" b="1"/>
+            </a:lvl4pPr>
+            <a:lvl5pPr marL="1828800" indent="0">
+              <a:buNone/>
+              <a:defRPr sz="1600" b="1"/>
+            </a:lvl5pPr>
+            <a:lvl6pPr marL="2286000" indent="0">
+              <a:buNone/>
+              <a:defRPr sz="1600" b="1"/>
+            </a:lvl6pPr>
+            <a:lvl7pPr marL="2743200" indent="0">
+              <a:buNone/>
+              <a:defRPr sz="1600" b="1"/>
+            </a:lvl7pPr>
+            <a:lvl8pPr marL="3200400" indent="0">
+              <a:buNone/>
+              <a:defRPr sz="1600" b="1"/>
+            </a:lvl8pPr>
+            <a:lvl9pPr marL="3657600" indent="0">
+              <a:buNone/>
+              <a:defRPr sz="1600" b="1"/>
+            </a:lvl9pPr>
+          </a:lstStyle>
+          <a:p>
+            <a:pPr lvl="0"/>
+            <a:r>
+              <a:rPr lang="en-US"/>
+              <a:t>Click to edit Master text styles</a:t>
+            </a:r>
+          </a:p>
+        </p:txBody>
+      </p:sp>
+      <p:sp>
+        <p:nvSpPr>
+          <p:cNvPr id="20" name="Picture Placeholder 2"/>
+          <p:cNvSpPr>
+            <a:spLocks noGrp="1" noChangeAspect="1"/>
+          </p:cNvSpPr>
+          <p:nvPr>
+            <p:ph type="pic" idx="15"/>
+          </p:nvPr>
+        </p:nvSpPr>
+        <p:spPr>
+          <a:xfrm>
+            <a:off x="594360" y="2331720"/>
+            <a:ext cx="2560320" cy="1507300"/>
+          </a:xfrm>
+          <a:prstGeom prst="roundRect">
+            <a:avLst>
+              <a:gd name="adj" fmla="val 0"/>
+            </a:avLst>
+          </a:prstGeom>
+          <a:effectLst>
+            <a:outerShdw blurRad="50800" dist="50800" dir="5400000" algn="tl" rotWithShape="0">
+              <a:srgbClr val="000000">
+                <a:alpha val="43000"/>
+              </a:srgbClr>
+            </a:outerShdw>
+          </a:effectLst>
+        </p:spPr>
+        <p:txBody>
+          <a:bodyPr anchor="t">
+            <a:normAutofit/>
+          </a:bodyPr>
+          <a:lstStyle>
+            <a:lvl1pPr marL="0" indent="0" algn="ctr">
+              <a:buNone/>
+              <a:defRPr sz="1600"/>
+            </a:lvl1pPr>
+            <a:lvl2pPr marL="457200" indent="0">
+              <a:buNone/>
+              <a:defRPr sz="1600"/>
+            </a:lvl2pPr>
+            <a:lvl3pPr marL="914400" indent="0">
+              <a:buNone/>
+              <a:defRPr sz="1600"/>
+            </a:lvl3pPr>
+            <a:lvl4pPr marL="1371600" indent="0">
+              <a:buNone/>
+              <a:defRPr sz="1600"/>
+            </a:lvl4pPr>
+            <a:lvl5pPr marL="1828800" indent="0">
+              <a:buNone/>
+              <a:defRPr sz="1600"/>
+            </a:lvl5pPr>
+            <a:lvl6pPr marL="2286000" indent="0">
+              <a:buNone/>
+              <a:defRPr sz="1600"/>
+            </a:lvl6pPr>
+            <a:lvl7pPr marL="2743200" indent="0">
+              <a:buNone/>
+              <a:defRPr sz="1600"/>
+            </a:lvl7pPr>
+            <a:lvl8pPr marL="3200400" indent="0">
+              <a:buNone/>
+              <a:defRPr sz="1600"/>
+            </a:lvl8pPr>
+            <a:lvl9pPr marL="3657600" indent="0">
+              <a:buNone/>
+              <a:defRPr sz="1600"/>
+            </a:lvl9pPr>
+          </a:lstStyle>
+          <a:p>
+            <a:r>
+              <a:rPr lang="en-US"/>
+              <a:t>Click icon to add picture</a:t>
+            </a:r>
+            <a:endParaRPr lang="en-US" dirty="0"/>
+          </a:p>
+        </p:txBody>
+      </p:sp>
+      <p:sp>
+        <p:nvSpPr>
+          <p:cNvPr id="21" name="Text Placeholder 3"/>
+          <p:cNvSpPr>
+            <a:spLocks noGrp="1"/>
+          </p:cNvSpPr>
+          <p:nvPr>
+            <p:ph type="body" sz="half" idx="18"/>
+          </p:nvPr>
+        </p:nvSpPr>
+        <p:spPr>
+          <a:xfrm>
+            <a:off x="594360" y="4796103"/>
+            <a:ext cx="2560320" cy="1467537"/>
+          </a:xfrm>
+        </p:spPr>
+        <p:txBody>
+          <a:bodyPr anchor="t">
+            <a:normAutofit/>
+          </a:bodyPr>
+          <a:lstStyle>
+            <a:lvl1pPr marL="0" indent="0">
+              <a:buNone/>
+              <a:defRPr sz="1400"/>
+            </a:lvl1pPr>
+            <a:lvl2pPr marL="457200" indent="0">
+              <a:buNone/>
+              <a:defRPr sz="1200"/>
+            </a:lvl2pPr>
+            <a:lvl3pPr marL="914400" indent="0">
+              <a:buNone/>
+              <a:defRPr sz="1000"/>
+            </a:lvl3pPr>
+            <a:lvl4pPr marL="1371600" indent="0">
+              <a:buNone/>
+              <a:defRPr sz="900"/>
+            </a:lvl4pPr>
+            <a:lvl5pPr marL="1828800" indent="0">
+              <a:buNone/>
+              <a:defRPr sz="900"/>
+            </a:lvl5pPr>
+            <a:lvl6pPr marL="2286000" indent="0">
+              <a:buNone/>
+              <a:defRPr sz="900"/>
+            </a:lvl6pPr>
+            <a:lvl7pPr marL="2743200" indent="0">
+              <a:buNone/>
+              <a:defRPr sz="900"/>
+            </a:lvl7pPr>
+            <a:lvl8pPr marL="3200400" indent="0">
+              <a:buNone/>
+              <a:defRPr sz="900"/>
+            </a:lvl8pPr>
+            <a:lvl9pPr marL="3657600" indent="0">
+              <a:buNone/>
+              <a:defRPr sz="900"/>
+            </a:lvl9pPr>
+          </a:lstStyle>
+          <a:p>
+            <a:pPr lvl="0"/>
+            <a:r>
+              <a:rPr lang="en-US"/>
+              <a:t>Click to edit Master text styles</a:t>
+            </a:r>
+          </a:p>
+        </p:txBody>
+      </p:sp>
+      <p:sp>
+        <p:nvSpPr>
+          <p:cNvPr id="22" name="Text Placeholder 4"/>
+          <p:cNvSpPr>
+            <a:spLocks noGrp="1"/>
+          </p:cNvSpPr>
+          <p:nvPr>
+            <p:ph type="body" sz="quarter" idx="3"/>
+          </p:nvPr>
+        </p:nvSpPr>
+        <p:spPr>
+          <a:xfrm>
+            <a:off x="3291873" y="4113340"/>
+            <a:ext cx="2560320" cy="682765"/>
+          </a:xfrm>
+        </p:spPr>
+        <p:txBody>
+          <a:bodyPr anchor="b">
+            <a:noAutofit/>
+          </a:bodyPr>
+          <a:lstStyle>
+            <a:lvl1pPr marL="0" indent="0">
+              <a:buNone/>
+              <a:defRPr sz="2400" b="0">
+                <a:solidFill>
+                  <a:schemeClr val="tx1"/>
+                </a:solidFill>
+              </a:defRPr>
+            </a:lvl1pPr>
+            <a:lvl2pPr marL="457200" indent="0">
+              <a:buNone/>
+              <a:defRPr sz="2000" b="1"/>
+            </a:lvl2pPr>
+            <a:lvl3pPr marL="914400" indent="0">
+              <a:buNone/>
+              <a:defRPr sz="1800" b="1"/>
+            </a:lvl3pPr>
+            <a:lvl4pPr marL="1371600" indent="0">
+              <a:buNone/>
+              <a:defRPr sz="1600" b="1"/>
+            </a:lvl4pPr>
+            <a:lvl5pPr marL="1828800" indent="0">
+              <a:buNone/>
+              <a:defRPr sz="1600" b="1"/>
+            </a:lvl5pPr>
+            <a:lvl6pPr marL="2286000" indent="0">
+              <a:buNone/>
+              <a:defRPr sz="1600" b="1"/>
+            </a:lvl6pPr>
+            <a:lvl7pPr marL="2743200" indent="0">
+              <a:buNone/>
+              <a:defRPr sz="1600" b="1"/>
+            </a:lvl7pPr>
+            <a:lvl8pPr marL="3200400" indent="0">
+              <a:buNone/>
+              <a:defRPr sz="1600" b="1"/>
+            </a:lvl8pPr>
+            <a:lvl9pPr marL="3657600" indent="0">
+              <a:buNone/>
+              <a:defRPr sz="1600" b="1"/>
+            </a:lvl9pPr>
+          </a:lstStyle>
+          <a:p>
+            <a:pPr lvl="0"/>
+            <a:r>
+              <a:rPr lang="en-US"/>
+              <a:t>Click to edit Master text styles</a:t>
+            </a:r>
+          </a:p>
+        </p:txBody>
+      </p:sp>
+      <p:sp>
+        <p:nvSpPr>
+          <p:cNvPr id="23" name="Picture Placeholder 2"/>
+          <p:cNvSpPr>
+            <a:spLocks noGrp="1" noChangeAspect="1"/>
+          </p:cNvSpPr>
+          <p:nvPr>
+            <p:ph type="pic" idx="21"/>
+          </p:nvPr>
+        </p:nvSpPr>
+        <p:spPr>
+          <a:xfrm>
+            <a:off x="3291872" y="2331720"/>
+            <a:ext cx="2560320" cy="1509862"/>
+          </a:xfrm>
+          <a:prstGeom prst="roundRect">
+            <a:avLst>
+              <a:gd name="adj" fmla="val 0"/>
+            </a:avLst>
+          </a:prstGeom>
+          <a:effectLst>
+            <a:outerShdw blurRad="50800" dist="50800" dir="5400000" algn="tl" rotWithShape="0">
+              <a:srgbClr val="000000">
+                <a:alpha val="43000"/>
+              </a:srgbClr>
+            </a:outerShdw>
+          </a:effectLst>
+        </p:spPr>
+        <p:txBody>
+          <a:bodyPr anchor="t">
+            <a:normAutofit/>
+          </a:bodyPr>
+          <a:lstStyle>
+            <a:lvl1pPr marL="0" indent="0" algn="ctr">
+              <a:buNone/>
+              <a:defRPr sz="1600"/>
+            </a:lvl1pPr>
+            <a:lvl2pPr marL="457200" indent="0">
+              <a:buNone/>
+              <a:defRPr sz="1600"/>
+            </a:lvl2pPr>
+            <a:lvl3pPr marL="914400" indent="0">
+              <a:buNone/>
+              <a:defRPr sz="1600"/>
+            </a:lvl3pPr>
+            <a:lvl4pPr marL="1371600" indent="0">
+              <a:buNone/>
+              <a:defRPr sz="1600"/>
+            </a:lvl4pPr>
+            <a:lvl5pPr marL="1828800" indent="0">
+              <a:buNone/>
+              <a:defRPr sz="1600"/>
+            </a:lvl5pPr>
+            <a:lvl6pPr marL="2286000" indent="0">
+              <a:buNone/>
+              <a:defRPr sz="1600"/>
+            </a:lvl6pPr>
+            <a:lvl7pPr marL="2743200" indent="0">
+              <a:buNone/>
+              <a:defRPr sz="1600"/>
+            </a:lvl7pPr>
+            <a:lvl8pPr marL="3200400" indent="0">
+              <a:buNone/>
+              <a:defRPr sz="1600"/>
+            </a:lvl8pPr>
+            <a:lvl9pPr marL="3657600" indent="0">
+              <a:buNone/>
+              <a:defRPr sz="1600"/>
+            </a:lvl9pPr>
+          </a:lstStyle>
+          <a:p>
+            <a:r>
+              <a:rPr lang="en-US"/>
+              <a:t>Click icon to add picture</a:t>
+            </a:r>
+            <a:endParaRPr lang="en-US" dirty="0"/>
+          </a:p>
+        </p:txBody>
+      </p:sp>
+      <p:sp>
+        <p:nvSpPr>
+          <p:cNvPr id="24" name="Text Placeholder 3"/>
+          <p:cNvSpPr>
+            <a:spLocks noGrp="1"/>
+          </p:cNvSpPr>
+          <p:nvPr>
+            <p:ph type="body" sz="half" idx="19"/>
+          </p:nvPr>
+        </p:nvSpPr>
+        <p:spPr>
+          <a:xfrm>
+            <a:off x="3290858" y="4796102"/>
+            <a:ext cx="2560320" cy="1467537"/>
+          </a:xfrm>
+        </p:spPr>
+        <p:txBody>
+          <a:bodyPr anchor="t">
+            <a:normAutofit/>
+          </a:bodyPr>
+          <a:lstStyle>
+            <a:lvl1pPr marL="0" indent="0">
+              <a:buNone/>
+              <a:defRPr sz="1400"/>
+            </a:lvl1pPr>
+            <a:lvl2pPr marL="457200" indent="0">
+              <a:buNone/>
+              <a:defRPr sz="1200"/>
+            </a:lvl2pPr>
+            <a:lvl3pPr marL="914400" indent="0">
+              <a:buNone/>
+              <a:defRPr sz="1000"/>
+            </a:lvl3pPr>
+            <a:lvl4pPr marL="1371600" indent="0">
+              <a:buNone/>
+              <a:defRPr sz="900"/>
+            </a:lvl4pPr>
+            <a:lvl5pPr marL="1828800" indent="0">
+              <a:buNone/>
+              <a:defRPr sz="900"/>
+            </a:lvl5pPr>
+            <a:lvl6pPr marL="2286000" indent="0">
+              <a:buNone/>
+              <a:defRPr sz="900"/>
+            </a:lvl6pPr>
+            <a:lvl7pPr marL="2743200" indent="0">
+              <a:buNone/>
+              <a:defRPr sz="900"/>
+            </a:lvl7pPr>
+            <a:lvl8pPr marL="3200400" indent="0">
+              <a:buNone/>
+              <a:defRPr sz="900"/>
+            </a:lvl8pPr>
+            <a:lvl9pPr marL="3657600" indent="0">
+              <a:buNone/>
+              <a:defRPr sz="900"/>
+            </a:lvl9pPr>
+          </a:lstStyle>
+          <a:p>
+            <a:pPr lvl="0"/>
+            <a:r>
+              <a:rPr lang="en-US"/>
+              <a:t>Click to edit Master text styles</a:t>
+            </a:r>
+          </a:p>
+        </p:txBody>
+      </p:sp>
+      <p:sp>
+        <p:nvSpPr>
+          <p:cNvPr id="25" name="Text Placeholder 4"/>
+          <p:cNvSpPr>
+            <a:spLocks noGrp="1"/>
+          </p:cNvSpPr>
+          <p:nvPr>
+            <p:ph type="body" sz="quarter" idx="13"/>
+          </p:nvPr>
+        </p:nvSpPr>
+        <p:spPr>
+          <a:xfrm>
+            <a:off x="5993365" y="4113340"/>
+            <a:ext cx="2560320" cy="682765"/>
+          </a:xfrm>
+        </p:spPr>
+        <p:txBody>
+          <a:bodyPr anchor="b">
+            <a:noAutofit/>
+          </a:bodyPr>
+          <a:lstStyle>
+            <a:lvl1pPr marL="0" indent="0">
+              <a:buNone/>
+              <a:defRPr sz="2400" b="0">
+                <a:solidFill>
+                  <a:schemeClr val="tx1"/>
+                </a:solidFill>
+              </a:defRPr>
+            </a:lvl1pPr>
+            <a:lvl2pPr marL="457200" indent="0">
+              <a:buNone/>
+              <a:defRPr sz="2000" b="1"/>
+            </a:lvl2pPr>
+            <a:lvl3pPr marL="914400" indent="0">
+              <a:buNone/>
+              <a:defRPr sz="1800" b="1"/>
+            </a:lvl3pPr>
+            <a:lvl4pPr marL="1371600" indent="0">
+              <a:buNone/>
+              <a:defRPr sz="1600" b="1"/>
+            </a:lvl4pPr>
+            <a:lvl5pPr marL="1828800" indent="0">
+              <a:buNone/>
+              <a:defRPr sz="1600" b="1"/>
+            </a:lvl5pPr>
+            <a:lvl6pPr marL="2286000" indent="0">
+              <a:buNone/>
+              <a:defRPr sz="1600" b="1"/>
+            </a:lvl6pPr>
+            <a:lvl7pPr marL="2743200" indent="0">
+              <a:buNone/>
+              <a:defRPr sz="1600" b="1"/>
+            </a:lvl7pPr>
+            <a:lvl8pPr marL="3200400" indent="0">
+              <a:buNone/>
+              <a:defRPr sz="1600" b="1"/>
+            </a:lvl8pPr>
+            <a:lvl9pPr marL="3657600" indent="0">
+              <a:buNone/>
+              <a:defRPr sz="1600" b="1"/>
+            </a:lvl9pPr>
+          </a:lstStyle>
+          <a:p>
+            <a:pPr lvl="0"/>
+            <a:r>
+              <a:rPr lang="en-US"/>
+              <a:t>Click to edit Master text styles</a:t>
+            </a:r>
+          </a:p>
+        </p:txBody>
+      </p:sp>
+      <p:sp>
+        <p:nvSpPr>
+          <p:cNvPr id="26" name="Picture Placeholder 2"/>
+          <p:cNvSpPr>
+            <a:spLocks noGrp="1" noChangeAspect="1"/>
+          </p:cNvSpPr>
+          <p:nvPr>
+            <p:ph type="pic" idx="22"/>
+          </p:nvPr>
+        </p:nvSpPr>
+        <p:spPr>
+          <a:xfrm>
+            <a:off x="5993364" y="2331721"/>
+            <a:ext cx="2560320" cy="1508919"/>
+          </a:xfrm>
+          <a:prstGeom prst="roundRect">
+            <a:avLst>
+              <a:gd name="adj" fmla="val 0"/>
+            </a:avLst>
+          </a:prstGeom>
+          <a:effectLst>
+            <a:outerShdw blurRad="50800" dist="50800" dir="5400000" algn="tl" rotWithShape="0">
+              <a:srgbClr val="000000">
+                <a:alpha val="43000"/>
+              </a:srgbClr>
+            </a:outerShdw>
+          </a:effectLst>
+        </p:spPr>
+        <p:txBody>
+          <a:bodyPr anchor="t">
+            <a:normAutofit/>
+          </a:bodyPr>
+          <a:lstStyle>
+            <a:lvl1pPr marL="0" indent="0" algn="ctr">
+              <a:buNone/>
+              <a:defRPr sz="1600"/>
+            </a:lvl1pPr>
+            <a:lvl2pPr marL="457200" indent="0">
+              <a:buNone/>
+              <a:defRPr sz="1600"/>
+            </a:lvl2pPr>
+            <a:lvl3pPr marL="914400" indent="0">
+              <a:buNone/>
+              <a:defRPr sz="1600"/>
+            </a:lvl3pPr>
+            <a:lvl4pPr marL="1371600" indent="0">
+              <a:buNone/>
+              <a:defRPr sz="1600"/>
+            </a:lvl4pPr>
+            <a:lvl5pPr marL="1828800" indent="0">
+              <a:buNone/>
+              <a:defRPr sz="1600"/>
+            </a:lvl5pPr>
+            <a:lvl6pPr marL="2286000" indent="0">
+              <a:buNone/>
+              <a:defRPr sz="1600"/>
+            </a:lvl6pPr>
+            <a:lvl7pPr marL="2743200" indent="0">
+              <a:buNone/>
+              <a:defRPr sz="1600"/>
+            </a:lvl7pPr>
+            <a:lvl8pPr marL="3200400" indent="0">
+              <a:buNone/>
+              <a:defRPr sz="1600"/>
+            </a:lvl8pPr>
+            <a:lvl9pPr marL="3657600" indent="0">
+              <a:buNone/>
+              <a:defRPr sz="1600"/>
+            </a:lvl9pPr>
+          </a:lstStyle>
+          <a:p>
+            <a:r>
+              <a:rPr lang="en-US"/>
+              <a:t>Click icon to add picture</a:t>
+            </a:r>
+            <a:endParaRPr lang="en-US" dirty="0"/>
+          </a:p>
+        </p:txBody>
+      </p:sp>
+      <p:sp>
+        <p:nvSpPr>
+          <p:cNvPr id="27" name="Text Placeholder 3"/>
+          <p:cNvSpPr>
+            <a:spLocks noGrp="1"/>
+          </p:cNvSpPr>
+          <p:nvPr>
+            <p:ph type="body" sz="half" idx="20"/>
+          </p:nvPr>
+        </p:nvSpPr>
+        <p:spPr>
+          <a:xfrm>
+            <a:off x="5993272" y="4796100"/>
+            <a:ext cx="2560320" cy="1467537"/>
+          </a:xfrm>
+        </p:spPr>
+        <p:txBody>
+          <a:bodyPr anchor="t">
+            <a:normAutofit/>
+          </a:bodyPr>
+          <a:lstStyle>
+            <a:lvl1pPr marL="0" indent="0">
+              <a:buNone/>
+              <a:defRPr sz="1400"/>
+            </a:lvl1pPr>
+            <a:lvl2pPr marL="457200" indent="0">
+              <a:buNone/>
+              <a:defRPr sz="1200"/>
+            </a:lvl2pPr>
+            <a:lvl3pPr marL="914400" indent="0">
+              <a:buNone/>
+              <a:defRPr sz="1000"/>
+            </a:lvl3pPr>
+            <a:lvl4pPr marL="1371600" indent="0">
+              <a:buNone/>
+              <a:defRPr sz="900"/>
+            </a:lvl4pPr>
+            <a:lvl5pPr marL="1828800" indent="0">
+              <a:buNone/>
+              <a:defRPr sz="900"/>
+            </a:lvl5pPr>
+            <a:lvl6pPr marL="2286000" indent="0">
+              <a:buNone/>
+              <a:defRPr sz="900"/>
+            </a:lvl6pPr>
+            <a:lvl7pPr marL="2743200" indent="0">
+              <a:buNone/>
+              <a:defRPr sz="900"/>
+            </a:lvl7pPr>
+            <a:lvl8pPr marL="3200400" indent="0">
+              <a:buNone/>
+              <a:defRPr sz="900"/>
+            </a:lvl8pPr>
+            <a:lvl9pPr marL="3657600" indent="0">
+              <a:buNone/>
+              <a:defRPr sz="900"/>
+            </a:lvl9pPr>
+          </a:lstStyle>
+          <a:p>
+            <a:pPr lvl="0"/>
+            <a:r>
+              <a:rPr lang="en-US"/>
+              <a:t>Click to edit Master text styles</a:t>
+            </a:r>
+          </a:p>
+        </p:txBody>
+      </p:sp>
+      <p:sp>
+        <p:nvSpPr>
+          <p:cNvPr id="3" name="Date Placeholder 2"/>
+          <p:cNvSpPr>
+            <a:spLocks noGrp="1"/>
+          </p:cNvSpPr>
+          <p:nvPr>
+            <p:ph type="dt" sz="half" idx="10"/>
+          </p:nvPr>
+        </p:nvSpPr>
+        <p:spPr/>
+        <p:txBody>
+          <a:bodyPr/>
+          <a:lstStyle/>
+          <a:p>
+            <a:fld id="{5BCAD085-E8A6-8845-BD4E-CB4CCA059FC4}" type="datetimeFigureOut">
+              <a:rPr lang="en-US" smtClean="0"/>
+              <a:t>10/17/2025</a:t>
+            </a:fld>
+            <a:endParaRPr lang="en-US"/>
+          </a:p>
+        </p:txBody>
+      </p:sp>
+      <p:sp>
+        <p:nvSpPr>
+          <p:cNvPr id="4" name="Footer Placeholder 3"/>
+          <p:cNvSpPr>
+            <a:spLocks noGrp="1"/>
+          </p:cNvSpPr>
+          <p:nvPr>
+            <p:ph type="ftr" sz="quarter" idx="11"/>
+          </p:nvPr>
+        </p:nvSpPr>
+        <p:spPr/>
+        <p:txBody>
+          <a:bodyPr/>
+          <a:lstStyle/>
+          <a:p>
+            <a:endParaRPr lang="en-US"/>
+          </a:p>
+        </p:txBody>
+      </p:sp>
+      <p:sp>
+        <p:nvSpPr>
+          <p:cNvPr id="5" name="Slide Number Placeholder 4"/>
+          <p:cNvSpPr>
+            <a:spLocks noGrp="1"/>
+          </p:cNvSpPr>
+          <p:nvPr>
+            <p:ph type="sldNum" sz="quarter" idx="12"/>
+          </p:nvPr>
+        </p:nvSpPr>
+        <p:spPr/>
+        <p:txBody>
+          <a:bodyPr/>
+          <a:lstStyle/>
+          <a:p>
+            <a:fld id="{C1FF6DA9-008F-8B48-92A6-B652298478BF}" type="slidenum">
+              <a:rPr lang="en-US" smtClean="0"/>
+              <a:t>‹#›</a:t>
+            </a:fld>
+            <a:endParaRPr lang="en-US"/>
+          </a:p>
+        </p:txBody>
+      </p:sp>
+    </p:spTree>
+    <p:extLst>
+      <p:ext uri="{BB962C8B-B14F-4D97-AF65-F5344CB8AC3E}">
+        <p14:creationId xmlns:p14="http://schemas.microsoft.com/office/powerpoint/2010/main" val="1114171272"/>
+      </p:ext>
+    </p:extLst>
+  </p:cSld>
+  <p:clrMapOvr>
+    <a:masterClrMapping/>
+  </p:clrMapOvr>
+</p:sldLayout>
+</file>
+
+<file path=ppt/slideLayouts/slideLayout16.xml><?xml version="1.0" encoding="utf-8"?>
 <p:sldLayout xmlns:a="http://schemas.openxmlformats.org/drawingml/2006/main" xmlns:r="http://schemas.openxmlformats.org/officeDocument/2006/relationships" xmlns:p="http://schemas.openxmlformats.org/presentationml/2006/main" type="vertTx" preserve="1">
   <p:cSld name="Title and Vertical Text">
     <p:spTree>
@@ -388,10 +2995,10 @@
           <a:lstStyle/>
           <a:p>
             <a:r>
-              <a:rPr lang="en-US" smtClean="0"/>
+              <a:rPr lang="en-US"/>
               <a:t>Click to edit Master title style</a:t>
             </a:r>
-            <a:endParaRPr lang="en-US"/>
+            <a:endParaRPr lang="en-US" dirty="0"/>
           </a:p>
         </p:txBody>
       </p:sp>
@@ -405,45 +3012,50 @@
             <p:ph type="body" orient="vert" idx="1"/>
           </p:nvPr>
         </p:nvSpPr>
-        <p:spPr/>
+        <p:spPr>
+          <a:xfrm>
+            <a:off x="594360" y="2194560"/>
+            <a:ext cx="7955280" cy="4069080"/>
+          </a:xfrm>
+        </p:spPr>
         <p:txBody>
           <a:bodyPr vert="eaVert"/>
           <a:lstStyle/>
           <a:p>
             <a:pPr lvl="0"/>
             <a:r>
-              <a:rPr lang="en-US" smtClean="0"/>
+              <a:rPr lang="en-US"/>
               <a:t>Click to edit Master text styles</a:t>
             </a:r>
           </a:p>
           <a:p>
             <a:pPr lvl="1"/>
             <a:r>
-              <a:rPr lang="en-US" smtClean="0"/>
+              <a:rPr lang="en-US"/>
               <a:t>Second level</a:t>
             </a:r>
           </a:p>
           <a:p>
             <a:pPr lvl="2"/>
             <a:r>
-              <a:rPr lang="en-US" smtClean="0"/>
+              <a:rPr lang="en-US"/>
               <a:t>Third level</a:t>
             </a:r>
           </a:p>
           <a:p>
             <a:pPr lvl="3"/>
             <a:r>
-              <a:rPr lang="en-US" smtClean="0"/>
+              <a:rPr lang="en-US"/>
               <a:t>Fourth level</a:t>
             </a:r>
           </a:p>
           <a:p>
             <a:pPr lvl="4"/>
             <a:r>
-              <a:rPr lang="en-US" smtClean="0"/>
+              <a:rPr lang="en-US"/>
               <a:t>Fifth level</a:t>
             </a:r>
-            <a:endParaRPr lang="en-US"/>
+            <a:endParaRPr lang="en-US" dirty="0"/>
           </a:p>
         </p:txBody>
       </p:sp>
@@ -464,7 +3076,7 @@
           <a:p>
             <a:fld id="{5BCAD085-E8A6-8845-BD4E-CB4CCA059FC4}" type="datetimeFigureOut">
               <a:rPr lang="en-US" smtClean="0"/>
-              <a:t>1/27/13</a:t>
+              <a:t>10/17/2025</a:t>
             </a:fld>
             <a:endParaRPr lang="en-US"/>
           </a:p>
@@ -515,7 +3127,7 @@
     </p:spTree>
     <p:extLst>
       <p:ext uri="{BB962C8B-B14F-4D97-AF65-F5344CB8AC3E}">
-        <p14:creationId xmlns:p14="http://schemas.microsoft.com/office/powerpoint/2010/main" val="2910927964"/>
+        <p14:creationId xmlns:p14="http://schemas.microsoft.com/office/powerpoint/2010/main" val="2080085700"/>
       </p:ext>
     </p:extLst>
   </p:cSld>
@@ -525,8 +3137,8 @@
 </p:sldLayout>
 </file>
 
-<file path=ppt/slideLayouts/slideLayout11.xml><?xml version="1.0" encoding="utf-8"?>
-<p:sldLayout xmlns:a="http://schemas.openxmlformats.org/drawingml/2006/main" xmlns:r="http://schemas.openxmlformats.org/officeDocument/2006/relationships" xmlns:p="http://schemas.openxmlformats.org/presentationml/2006/main" type="vertTitleAndTx" preserve="1">
+<file path=ppt/slideLayouts/slideLayout17.xml><?xml version="1.0" encoding="utf-8"?>
+<p:sldLayout xmlns:a="http://schemas.openxmlformats.org/drawingml/2006/main" xmlns:r="http://schemas.openxmlformats.org/officeDocument/2006/relationships" xmlns:p="http://schemas.openxmlformats.org/presentationml/2006/main" showMasterSp="0" type="vertTitleAndTx" preserve="1">
   <p:cSld name="Vertical Title and Text">
     <p:spTree>
       <p:nvGrpSpPr>
@@ -542,6 +3154,36 @@
           <a:chExt cx="0" cy="0"/>
         </a:xfrm>
       </p:grpSpPr>
+      <p:pic>
+        <p:nvPicPr>
+          <p:cNvPr id="9" name="Picture 8" descr="C0-HD-BTM.png"/>
+          <p:cNvPicPr>
+            <a:picLocks noChangeAspect="1"/>
+          </p:cNvPicPr>
+          <p:nvPr/>
+        </p:nvPicPr>
+        <p:blipFill>
+          <a:blip r:embed="rId2">
+            <a:extLst>
+              <a:ext uri="{28A0092B-C50C-407E-A947-70E740481C1C}">
+                <a14:useLocalDpi xmlns:a14="http://schemas.microsoft.com/office/drawing/2010/main" val="0"/>
+              </a:ext>
+            </a:extLst>
+          </a:blip>
+          <a:stretch>
+            <a:fillRect/>
+          </a:stretch>
+        </p:blipFill>
+        <p:spPr>
+          <a:xfrm>
+            <a:off x="0" y="4995862"/>
+            <a:ext cx="9144000" cy="1862138"/>
+          </a:xfrm>
+          <a:prstGeom prst="rect">
+            <a:avLst/>
+          </a:prstGeom>
+        </p:spPr>
+      </p:pic>
       <p:sp>
         <p:nvSpPr>
           <p:cNvPr id="2" name="Vertical Title 1"/>
@@ -554,19 +3196,23 @@
         </p:nvSpPr>
         <p:spPr>
           <a:xfrm>
-            <a:off x="6629400" y="274638"/>
-            <a:ext cx="2057400" cy="5851525"/>
+            <a:off x="7006590" y="747183"/>
+            <a:ext cx="1543050" cy="4248675"/>
           </a:xfrm>
         </p:spPr>
         <p:txBody>
           <a:bodyPr vert="eaVert"/>
-          <a:lstStyle/>
-          <a:p>
-            <a:r>
-              <a:rPr lang="en-US" smtClean="0"/>
+          <a:lstStyle>
+            <a:lvl1pPr algn="l">
+              <a:defRPr/>
+            </a:lvl1pPr>
+          </a:lstStyle>
+          <a:p>
+            <a:r>
+              <a:rPr lang="en-US"/>
               <a:t>Click to edit Master title style</a:t>
             </a:r>
-            <a:endParaRPr lang="en-US"/>
+            <a:endParaRPr lang="en-US" dirty="0"/>
           </a:p>
         </p:txBody>
       </p:sp>
@@ -582,8 +3228,8 @@
         </p:nvSpPr>
         <p:spPr>
           <a:xfrm>
-            <a:off x="457200" y="274638"/>
-            <a:ext cx="6019800" cy="5851525"/>
+            <a:off x="594360" y="746126"/>
+            <a:ext cx="6278035" cy="4249732"/>
           </a:xfrm>
         </p:spPr>
         <p:txBody>
@@ -592,38 +3238,38 @@
           <a:p>
             <a:pPr lvl="0"/>
             <a:r>
-              <a:rPr lang="en-US" smtClean="0"/>
+              <a:rPr lang="en-US"/>
               <a:t>Click to edit Master text styles</a:t>
             </a:r>
           </a:p>
           <a:p>
             <a:pPr lvl="1"/>
             <a:r>
-              <a:rPr lang="en-US" smtClean="0"/>
+              <a:rPr lang="en-US"/>
               <a:t>Second level</a:t>
             </a:r>
           </a:p>
           <a:p>
             <a:pPr lvl="2"/>
             <a:r>
-              <a:rPr lang="en-US" smtClean="0"/>
+              <a:rPr lang="en-US"/>
               <a:t>Third level</a:t>
             </a:r>
           </a:p>
           <a:p>
             <a:pPr lvl="3"/>
             <a:r>
-              <a:rPr lang="en-US" smtClean="0"/>
+              <a:rPr lang="en-US"/>
               <a:t>Fourth level</a:t>
             </a:r>
           </a:p>
           <a:p>
             <a:pPr lvl="4"/>
             <a:r>
-              <a:rPr lang="en-US" smtClean="0"/>
+              <a:rPr lang="en-US"/>
               <a:t>Fifth level</a:t>
             </a:r>
-            <a:endParaRPr lang="en-US"/>
+            <a:endParaRPr lang="en-US" dirty="0"/>
           </a:p>
         </p:txBody>
       </p:sp>
@@ -637,14 +3283,23 @@
             <p:ph type="dt" sz="half" idx="10"/>
           </p:nvPr>
         </p:nvSpPr>
-        <p:spPr/>
-        <p:txBody>
-          <a:bodyPr/>
-          <a:lstStyle/>
+        <p:spPr>
+          <a:xfrm>
+            <a:off x="5562176" y="381001"/>
+            <a:ext cx="2183130" cy="365125"/>
+          </a:xfrm>
+        </p:spPr>
+        <p:txBody>
+          <a:bodyPr/>
+          <a:lstStyle>
+            <a:lvl1pPr algn="r">
+              <a:defRPr/>
+            </a:lvl1pPr>
+          </a:lstStyle>
           <a:p>
             <a:fld id="{5BCAD085-E8A6-8845-BD4E-CB4CCA059FC4}" type="datetimeFigureOut">
               <a:rPr lang="en-US" smtClean="0"/>
-              <a:t>1/27/13</a:t>
+              <a:t>10/17/2025</a:t>
             </a:fld>
             <a:endParaRPr lang="en-US"/>
           </a:p>
@@ -660,7 +3315,12 @@
             <p:ph type="ftr" sz="quarter" idx="11"/>
           </p:nvPr>
         </p:nvSpPr>
-        <p:spPr/>
+        <p:spPr>
+          <a:xfrm>
+            <a:off x="594360" y="381001"/>
+            <a:ext cx="4830656" cy="365125"/>
+          </a:xfrm>
+        </p:spPr>
         <p:txBody>
           <a:bodyPr/>
           <a:lstStyle/>
@@ -679,7 +3339,12 @@
             <p:ph type="sldNum" sz="quarter" idx="12"/>
           </p:nvPr>
         </p:nvSpPr>
-        <p:spPr/>
+        <p:spPr>
+          <a:xfrm>
+            <a:off x="7882466" y="381001"/>
+            <a:ext cx="667174" cy="365125"/>
+          </a:xfrm>
+        </p:spPr>
         <p:txBody>
           <a:bodyPr/>
           <a:lstStyle/>
@@ -695,7 +3360,7 @@
     </p:spTree>
     <p:extLst>
       <p:ext uri="{BB962C8B-B14F-4D97-AF65-F5344CB8AC3E}">
-        <p14:creationId xmlns:p14="http://schemas.microsoft.com/office/powerpoint/2010/main" val="3612223792"/>
+        <p14:creationId xmlns:p14="http://schemas.microsoft.com/office/powerpoint/2010/main" val="277905198"/>
       </p:ext>
     </p:extLst>
   </p:cSld>
@@ -738,10 +3403,10 @@
           <a:lstStyle/>
           <a:p>
             <a:r>
-              <a:rPr lang="en-US" smtClean="0"/>
+              <a:rPr lang="en-US"/>
               <a:t>Click to edit Master title style</a:t>
             </a:r>
-            <a:endParaRPr lang="en-US"/>
+            <a:endParaRPr lang="en-US" dirty="0"/>
           </a:p>
         </p:txBody>
       </p:sp>
@@ -762,38 +3427,38 @@
           <a:p>
             <a:pPr lvl="0"/>
             <a:r>
-              <a:rPr lang="en-US" smtClean="0"/>
+              <a:rPr lang="en-US"/>
               <a:t>Click to edit Master text styles</a:t>
             </a:r>
           </a:p>
           <a:p>
             <a:pPr lvl="1"/>
             <a:r>
-              <a:rPr lang="en-US" smtClean="0"/>
+              <a:rPr lang="en-US"/>
               <a:t>Second level</a:t>
             </a:r>
           </a:p>
           <a:p>
             <a:pPr lvl="2"/>
             <a:r>
-              <a:rPr lang="en-US" smtClean="0"/>
+              <a:rPr lang="en-US"/>
               <a:t>Third level</a:t>
             </a:r>
           </a:p>
           <a:p>
             <a:pPr lvl="3"/>
             <a:r>
-              <a:rPr lang="en-US" smtClean="0"/>
+              <a:rPr lang="en-US"/>
               <a:t>Fourth level</a:t>
             </a:r>
           </a:p>
           <a:p>
             <a:pPr lvl="4"/>
             <a:r>
-              <a:rPr lang="en-US" smtClean="0"/>
+              <a:rPr lang="en-US"/>
               <a:t>Fifth level</a:t>
             </a:r>
-            <a:endParaRPr lang="en-US"/>
+            <a:endParaRPr lang="en-US" dirty="0"/>
           </a:p>
         </p:txBody>
       </p:sp>
@@ -814,7 +3479,7 @@
           <a:p>
             <a:fld id="{5BCAD085-E8A6-8845-BD4E-CB4CCA059FC4}" type="datetimeFigureOut">
               <a:rPr lang="en-US" smtClean="0"/>
-              <a:t>1/27/13</a:t>
+              <a:t>10/17/2025</a:t>
             </a:fld>
             <a:endParaRPr lang="en-US"/>
           </a:p>
@@ -865,7 +3530,7 @@
     </p:spTree>
     <p:extLst>
       <p:ext uri="{BB962C8B-B14F-4D97-AF65-F5344CB8AC3E}">
-        <p14:creationId xmlns:p14="http://schemas.microsoft.com/office/powerpoint/2010/main" val="2614314258"/>
+        <p14:creationId xmlns:p14="http://schemas.microsoft.com/office/powerpoint/2010/main" val="3697307218"/>
       </p:ext>
     </p:extLst>
   </p:cSld>
@@ -876,7 +3541,7 @@
 </file>
 
 <file path=ppt/slideLayouts/slideLayout3.xml><?xml version="1.0" encoding="utf-8"?>
-<p:sldLayout xmlns:a="http://schemas.openxmlformats.org/drawingml/2006/main" xmlns:r="http://schemas.openxmlformats.org/officeDocument/2006/relationships" xmlns:p="http://schemas.openxmlformats.org/presentationml/2006/main" type="secHead" preserve="1">
+<p:sldLayout xmlns:a="http://schemas.openxmlformats.org/drawingml/2006/main" xmlns:r="http://schemas.openxmlformats.org/officeDocument/2006/relationships" xmlns:p="http://schemas.openxmlformats.org/presentationml/2006/main" showMasterSp="0" type="secHead" preserve="1">
   <p:cSld name="Section Header">
     <p:spTree>
       <p:nvGrpSpPr>
@@ -892,6 +3557,36 @@
           <a:chExt cx="0" cy="0"/>
         </a:xfrm>
       </p:grpSpPr>
+      <p:pic>
+        <p:nvPicPr>
+          <p:cNvPr id="8" name="Picture 7" descr="C0-HD-BTM.png"/>
+          <p:cNvPicPr>
+            <a:picLocks noChangeAspect="1"/>
+          </p:cNvPicPr>
+          <p:nvPr/>
+        </p:nvPicPr>
+        <p:blipFill>
+          <a:blip r:embed="rId2">
+            <a:extLst>
+              <a:ext uri="{28A0092B-C50C-407E-A947-70E740481C1C}">
+                <a14:useLocalDpi xmlns:a14="http://schemas.microsoft.com/office/drawing/2010/main" val="0"/>
+              </a:ext>
+            </a:extLst>
+          </a:blip>
+          <a:stretch>
+            <a:fillRect/>
+          </a:stretch>
+        </p:blipFill>
+        <p:spPr>
+          <a:xfrm>
+            <a:off x="0" y="4995862"/>
+            <a:ext cx="9144000" cy="1862138"/>
+          </a:xfrm>
+          <a:prstGeom prst="rect">
+            <a:avLst/>
+          </a:prstGeom>
+        </p:spPr>
+      </p:pic>
       <p:sp>
         <p:nvSpPr>
           <p:cNvPr id="2" name="Title 1"/>
@@ -904,23 +3599,25 @@
         </p:nvSpPr>
         <p:spPr>
           <a:xfrm>
-            <a:off x="722313" y="4406900"/>
-            <a:ext cx="7772400" cy="1362075"/>
-          </a:xfrm>
-        </p:spPr>
-        <p:txBody>
-          <a:bodyPr anchor="t"/>
+            <a:off x="594360" y="753534"/>
+            <a:ext cx="7955280" cy="2801935"/>
+          </a:xfrm>
+        </p:spPr>
+        <p:txBody>
+          <a:bodyPr anchor="b">
+            <a:normAutofit/>
+          </a:bodyPr>
           <a:lstStyle>
-            <a:lvl1pPr algn="l">
-              <a:defRPr sz="4000" b="1" cap="all"/>
+            <a:lvl1pPr algn="r">
+              <a:defRPr sz="4000"/>
             </a:lvl1pPr>
           </a:lstStyle>
           <a:p>
             <a:r>
-              <a:rPr lang="en-US" smtClean="0"/>
+              <a:rPr lang="en-US"/>
               <a:t>Click to edit Master title style</a:t>
             </a:r>
-            <a:endParaRPr lang="en-US"/>
+            <a:endParaRPr lang="en-US" dirty="0"/>
           </a:p>
         </p:txBody>
       </p:sp>
@@ -936,16 +3633,18 @@
         </p:nvSpPr>
         <p:spPr>
           <a:xfrm>
-            <a:off x="722313" y="2906713"/>
-            <a:ext cx="7772400" cy="1500187"/>
-          </a:xfrm>
-        </p:spPr>
-        <p:txBody>
-          <a:bodyPr anchor="b"/>
+            <a:off x="594360" y="3641726"/>
+            <a:ext cx="7955281" cy="1354134"/>
+          </a:xfrm>
+        </p:spPr>
+        <p:txBody>
+          <a:bodyPr>
+            <a:normAutofit/>
+          </a:bodyPr>
           <a:lstStyle>
-            <a:lvl1pPr marL="0" indent="0">
-              <a:buNone/>
-              <a:defRPr sz="2000">
+            <a:lvl1pPr marL="0" indent="0" algn="r">
+              <a:buNone/>
+              <a:defRPr sz="2200">
                 <a:solidFill>
                   <a:schemeClr val="tx1">
                     <a:tint val="75000"/>
@@ -955,7 +3654,7 @@
             </a:lvl1pPr>
             <a:lvl2pPr marL="457200" indent="0">
               <a:buNone/>
-              <a:defRPr sz="1800">
+              <a:defRPr sz="2000">
                 <a:solidFill>
                   <a:schemeClr val="tx1">
                     <a:tint val="75000"/>
@@ -965,7 +3664,7 @@
             </a:lvl2pPr>
             <a:lvl3pPr marL="914400" indent="0">
               <a:buNone/>
-              <a:defRPr sz="1600">
+              <a:defRPr sz="1800">
                 <a:solidFill>
                   <a:schemeClr val="tx1">
                     <a:tint val="75000"/>
@@ -975,7 +3674,7 @@
             </a:lvl3pPr>
             <a:lvl4pPr marL="1371600" indent="0">
               <a:buNone/>
-              <a:defRPr sz="1400">
+              <a:defRPr sz="1600">
                 <a:solidFill>
                   <a:schemeClr val="tx1">
                     <a:tint val="75000"/>
@@ -985,7 +3684,7 @@
             </a:lvl4pPr>
             <a:lvl5pPr marL="1828800" indent="0">
               <a:buNone/>
-              <a:defRPr sz="1400">
+              <a:defRPr sz="1600">
                 <a:solidFill>
                   <a:schemeClr val="tx1">
                     <a:tint val="75000"/>
@@ -995,7 +3694,7 @@
             </a:lvl5pPr>
             <a:lvl6pPr marL="2286000" indent="0">
               <a:buNone/>
-              <a:defRPr sz="1400">
+              <a:defRPr sz="1600">
                 <a:solidFill>
                   <a:schemeClr val="tx1">
                     <a:tint val="75000"/>
@@ -1005,7 +3704,7 @@
             </a:lvl6pPr>
             <a:lvl7pPr marL="2743200" indent="0">
               <a:buNone/>
-              <a:defRPr sz="1400">
+              <a:defRPr sz="1600">
                 <a:solidFill>
                   <a:schemeClr val="tx1">
                     <a:tint val="75000"/>
@@ -1015,7 +3714,7 @@
             </a:lvl7pPr>
             <a:lvl8pPr marL="3200400" indent="0">
               <a:buNone/>
-              <a:defRPr sz="1400">
+              <a:defRPr sz="1600">
                 <a:solidFill>
                   <a:schemeClr val="tx1">
                     <a:tint val="75000"/>
@@ -1025,7 +3724,7 @@
             </a:lvl8pPr>
             <a:lvl9pPr marL="3657600" indent="0">
               <a:buNone/>
-              <a:defRPr sz="1400">
+              <a:defRPr sz="1600">
                 <a:solidFill>
                   <a:schemeClr val="tx1">
                     <a:tint val="75000"/>
@@ -1037,7 +3736,7 @@
           <a:p>
             <a:pPr lvl="0"/>
             <a:r>
-              <a:rPr lang="en-US" smtClean="0"/>
+              <a:rPr lang="en-US"/>
               <a:t>Click to edit Master text styles</a:t>
             </a:r>
           </a:p>
@@ -1053,14 +3752,23 @@
             <p:ph type="dt" sz="half" idx="10"/>
           </p:nvPr>
         </p:nvSpPr>
-        <p:spPr/>
-        <p:txBody>
-          <a:bodyPr/>
-          <a:lstStyle/>
+        <p:spPr>
+          <a:xfrm>
+            <a:off x="5562176" y="381001"/>
+            <a:ext cx="2183130" cy="365125"/>
+          </a:xfrm>
+        </p:spPr>
+        <p:txBody>
+          <a:bodyPr/>
+          <a:lstStyle>
+            <a:lvl1pPr algn="r">
+              <a:defRPr/>
+            </a:lvl1pPr>
+          </a:lstStyle>
           <a:p>
             <a:fld id="{5BCAD085-E8A6-8845-BD4E-CB4CCA059FC4}" type="datetimeFigureOut">
               <a:rPr lang="en-US" smtClean="0"/>
-              <a:t>1/27/13</a:t>
+              <a:t>10/17/2025</a:t>
             </a:fld>
             <a:endParaRPr lang="en-US"/>
           </a:p>
@@ -1076,7 +3784,12 @@
             <p:ph type="ftr" sz="quarter" idx="11"/>
           </p:nvPr>
         </p:nvSpPr>
-        <p:spPr/>
+        <p:spPr>
+          <a:xfrm>
+            <a:off x="594360" y="381001"/>
+            <a:ext cx="4830656" cy="365125"/>
+          </a:xfrm>
+        </p:spPr>
         <p:txBody>
           <a:bodyPr/>
           <a:lstStyle/>
@@ -1095,7 +3808,12 @@
             <p:ph type="sldNum" sz="quarter" idx="12"/>
           </p:nvPr>
         </p:nvSpPr>
-        <p:spPr/>
+        <p:spPr>
+          <a:xfrm>
+            <a:off x="7882466" y="381001"/>
+            <a:ext cx="667173" cy="365125"/>
+          </a:xfrm>
+        </p:spPr>
         <p:txBody>
           <a:bodyPr/>
           <a:lstStyle/>
@@ -1111,7 +3829,7 @@
     </p:spTree>
     <p:extLst>
       <p:ext uri="{BB962C8B-B14F-4D97-AF65-F5344CB8AC3E}">
-        <p14:creationId xmlns:p14="http://schemas.microsoft.com/office/powerpoint/2010/main" val="960648375"/>
+        <p14:creationId xmlns:p14="http://schemas.microsoft.com/office/powerpoint/2010/main" val="1006691516"/>
       </p:ext>
     </p:extLst>
   </p:cSld>
@@ -1154,10 +3872,10 @@
           <a:lstStyle/>
           <a:p>
             <a:r>
-              <a:rPr lang="en-US" smtClean="0"/>
+              <a:rPr lang="en-US"/>
               <a:t>Click to edit Master title style</a:t>
             </a:r>
-            <a:endParaRPr lang="en-US"/>
+            <a:endParaRPr lang="en-US" dirty="0"/>
           </a:p>
         </p:txBody>
       </p:sp>
@@ -1173,76 +3891,48 @@
         </p:nvSpPr>
         <p:spPr>
           <a:xfrm>
-            <a:off x="457200" y="1600200"/>
-            <a:ext cx="4038600" cy="4525963"/>
-          </a:xfrm>
-        </p:spPr>
-        <p:txBody>
-          <a:bodyPr/>
-          <a:lstStyle>
-            <a:lvl1pPr>
-              <a:defRPr sz="2800"/>
-            </a:lvl1pPr>
-            <a:lvl2pPr>
-              <a:defRPr sz="2400"/>
-            </a:lvl2pPr>
-            <a:lvl3pPr>
-              <a:defRPr sz="2000"/>
-            </a:lvl3pPr>
-            <a:lvl4pPr>
-              <a:defRPr sz="1800"/>
-            </a:lvl4pPr>
-            <a:lvl5pPr>
-              <a:defRPr sz="1800"/>
-            </a:lvl5pPr>
-            <a:lvl6pPr>
-              <a:defRPr sz="1800"/>
-            </a:lvl6pPr>
-            <a:lvl7pPr>
-              <a:defRPr sz="1800"/>
-            </a:lvl7pPr>
-            <a:lvl8pPr>
-              <a:defRPr sz="1800"/>
-            </a:lvl8pPr>
-            <a:lvl9pPr>
-              <a:defRPr sz="1800"/>
-            </a:lvl9pPr>
-          </a:lstStyle>
+            <a:off x="594360" y="2194560"/>
+            <a:ext cx="3910579" cy="4069080"/>
+          </a:xfrm>
+        </p:spPr>
+        <p:txBody>
+          <a:bodyPr/>
+          <a:lstStyle/>
           <a:p>
             <a:pPr lvl="0"/>
             <a:r>
-              <a:rPr lang="en-US" smtClean="0"/>
+              <a:rPr lang="en-US"/>
               <a:t>Click to edit Master text styles</a:t>
             </a:r>
           </a:p>
           <a:p>
             <a:pPr lvl="1"/>
             <a:r>
-              <a:rPr lang="en-US" smtClean="0"/>
+              <a:rPr lang="en-US"/>
               <a:t>Second level</a:t>
             </a:r>
           </a:p>
           <a:p>
             <a:pPr lvl="2"/>
             <a:r>
-              <a:rPr lang="en-US" smtClean="0"/>
+              <a:rPr lang="en-US"/>
               <a:t>Third level</a:t>
             </a:r>
           </a:p>
           <a:p>
             <a:pPr lvl="3"/>
             <a:r>
-              <a:rPr lang="en-US" smtClean="0"/>
+              <a:rPr lang="en-US"/>
               <a:t>Fourth level</a:t>
             </a:r>
           </a:p>
           <a:p>
             <a:pPr lvl="4"/>
             <a:r>
-              <a:rPr lang="en-US" smtClean="0"/>
+              <a:rPr lang="en-US"/>
               <a:t>Fifth level</a:t>
             </a:r>
-            <a:endParaRPr lang="en-US"/>
+            <a:endParaRPr lang="en-US" dirty="0"/>
           </a:p>
         </p:txBody>
       </p:sp>
@@ -1258,76 +3948,48 @@
         </p:nvSpPr>
         <p:spPr>
           <a:xfrm>
-            <a:off x="4648200" y="1600200"/>
-            <a:ext cx="4038600" cy="4525963"/>
-          </a:xfrm>
-        </p:spPr>
-        <p:txBody>
-          <a:bodyPr/>
-          <a:lstStyle>
-            <a:lvl1pPr>
-              <a:defRPr sz="2800"/>
-            </a:lvl1pPr>
-            <a:lvl2pPr>
-              <a:defRPr sz="2400"/>
-            </a:lvl2pPr>
-            <a:lvl3pPr>
-              <a:defRPr sz="2000"/>
-            </a:lvl3pPr>
-            <a:lvl4pPr>
-              <a:defRPr sz="1800"/>
-            </a:lvl4pPr>
-            <a:lvl5pPr>
-              <a:defRPr sz="1800"/>
-            </a:lvl5pPr>
-            <a:lvl6pPr>
-              <a:defRPr sz="1800"/>
-            </a:lvl6pPr>
-            <a:lvl7pPr>
-              <a:defRPr sz="1800"/>
-            </a:lvl7pPr>
-            <a:lvl8pPr>
-              <a:defRPr sz="1800"/>
-            </a:lvl8pPr>
-            <a:lvl9pPr>
-              <a:defRPr sz="1800"/>
-            </a:lvl9pPr>
-          </a:lstStyle>
+            <a:off x="4642099" y="2194560"/>
+            <a:ext cx="3907540" cy="4069080"/>
+          </a:xfrm>
+        </p:spPr>
+        <p:txBody>
+          <a:bodyPr/>
+          <a:lstStyle/>
           <a:p>
             <a:pPr lvl="0"/>
             <a:r>
-              <a:rPr lang="en-US" smtClean="0"/>
+              <a:rPr lang="en-US"/>
               <a:t>Click to edit Master text styles</a:t>
             </a:r>
           </a:p>
           <a:p>
             <a:pPr lvl="1"/>
             <a:r>
-              <a:rPr lang="en-US" smtClean="0"/>
+              <a:rPr lang="en-US"/>
               <a:t>Second level</a:t>
             </a:r>
           </a:p>
           <a:p>
             <a:pPr lvl="2"/>
             <a:r>
-              <a:rPr lang="en-US" smtClean="0"/>
+              <a:rPr lang="en-US"/>
               <a:t>Third level</a:t>
             </a:r>
           </a:p>
           <a:p>
             <a:pPr lvl="3"/>
             <a:r>
-              <a:rPr lang="en-US" smtClean="0"/>
+              <a:rPr lang="en-US"/>
               <a:t>Fourth level</a:t>
             </a:r>
           </a:p>
           <a:p>
             <a:pPr lvl="4"/>
             <a:r>
-              <a:rPr lang="en-US" smtClean="0"/>
+              <a:rPr lang="en-US"/>
               <a:t>Fifth level</a:t>
             </a:r>
-            <a:endParaRPr lang="en-US"/>
+            <a:endParaRPr lang="en-US" dirty="0"/>
           </a:p>
         </p:txBody>
       </p:sp>
@@ -1348,7 +4010,7 @@
           <a:p>
             <a:fld id="{5BCAD085-E8A6-8845-BD4E-CB4CCA059FC4}" type="datetimeFigureOut">
               <a:rPr lang="en-US" smtClean="0"/>
-              <a:t>1/27/13</a:t>
+              <a:t>10/17/2025</a:t>
             </a:fld>
             <a:endParaRPr lang="en-US"/>
           </a:p>
@@ -1399,7 +4061,7 @@
     </p:spTree>
     <p:extLst>
       <p:ext uri="{BB962C8B-B14F-4D97-AF65-F5344CB8AC3E}">
-        <p14:creationId xmlns:p14="http://schemas.microsoft.com/office/powerpoint/2010/main" val="2782244947"/>
+        <p14:creationId xmlns:p14="http://schemas.microsoft.com/office/powerpoint/2010/main" val="3061392600"/>
       </p:ext>
     </p:extLst>
   </p:cSld>
@@ -1436,20 +4098,21 @@
             <p:ph type="title"/>
           </p:nvPr>
         </p:nvSpPr>
-        <p:spPr/>
-        <p:txBody>
-          <a:bodyPr/>
-          <a:lstStyle>
-            <a:lvl1pPr>
-              <a:defRPr/>
-            </a:lvl1pPr>
-          </a:lstStyle>
-          <a:p>
-            <a:r>
-              <a:rPr lang="en-US" smtClean="0"/>
+        <p:spPr>
+          <a:xfrm>
+            <a:off x="2171700" y="762000"/>
+            <a:ext cx="6377940" cy="1295400"/>
+          </a:xfrm>
+        </p:spPr>
+        <p:txBody>
+          <a:bodyPr/>
+          <a:lstStyle/>
+          <a:p>
+            <a:r>
+              <a:rPr lang="en-US"/>
               <a:t>Click to edit Master title style</a:t>
             </a:r>
-            <a:endParaRPr lang="en-US"/>
+            <a:endParaRPr lang="en-US" dirty="0"/>
           </a:p>
         </p:txBody>
       </p:sp>
@@ -1465,16 +4128,22 @@
         </p:nvSpPr>
         <p:spPr>
           <a:xfrm>
-            <a:off x="457200" y="1535113"/>
-            <a:ext cx="4040188" cy="639762"/>
-          </a:xfrm>
-        </p:spPr>
-        <p:txBody>
-          <a:bodyPr anchor="b"/>
+            <a:off x="821279" y="2183802"/>
+            <a:ext cx="3683659" cy="823912"/>
+          </a:xfrm>
+        </p:spPr>
+        <p:txBody>
+          <a:bodyPr anchor="b">
+            <a:normAutofit/>
+          </a:bodyPr>
           <a:lstStyle>
             <a:lvl1pPr marL="0" indent="0">
               <a:buNone/>
-              <a:defRPr sz="2400" b="1"/>
+              <a:defRPr sz="2800" b="0">
+                <a:solidFill>
+                  <a:schemeClr val="tx1"/>
+                </a:solidFill>
+              </a:defRPr>
             </a:lvl1pPr>
             <a:lvl2pPr marL="457200" indent="0">
               <a:buNone/>
@@ -1512,7 +4181,7 @@
           <a:p>
             <a:pPr lvl="0"/>
             <a:r>
-              <a:rPr lang="en-US" smtClean="0"/>
+              <a:rPr lang="en-US"/>
               <a:t>Click to edit Master text styles</a:t>
             </a:r>
           </a:p>
@@ -1530,76 +4199,48 @@
         </p:nvSpPr>
         <p:spPr>
           <a:xfrm>
-            <a:off x="457200" y="2174875"/>
-            <a:ext cx="4040188" cy="3951288"/>
-          </a:xfrm>
-        </p:spPr>
-        <p:txBody>
-          <a:bodyPr/>
-          <a:lstStyle>
-            <a:lvl1pPr>
-              <a:defRPr sz="2400"/>
-            </a:lvl1pPr>
-            <a:lvl2pPr>
-              <a:defRPr sz="2000"/>
-            </a:lvl2pPr>
-            <a:lvl3pPr>
-              <a:defRPr sz="1800"/>
-            </a:lvl3pPr>
-            <a:lvl4pPr>
-              <a:defRPr sz="1600"/>
-            </a:lvl4pPr>
-            <a:lvl5pPr>
-              <a:defRPr sz="1600"/>
-            </a:lvl5pPr>
-            <a:lvl6pPr>
-              <a:defRPr sz="1600"/>
-            </a:lvl6pPr>
-            <a:lvl7pPr>
-              <a:defRPr sz="1600"/>
-            </a:lvl7pPr>
-            <a:lvl8pPr>
-              <a:defRPr sz="1600"/>
-            </a:lvl8pPr>
-            <a:lvl9pPr>
-              <a:defRPr sz="1600"/>
-            </a:lvl9pPr>
-          </a:lstStyle>
+            <a:off x="594359" y="3132667"/>
+            <a:ext cx="3910579" cy="3130973"/>
+          </a:xfrm>
+        </p:spPr>
+        <p:txBody>
+          <a:bodyPr/>
+          <a:lstStyle/>
           <a:p>
             <a:pPr lvl="0"/>
             <a:r>
-              <a:rPr lang="en-US" smtClean="0"/>
+              <a:rPr lang="en-US"/>
               <a:t>Click to edit Master text styles</a:t>
             </a:r>
           </a:p>
           <a:p>
             <a:pPr lvl="1"/>
             <a:r>
-              <a:rPr lang="en-US" smtClean="0"/>
+              <a:rPr lang="en-US"/>
               <a:t>Second level</a:t>
             </a:r>
           </a:p>
           <a:p>
             <a:pPr lvl="2"/>
             <a:r>
-              <a:rPr lang="en-US" smtClean="0"/>
+              <a:rPr lang="en-US"/>
               <a:t>Third level</a:t>
             </a:r>
           </a:p>
           <a:p>
             <a:pPr lvl="3"/>
             <a:r>
-              <a:rPr lang="en-US" smtClean="0"/>
+              <a:rPr lang="en-US"/>
               <a:t>Fourth level</a:t>
             </a:r>
           </a:p>
           <a:p>
             <a:pPr lvl="4"/>
             <a:r>
-              <a:rPr lang="en-US" smtClean="0"/>
+              <a:rPr lang="en-US"/>
               <a:t>Fifth level</a:t>
             </a:r>
-            <a:endParaRPr lang="en-US"/>
+            <a:endParaRPr lang="en-US" dirty="0"/>
           </a:p>
         </p:txBody>
       </p:sp>
@@ -1615,16 +4256,22 @@
         </p:nvSpPr>
         <p:spPr>
           <a:xfrm>
-            <a:off x="4645025" y="1535113"/>
-            <a:ext cx="4041775" cy="639762"/>
-          </a:xfrm>
-        </p:spPr>
-        <p:txBody>
-          <a:bodyPr anchor="b"/>
+            <a:off x="4869018" y="2183802"/>
+            <a:ext cx="3680621" cy="823912"/>
+          </a:xfrm>
+        </p:spPr>
+        <p:txBody>
+          <a:bodyPr anchor="b">
+            <a:normAutofit/>
+          </a:bodyPr>
           <a:lstStyle>
             <a:lvl1pPr marL="0" indent="0">
               <a:buNone/>
-              <a:defRPr sz="2400" b="1"/>
+              <a:defRPr sz="2800" b="0">
+                <a:solidFill>
+                  <a:schemeClr val="tx1"/>
+                </a:solidFill>
+              </a:defRPr>
             </a:lvl1pPr>
             <a:lvl2pPr marL="457200" indent="0">
               <a:buNone/>
@@ -1662,7 +4309,7 @@
           <a:p>
             <a:pPr lvl="0"/>
             <a:r>
-              <a:rPr lang="en-US" smtClean="0"/>
+              <a:rPr lang="en-US"/>
               <a:t>Click to edit Master text styles</a:t>
             </a:r>
           </a:p>
@@ -1680,76 +4327,48 @@
         </p:nvSpPr>
         <p:spPr>
           <a:xfrm>
-            <a:off x="4645025" y="2174875"/>
-            <a:ext cx="4041775" cy="3951288"/>
-          </a:xfrm>
-        </p:spPr>
-        <p:txBody>
-          <a:bodyPr/>
-          <a:lstStyle>
-            <a:lvl1pPr>
-              <a:defRPr sz="2400"/>
-            </a:lvl1pPr>
-            <a:lvl2pPr>
-              <a:defRPr sz="2000"/>
-            </a:lvl2pPr>
-            <a:lvl3pPr>
-              <a:defRPr sz="1800"/>
-            </a:lvl3pPr>
-            <a:lvl4pPr>
-              <a:defRPr sz="1600"/>
-            </a:lvl4pPr>
-            <a:lvl5pPr>
-              <a:defRPr sz="1600"/>
-            </a:lvl5pPr>
-            <a:lvl6pPr>
-              <a:defRPr sz="1600"/>
-            </a:lvl6pPr>
-            <a:lvl7pPr>
-              <a:defRPr sz="1600"/>
-            </a:lvl7pPr>
-            <a:lvl8pPr>
-              <a:defRPr sz="1600"/>
-            </a:lvl8pPr>
-            <a:lvl9pPr>
-              <a:defRPr sz="1600"/>
-            </a:lvl9pPr>
-          </a:lstStyle>
+            <a:off x="4642098" y="3132667"/>
+            <a:ext cx="3907541" cy="3130973"/>
+          </a:xfrm>
+        </p:spPr>
+        <p:txBody>
+          <a:bodyPr/>
+          <a:lstStyle/>
           <a:p>
             <a:pPr lvl="0"/>
             <a:r>
-              <a:rPr lang="en-US" smtClean="0"/>
+              <a:rPr lang="en-US"/>
               <a:t>Click to edit Master text styles</a:t>
             </a:r>
           </a:p>
           <a:p>
             <a:pPr lvl="1"/>
             <a:r>
-              <a:rPr lang="en-US" smtClean="0"/>
+              <a:rPr lang="en-US"/>
               <a:t>Second level</a:t>
             </a:r>
           </a:p>
           <a:p>
             <a:pPr lvl="2"/>
             <a:r>
-              <a:rPr lang="en-US" smtClean="0"/>
+              <a:rPr lang="en-US"/>
               <a:t>Third level</a:t>
             </a:r>
           </a:p>
           <a:p>
             <a:pPr lvl="3"/>
             <a:r>
-              <a:rPr lang="en-US" smtClean="0"/>
+              <a:rPr lang="en-US"/>
               <a:t>Fourth level</a:t>
             </a:r>
           </a:p>
           <a:p>
             <a:pPr lvl="4"/>
             <a:r>
-              <a:rPr lang="en-US" smtClean="0"/>
+              <a:rPr lang="en-US"/>
               <a:t>Fifth level</a:t>
             </a:r>
-            <a:endParaRPr lang="en-US"/>
+            <a:endParaRPr lang="en-US" dirty="0"/>
           </a:p>
         </p:txBody>
       </p:sp>
@@ -1770,7 +4389,7 @@
           <a:p>
             <a:fld id="{5BCAD085-E8A6-8845-BD4E-CB4CCA059FC4}" type="datetimeFigureOut">
               <a:rPr lang="en-US" smtClean="0"/>
-              <a:t>1/27/13</a:t>
+              <a:t>10/17/2025</a:t>
             </a:fld>
             <a:endParaRPr lang="en-US"/>
           </a:p>
@@ -1821,7 +4440,7 @@
     </p:spTree>
     <p:extLst>
       <p:ext uri="{BB962C8B-B14F-4D97-AF65-F5344CB8AC3E}">
-        <p14:creationId xmlns:p14="http://schemas.microsoft.com/office/powerpoint/2010/main" val="990158736"/>
+        <p14:creationId xmlns:p14="http://schemas.microsoft.com/office/powerpoint/2010/main" val="3142303939"/>
       </p:ext>
     </p:extLst>
   </p:cSld>
@@ -1864,10 +4483,10 @@
           <a:lstStyle/>
           <a:p>
             <a:r>
-              <a:rPr lang="en-US" smtClean="0"/>
+              <a:rPr lang="en-US"/>
               <a:t>Click to edit Master title style</a:t>
             </a:r>
-            <a:endParaRPr lang="en-US"/>
+            <a:endParaRPr lang="en-US" dirty="0"/>
           </a:p>
         </p:txBody>
       </p:sp>
@@ -1888,7 +4507,7 @@
           <a:p>
             <a:fld id="{5BCAD085-E8A6-8845-BD4E-CB4CCA059FC4}" type="datetimeFigureOut">
               <a:rPr lang="en-US" smtClean="0"/>
-              <a:t>1/27/13</a:t>
+              <a:t>10/17/2025</a:t>
             </a:fld>
             <a:endParaRPr lang="en-US"/>
           </a:p>
@@ -1939,7 +4558,7 @@
     </p:spTree>
     <p:extLst>
       <p:ext uri="{BB962C8B-B14F-4D97-AF65-F5344CB8AC3E}">
-        <p14:creationId xmlns:p14="http://schemas.microsoft.com/office/powerpoint/2010/main" val="727027711"/>
+        <p14:creationId xmlns:p14="http://schemas.microsoft.com/office/powerpoint/2010/main" val="1500925873"/>
       </p:ext>
     </p:extLst>
   </p:cSld>
@@ -1983,7 +4602,7 @@
           <a:p>
             <a:fld id="{5BCAD085-E8A6-8845-BD4E-CB4CCA059FC4}" type="datetimeFigureOut">
               <a:rPr lang="en-US" smtClean="0"/>
-              <a:t>1/27/13</a:t>
+              <a:t>10/17/2025</a:t>
             </a:fld>
             <a:endParaRPr lang="en-US"/>
           </a:p>
@@ -2034,7 +4653,7 @@
     </p:spTree>
     <p:extLst>
       <p:ext uri="{BB962C8B-B14F-4D97-AF65-F5344CB8AC3E}">
-        <p14:creationId xmlns:p14="http://schemas.microsoft.com/office/powerpoint/2010/main" val="1212999818"/>
+        <p14:creationId xmlns:p14="http://schemas.microsoft.com/office/powerpoint/2010/main" val="1780891407"/>
       </p:ext>
     </p:extLst>
   </p:cSld>
@@ -2073,23 +4692,23 @@
         </p:nvSpPr>
         <p:spPr>
           <a:xfrm>
-            <a:off x="457200" y="273050"/>
-            <a:ext cx="3008313" cy="1162050"/>
+            <a:off x="594360" y="1524000"/>
+            <a:ext cx="3086100" cy="1600200"/>
           </a:xfrm>
         </p:spPr>
         <p:txBody>
           <a:bodyPr anchor="b"/>
           <a:lstStyle>
             <a:lvl1pPr algn="l">
-              <a:defRPr sz="2000" b="1"/>
+              <a:defRPr sz="3200"/>
             </a:lvl1pPr>
           </a:lstStyle>
           <a:p>
             <a:r>
-              <a:rPr lang="en-US" smtClean="0"/>
+              <a:rPr lang="en-US"/>
               <a:t>Click to edit Master title style</a:t>
             </a:r>
-            <a:endParaRPr lang="en-US"/>
+            <a:endParaRPr lang="en-US" dirty="0"/>
           </a:p>
         </p:txBody>
       </p:sp>
@@ -2105,139 +4724,111 @@
         </p:nvSpPr>
         <p:spPr>
           <a:xfrm>
-            <a:off x="3575050" y="273050"/>
-            <a:ext cx="5111750" cy="5853113"/>
+            <a:off x="3886200" y="746760"/>
+            <a:ext cx="4663440" cy="5516880"/>
+          </a:xfrm>
+        </p:spPr>
+        <p:txBody>
+          <a:bodyPr anchor="ctr"/>
+          <a:lstStyle/>
+          <a:p>
+            <a:pPr lvl="0"/>
+            <a:r>
+              <a:rPr lang="en-US"/>
+              <a:t>Click to edit Master text styles</a:t>
+            </a:r>
+          </a:p>
+          <a:p>
+            <a:pPr lvl="1"/>
+            <a:r>
+              <a:rPr lang="en-US"/>
+              <a:t>Second level</a:t>
+            </a:r>
+          </a:p>
+          <a:p>
+            <a:pPr lvl="2"/>
+            <a:r>
+              <a:rPr lang="en-US"/>
+              <a:t>Third level</a:t>
+            </a:r>
+          </a:p>
+          <a:p>
+            <a:pPr lvl="3"/>
+            <a:r>
+              <a:rPr lang="en-US"/>
+              <a:t>Fourth level</a:t>
+            </a:r>
+          </a:p>
+          <a:p>
+            <a:pPr lvl="4"/>
+            <a:r>
+              <a:rPr lang="en-US"/>
+              <a:t>Fifth level</a:t>
+            </a:r>
+            <a:endParaRPr lang="en-US" dirty="0"/>
+          </a:p>
+        </p:txBody>
+      </p:sp>
+      <p:sp>
+        <p:nvSpPr>
+          <p:cNvPr id="4" name="Text Placeholder 3"/>
+          <p:cNvSpPr>
+            <a:spLocks noGrp="1"/>
+          </p:cNvSpPr>
+          <p:nvPr>
+            <p:ph type="body" sz="half" idx="2"/>
+          </p:nvPr>
+        </p:nvSpPr>
+        <p:spPr>
+          <a:xfrm>
+            <a:off x="594360" y="3124200"/>
+            <a:ext cx="3086100" cy="3139440"/>
           </a:xfrm>
         </p:spPr>
         <p:txBody>
           <a:bodyPr/>
           <a:lstStyle>
-            <a:lvl1pPr>
-              <a:defRPr sz="3200"/>
+            <a:lvl1pPr marL="0" indent="0">
+              <a:buNone/>
+              <a:defRPr sz="1600"/>
             </a:lvl1pPr>
-            <a:lvl2pPr>
-              <a:defRPr sz="2800"/>
+            <a:lvl2pPr marL="457200" indent="0">
+              <a:buNone/>
+              <a:defRPr sz="1400"/>
             </a:lvl2pPr>
-            <a:lvl3pPr>
-              <a:defRPr sz="2400"/>
+            <a:lvl3pPr marL="914400" indent="0">
+              <a:buNone/>
+              <a:defRPr sz="1200"/>
             </a:lvl3pPr>
-            <a:lvl4pPr>
-              <a:defRPr sz="2000"/>
+            <a:lvl4pPr marL="1371600" indent="0">
+              <a:buNone/>
+              <a:defRPr sz="1000"/>
             </a:lvl4pPr>
-            <a:lvl5pPr>
-              <a:defRPr sz="2000"/>
+            <a:lvl5pPr marL="1828800" indent="0">
+              <a:buNone/>
+              <a:defRPr sz="1000"/>
             </a:lvl5pPr>
-            <a:lvl6pPr>
-              <a:defRPr sz="2000"/>
+            <a:lvl6pPr marL="2286000" indent="0">
+              <a:buNone/>
+              <a:defRPr sz="1000"/>
             </a:lvl6pPr>
-            <a:lvl7pPr>
-              <a:defRPr sz="2000"/>
+            <a:lvl7pPr marL="2743200" indent="0">
+              <a:buNone/>
+              <a:defRPr sz="1000"/>
             </a:lvl7pPr>
-            <a:lvl8pPr>
-              <a:defRPr sz="2000"/>
+            <a:lvl8pPr marL="3200400" indent="0">
+              <a:buNone/>
+              <a:defRPr sz="1000"/>
             </a:lvl8pPr>
-            <a:lvl9pPr>
-              <a:defRPr sz="2000"/>
+            <a:lvl9pPr marL="3657600" indent="0">
+              <a:buNone/>
+              <a:defRPr sz="1000"/>
             </a:lvl9pPr>
           </a:lstStyle>
           <a:p>
             <a:pPr lvl="0"/>
             <a:r>
-              <a:rPr lang="en-US" smtClean="0"/>
-              <a:t>Click to edit Master text styles</a:t>
-            </a:r>
-          </a:p>
-          <a:p>
-            <a:pPr lvl="1"/>
-            <a:r>
-              <a:rPr lang="en-US" smtClean="0"/>
-              <a:t>Second level</a:t>
-            </a:r>
-          </a:p>
-          <a:p>
-            <a:pPr lvl="2"/>
-            <a:r>
-              <a:rPr lang="en-US" smtClean="0"/>
-              <a:t>Third level</a:t>
-            </a:r>
-          </a:p>
-          <a:p>
-            <a:pPr lvl="3"/>
-            <a:r>
-              <a:rPr lang="en-US" smtClean="0"/>
-              <a:t>Fourth level</a:t>
-            </a:r>
-          </a:p>
-          <a:p>
-            <a:pPr lvl="4"/>
-            <a:r>
-              <a:rPr lang="en-US" smtClean="0"/>
-              <a:t>Fifth level</a:t>
-            </a:r>
-            <a:endParaRPr lang="en-US"/>
-          </a:p>
-        </p:txBody>
-      </p:sp>
-      <p:sp>
-        <p:nvSpPr>
-          <p:cNvPr id="4" name="Text Placeholder 3"/>
-          <p:cNvSpPr>
-            <a:spLocks noGrp="1"/>
-          </p:cNvSpPr>
-          <p:nvPr>
-            <p:ph type="body" sz="half" idx="2"/>
-          </p:nvPr>
-        </p:nvSpPr>
-        <p:spPr>
-          <a:xfrm>
-            <a:off x="457200" y="1435100"/>
-            <a:ext cx="3008313" cy="4691063"/>
-          </a:xfrm>
-        </p:spPr>
-        <p:txBody>
-          <a:bodyPr/>
-          <a:lstStyle>
-            <a:lvl1pPr marL="0" indent="0">
-              <a:buNone/>
-              <a:defRPr sz="1400"/>
-            </a:lvl1pPr>
-            <a:lvl2pPr marL="457200" indent="0">
-              <a:buNone/>
-              <a:defRPr sz="1200"/>
-            </a:lvl2pPr>
-            <a:lvl3pPr marL="914400" indent="0">
-              <a:buNone/>
-              <a:defRPr sz="1000"/>
-            </a:lvl3pPr>
-            <a:lvl4pPr marL="1371600" indent="0">
-              <a:buNone/>
-              <a:defRPr sz="900"/>
-            </a:lvl4pPr>
-            <a:lvl5pPr marL="1828800" indent="0">
-              <a:buNone/>
-              <a:defRPr sz="900"/>
-            </a:lvl5pPr>
-            <a:lvl6pPr marL="2286000" indent="0">
-              <a:buNone/>
-              <a:defRPr sz="900"/>
-            </a:lvl6pPr>
-            <a:lvl7pPr marL="2743200" indent="0">
-              <a:buNone/>
-              <a:defRPr sz="900"/>
-            </a:lvl7pPr>
-            <a:lvl8pPr marL="3200400" indent="0">
-              <a:buNone/>
-              <a:defRPr sz="900"/>
-            </a:lvl8pPr>
-            <a:lvl9pPr marL="3657600" indent="0">
-              <a:buNone/>
-              <a:defRPr sz="900"/>
-            </a:lvl9pPr>
-          </a:lstStyle>
-          <a:p>
-            <a:pPr lvl="0"/>
-            <a:r>
-              <a:rPr lang="en-US" smtClean="0"/>
+              <a:rPr lang="en-US"/>
               <a:t>Click to edit Master text styles</a:t>
             </a:r>
           </a:p>
@@ -2260,7 +4851,7 @@
           <a:p>
             <a:fld id="{5BCAD085-E8A6-8845-BD4E-CB4CCA059FC4}" type="datetimeFigureOut">
               <a:rPr lang="en-US" smtClean="0"/>
-              <a:t>1/27/13</a:t>
+              <a:t>10/17/2025</a:t>
             </a:fld>
             <a:endParaRPr lang="en-US"/>
           </a:p>
@@ -2311,7 +4902,7 @@
     </p:spTree>
     <p:extLst>
       <p:ext uri="{BB962C8B-B14F-4D97-AF65-F5344CB8AC3E}">
-        <p14:creationId xmlns:p14="http://schemas.microsoft.com/office/powerpoint/2010/main" val="1840726560"/>
+        <p14:creationId xmlns:p14="http://schemas.microsoft.com/office/powerpoint/2010/main" val="1897208682"/>
       </p:ext>
     </p:extLst>
   </p:cSld>
@@ -2350,23 +4941,23 @@
         </p:nvSpPr>
         <p:spPr>
           <a:xfrm>
-            <a:off x="1792288" y="4800600"/>
-            <a:ext cx="5486400" cy="566738"/>
+            <a:off x="594360" y="1524000"/>
+            <a:ext cx="4075730" cy="1600200"/>
           </a:xfrm>
         </p:spPr>
         <p:txBody>
           <a:bodyPr anchor="b"/>
           <a:lstStyle>
             <a:lvl1pPr algn="l">
-              <a:defRPr sz="2000" b="1"/>
+              <a:defRPr sz="3200"/>
             </a:lvl1pPr>
           </a:lstStyle>
           <a:p>
             <a:r>
-              <a:rPr lang="en-US" smtClean="0"/>
+              <a:rPr lang="en-US"/>
               <a:t>Click to edit Master title style</a:t>
             </a:r>
-            <a:endParaRPr lang="en-US"/>
+            <a:endParaRPr lang="en-US" dirty="0"/>
           </a:p>
         </p:txBody>
       </p:sp>
@@ -2374,7 +4965,7 @@
         <p:nvSpPr>
           <p:cNvPr id="3" name="Picture Placeholder 2"/>
           <p:cNvSpPr>
-            <a:spLocks noGrp="1"/>
+            <a:spLocks noGrp="1" noChangeAspect="1"/>
           </p:cNvSpPr>
           <p:nvPr>
             <p:ph type="pic" idx="1"/>
@@ -2382,12 +4973,12 @@
         </p:nvSpPr>
         <p:spPr>
           <a:xfrm>
-            <a:off x="1792288" y="612775"/>
-            <a:ext cx="5486400" cy="4114800"/>
-          </a:xfrm>
-        </p:spPr>
-        <p:txBody>
-          <a:bodyPr/>
+            <a:off x="4877524" y="751242"/>
+            <a:ext cx="3674234" cy="5512398"/>
+          </a:xfrm>
+        </p:spPr>
+        <p:txBody>
+          <a:bodyPr anchor="t"/>
           <a:lstStyle>
             <a:lvl1pPr marL="0" indent="0">
               <a:buNone/>
@@ -2427,7 +5018,11 @@
             </a:lvl9pPr>
           </a:lstStyle>
           <a:p>
-            <a:endParaRPr lang="en-US"/>
+            <a:r>
+              <a:rPr lang="en-US"/>
+              <a:t>Click icon to add picture</a:t>
+            </a:r>
+            <a:endParaRPr lang="en-US" dirty="0"/>
           </a:p>
         </p:txBody>
       </p:sp>
@@ -2443,8 +5038,8 @@
         </p:nvSpPr>
         <p:spPr>
           <a:xfrm>
-            <a:off x="1792288" y="5367338"/>
-            <a:ext cx="5486400" cy="804862"/>
+            <a:off x="594360" y="3124200"/>
+            <a:ext cx="4075730" cy="3139440"/>
           </a:xfrm>
         </p:spPr>
         <p:txBody>
@@ -2452,45 +5047,45 @@
           <a:lstStyle>
             <a:lvl1pPr marL="0" indent="0">
               <a:buNone/>
-              <a:defRPr sz="1400"/>
+              <a:defRPr sz="1600"/>
             </a:lvl1pPr>
             <a:lvl2pPr marL="457200" indent="0">
               <a:buNone/>
-              <a:defRPr sz="1200"/>
+              <a:defRPr sz="1400"/>
             </a:lvl2pPr>
             <a:lvl3pPr marL="914400" indent="0">
               <a:buNone/>
-              <a:defRPr sz="1000"/>
+              <a:defRPr sz="1200"/>
             </a:lvl3pPr>
             <a:lvl4pPr marL="1371600" indent="0">
               <a:buNone/>
-              <a:defRPr sz="900"/>
+              <a:defRPr sz="1000"/>
             </a:lvl4pPr>
             <a:lvl5pPr marL="1828800" indent="0">
               <a:buNone/>
-              <a:defRPr sz="900"/>
+              <a:defRPr sz="1000"/>
             </a:lvl5pPr>
             <a:lvl6pPr marL="2286000" indent="0">
               <a:buNone/>
-              <a:defRPr sz="900"/>
+              <a:defRPr sz="1000"/>
             </a:lvl6pPr>
             <a:lvl7pPr marL="2743200" indent="0">
               <a:buNone/>
-              <a:defRPr sz="900"/>
+              <a:defRPr sz="1000"/>
             </a:lvl7pPr>
             <a:lvl8pPr marL="3200400" indent="0">
               <a:buNone/>
-              <a:defRPr sz="900"/>
+              <a:defRPr sz="1000"/>
             </a:lvl8pPr>
             <a:lvl9pPr marL="3657600" indent="0">
               <a:buNone/>
-              <a:defRPr sz="900"/>
+              <a:defRPr sz="1000"/>
             </a:lvl9pPr>
           </a:lstStyle>
           <a:p>
             <a:pPr lvl="0"/>
             <a:r>
-              <a:rPr lang="en-US" smtClean="0"/>
+              <a:rPr lang="en-US"/>
               <a:t>Click to edit Master text styles</a:t>
             </a:r>
           </a:p>
@@ -2513,7 +5108,7 @@
           <a:p>
             <a:fld id="{5BCAD085-E8A6-8845-BD4E-CB4CCA059FC4}" type="datetimeFigureOut">
               <a:rPr lang="en-US" smtClean="0"/>
-              <a:t>1/27/13</a:t>
+              <a:t>10/17/2025</a:t>
             </a:fld>
             <a:endParaRPr lang="en-US"/>
           </a:p>
@@ -2564,7 +5159,7 @@
     </p:spTree>
     <p:extLst>
       <p:ext uri="{BB962C8B-B14F-4D97-AF65-F5344CB8AC3E}">
-        <p14:creationId xmlns:p14="http://schemas.microsoft.com/office/powerpoint/2010/main" val="3889236939"/>
+        <p14:creationId xmlns:p14="http://schemas.microsoft.com/office/powerpoint/2010/main" val="424988994"/>
       </p:ext>
     </p:extLst>
   </p:cSld>
@@ -2596,25 +5191,55 @@
           <a:chExt cx="0" cy="0"/>
         </a:xfrm>
       </p:grpSpPr>
-      <p:sp>
-        <p:nvSpPr>
-          <p:cNvPr id="2" name="Title Placeholder 1"/>
-          <p:cNvSpPr>
-            <a:spLocks noGrp="1"/>
-          </p:cNvSpPr>
-          <p:nvPr>
-            <p:ph type="title"/>
-          </p:nvPr>
-        </p:nvSpPr>
-        <p:spPr>
-          <a:xfrm>
-            <a:off x="457200" y="274638"/>
-            <a:ext cx="8229600" cy="1143000"/>
+      <p:pic>
+        <p:nvPicPr>
+          <p:cNvPr id="7" name="Picture 6" descr="C0-HD-TOP.png"/>
+          <p:cNvPicPr>
+            <a:picLocks noChangeAspect="1"/>
+          </p:cNvPicPr>
+          <p:nvPr/>
+        </p:nvPicPr>
+        <p:blipFill>
+          <a:blip r:embed="rId19">
+            <a:extLst>
+              <a:ext uri="{28A0092B-C50C-407E-A947-70E740481C1C}">
+                <a14:useLocalDpi xmlns:a14="http://schemas.microsoft.com/office/drawing/2010/main" val="0"/>
+              </a:ext>
+            </a:extLst>
+          </a:blip>
+          <a:stretch>
+            <a:fillRect/>
+          </a:stretch>
+        </p:blipFill>
+        <p:spPr>
+          <a:xfrm>
+            <a:off x="0" y="0"/>
+            <a:ext cx="9144000" cy="1081088"/>
           </a:xfrm>
           <a:prstGeom prst="rect">
             <a:avLst/>
           </a:prstGeom>
         </p:spPr>
+      </p:pic>
+      <p:sp>
+        <p:nvSpPr>
+          <p:cNvPr id="2" name="Title Placeholder 1"/>
+          <p:cNvSpPr>
+            <a:spLocks noGrp="1"/>
+          </p:cNvSpPr>
+          <p:nvPr>
+            <p:ph type="title"/>
+          </p:nvPr>
+        </p:nvSpPr>
+        <p:spPr>
+          <a:xfrm>
+            <a:off x="2171700" y="764373"/>
+            <a:ext cx="6377940" cy="1293028"/>
+          </a:xfrm>
+          <a:prstGeom prst="rect">
+            <a:avLst/>
+          </a:prstGeom>
+        </p:spPr>
         <p:txBody>
           <a:bodyPr vert="horz" lIns="91440" tIns="45720" rIns="91440" bIns="45720" rtlCol="0" anchor="ctr">
             <a:normAutofit/>
@@ -2622,10 +5247,10 @@
           <a:lstStyle/>
           <a:p>
             <a:r>
-              <a:rPr lang="en-US" smtClean="0"/>
+              <a:rPr lang="en-US"/>
               <a:t>Click to edit Master title style</a:t>
             </a:r>
-            <a:endParaRPr lang="en-US"/>
+            <a:endParaRPr lang="en-US" dirty="0"/>
           </a:p>
         </p:txBody>
       </p:sp>
@@ -2641,8 +5266,8 @@
         </p:nvSpPr>
         <p:spPr>
           <a:xfrm>
-            <a:off x="457200" y="1600200"/>
-            <a:ext cx="8229600" cy="4525963"/>
+            <a:off x="594360" y="2194560"/>
+            <a:ext cx="7955280" cy="4069080"/>
           </a:xfrm>
           <a:prstGeom prst="rect">
             <a:avLst/>
@@ -2656,38 +5281,38 @@
           <a:p>
             <a:pPr lvl="0"/>
             <a:r>
-              <a:rPr lang="en-US" smtClean="0"/>
+              <a:rPr lang="en-US"/>
               <a:t>Click to edit Master text styles</a:t>
             </a:r>
           </a:p>
           <a:p>
             <a:pPr lvl="1"/>
             <a:r>
-              <a:rPr lang="en-US" smtClean="0"/>
+              <a:rPr lang="en-US"/>
               <a:t>Second level</a:t>
             </a:r>
           </a:p>
           <a:p>
             <a:pPr lvl="2"/>
             <a:r>
-              <a:rPr lang="en-US" smtClean="0"/>
+              <a:rPr lang="en-US"/>
               <a:t>Third level</a:t>
             </a:r>
           </a:p>
           <a:p>
             <a:pPr lvl="3"/>
             <a:r>
-              <a:rPr lang="en-US" smtClean="0"/>
+              <a:rPr lang="en-US"/>
               <a:t>Fourth level</a:t>
             </a:r>
           </a:p>
           <a:p>
             <a:pPr lvl="4"/>
             <a:r>
-              <a:rPr lang="en-US" smtClean="0"/>
+              <a:rPr lang="en-US"/>
               <a:t>Fifth level</a:t>
             </a:r>
-            <a:endParaRPr lang="en-US"/>
+            <a:endParaRPr lang="en-US" dirty="0"/>
           </a:p>
         </p:txBody>
       </p:sp>
@@ -2703,8 +5328,8 @@
         </p:nvSpPr>
         <p:spPr>
           <a:xfrm>
-            <a:off x="457200" y="6356350"/>
-            <a:ext cx="2133600" cy="365125"/>
+            <a:off x="6412230" y="6356351"/>
+            <a:ext cx="2137410" cy="365125"/>
           </a:xfrm>
           <a:prstGeom prst="rect">
             <a:avLst/>
@@ -2713,8 +5338,8 @@
         <p:txBody>
           <a:bodyPr vert="horz" lIns="91440" tIns="45720" rIns="91440" bIns="45720" rtlCol="0" anchor="ctr"/>
           <a:lstStyle>
-            <a:lvl1pPr algn="l">
-              <a:defRPr sz="1200">
+            <a:lvl1pPr algn="r">
+              <a:defRPr sz="1050">
                 <a:solidFill>
                   <a:schemeClr val="tx1">
                     <a:tint val="75000"/>
@@ -2726,7 +5351,7 @@
           <a:p>
             <a:fld id="{5BCAD085-E8A6-8845-BD4E-CB4CCA059FC4}" type="datetimeFigureOut">
               <a:rPr lang="en-US" smtClean="0"/>
-              <a:t>1/27/13</a:t>
+              <a:t>10/17/2025</a:t>
             </a:fld>
             <a:endParaRPr lang="en-US"/>
           </a:p>
@@ -2744,8 +5369,8 @@
         </p:nvSpPr>
         <p:spPr>
           <a:xfrm>
-            <a:off x="3124200" y="6356350"/>
-            <a:ext cx="2895600" cy="365125"/>
+            <a:off x="594360" y="6355846"/>
+            <a:ext cx="5680710" cy="365125"/>
           </a:xfrm>
           <a:prstGeom prst="rect">
             <a:avLst/>
@@ -2754,8 +5379,8 @@
         <p:txBody>
           <a:bodyPr vert="horz" lIns="91440" tIns="45720" rIns="91440" bIns="45720" rtlCol="0" anchor="ctr"/>
           <a:lstStyle>
-            <a:lvl1pPr algn="ctr">
-              <a:defRPr sz="1200">
+            <a:lvl1pPr algn="l">
+              <a:defRPr sz="1050">
                 <a:solidFill>
                   <a:schemeClr val="tx1">
                     <a:tint val="75000"/>
@@ -2781,8 +5406,8 @@
         </p:nvSpPr>
         <p:spPr>
           <a:xfrm>
-            <a:off x="6553200" y="6356350"/>
-            <a:ext cx="2133600" cy="365125"/>
+            <a:off x="6572250" y="381001"/>
+            <a:ext cx="1977390" cy="365125"/>
           </a:xfrm>
           <a:prstGeom prst="rect">
             <a:avLst/>
@@ -2792,7 +5417,7 @@
           <a:bodyPr vert="horz" lIns="91440" tIns="45720" rIns="91440" bIns="45720" rtlCol="0" anchor="ctr"/>
           <a:lstStyle>
             <a:lvl1pPr algn="r">
-              <a:defRPr sz="1200">
+              <a:defRPr sz="1050">
                 <a:solidFill>
                   <a:schemeClr val="tx1">
                     <a:tint val="75000"/>
@@ -2813,32 +5438,41 @@
     </p:spTree>
     <p:extLst>
       <p:ext uri="{BB962C8B-B14F-4D97-AF65-F5344CB8AC3E}">
-        <p14:creationId xmlns:p14="http://schemas.microsoft.com/office/powerpoint/2010/main" val="2209977519"/>
+        <p14:creationId xmlns:p14="http://schemas.microsoft.com/office/powerpoint/2010/main" val="3165820221"/>
       </p:ext>
     </p:extLst>
   </p:cSld>
-  <p:clrMap bg1="lt1" tx1="dk1" bg2="lt2" tx2="dk2" accent1="accent1" accent2="accent2" accent3="accent3" accent4="accent4" accent5="accent5" accent6="accent6" hlink="hlink" folHlink="folHlink"/>
+  <p:clrMap bg1="dk1" tx1="lt1" bg2="dk2" tx2="lt2" accent1="accent1" accent2="accent2" accent3="accent3" accent4="accent4" accent5="accent5" accent6="accent6" hlink="hlink" folHlink="folHlink"/>
   <p:sldLayoutIdLst>
-    <p:sldLayoutId id="2147483649" r:id="rId1"/>
-    <p:sldLayoutId id="2147483650" r:id="rId2"/>
-    <p:sldLayoutId id="2147483651" r:id="rId3"/>
-    <p:sldLayoutId id="2147483652" r:id="rId4"/>
-    <p:sldLayoutId id="2147483653" r:id="rId5"/>
-    <p:sldLayoutId id="2147483654" r:id="rId6"/>
-    <p:sldLayoutId id="2147483655" r:id="rId7"/>
-    <p:sldLayoutId id="2147483656" r:id="rId8"/>
-    <p:sldLayoutId id="2147483657" r:id="rId9"/>
-    <p:sldLayoutId id="2147483658" r:id="rId10"/>
-    <p:sldLayoutId id="2147483659" r:id="rId11"/>
+    <p:sldLayoutId id="2147483679" r:id="rId1"/>
+    <p:sldLayoutId id="2147483680" r:id="rId2"/>
+    <p:sldLayoutId id="2147483681" r:id="rId3"/>
+    <p:sldLayoutId id="2147483682" r:id="rId4"/>
+    <p:sldLayoutId id="2147483683" r:id="rId5"/>
+    <p:sldLayoutId id="2147483684" r:id="rId6"/>
+    <p:sldLayoutId id="2147483685" r:id="rId7"/>
+    <p:sldLayoutId id="2147483686" r:id="rId8"/>
+    <p:sldLayoutId id="2147483687" r:id="rId9"/>
+    <p:sldLayoutId id="2147483688" r:id="rId10"/>
+    <p:sldLayoutId id="2147483689" r:id="rId11"/>
+    <p:sldLayoutId id="2147483690" r:id="rId12"/>
+    <p:sldLayoutId id="2147483691" r:id="rId13"/>
+    <p:sldLayoutId id="2147483692" r:id="rId14"/>
+    <p:sldLayoutId id="2147483693" r:id="rId15"/>
+    <p:sldLayoutId id="2147483694" r:id="rId16"/>
+    <p:sldLayoutId id="2147483695" r:id="rId17"/>
   </p:sldLayoutIdLst>
   <p:txStyles>
     <p:titleStyle>
-      <a:lvl1pPr algn="ctr" defTabSz="457200" rtl="0" eaLnBrk="1" latinLnBrk="0" hangingPunct="1">
+      <a:lvl1pPr algn="r" defTabSz="914400" rtl="0" eaLnBrk="1" latinLnBrk="0" hangingPunct="1">
+        <a:lnSpc>
+          <a:spcPct val="90000"/>
+        </a:lnSpc>
         <a:spcBef>
           <a:spcPct val="0"/>
         </a:spcBef>
         <a:buNone/>
-        <a:defRPr sz="4400" kern="1200">
+        <a:defRPr sz="4000" kern="1200" cap="all" baseline="0">
           <a:solidFill>
             <a:schemeClr val="tx1"/>
           </a:solidFill>
@@ -2849,13 +5483,16 @@
       </a:lvl1pPr>
     </p:titleStyle>
     <p:bodyStyle>
-      <a:lvl1pPr marL="342900" indent="-342900" algn="l" defTabSz="457200" rtl="0" eaLnBrk="1" latinLnBrk="0" hangingPunct="1">
+      <a:lvl1pPr marL="228600" indent="-228600" algn="l" defTabSz="914400" rtl="0" eaLnBrk="1" latinLnBrk="0" hangingPunct="1">
+        <a:lnSpc>
+          <a:spcPct val="90000"/>
+        </a:lnSpc>
         <a:spcBef>
-          <a:spcPct val="20000"/>
+          <a:spcPts val="1000"/>
         </a:spcBef>
-        <a:buFont typeface="Arial"/>
+        <a:buFont typeface="Arial" panose="020B0604020202020204" pitchFamily="34" charset="0"/>
         <a:buChar char="•"/>
-        <a:defRPr sz="3200" kern="1200">
+        <a:defRPr sz="2200" kern="1200">
           <a:solidFill>
             <a:schemeClr val="tx1"/>
           </a:solidFill>
@@ -2864,71 +5501,14 @@
           <a:cs typeface="+mn-cs"/>
         </a:defRPr>
       </a:lvl1pPr>
-      <a:lvl2pPr marL="742950" indent="-285750" algn="l" defTabSz="457200" rtl="0" eaLnBrk="1" latinLnBrk="0" hangingPunct="1">
+      <a:lvl2pPr marL="685800" indent="-228600" algn="l" defTabSz="914400" rtl="0" eaLnBrk="1" latinLnBrk="0" hangingPunct="1">
+        <a:lnSpc>
+          <a:spcPct val="90000"/>
+        </a:lnSpc>
         <a:spcBef>
-          <a:spcPct val="20000"/>
+          <a:spcPts val="500"/>
         </a:spcBef>
-        <a:buFont typeface="Arial"/>
-        <a:buChar char="–"/>
-        <a:defRPr sz="2800" kern="1200">
-          <a:solidFill>
-            <a:schemeClr val="tx1"/>
-          </a:solidFill>
-          <a:latin typeface="+mn-lt"/>
-          <a:ea typeface="+mn-ea"/>
-          <a:cs typeface="+mn-cs"/>
-        </a:defRPr>
-      </a:lvl2pPr>
-      <a:lvl3pPr marL="1143000" indent="-228600" algn="l" defTabSz="457200" rtl="0" eaLnBrk="1" latinLnBrk="0" hangingPunct="1">
-        <a:spcBef>
-          <a:spcPct val="20000"/>
-        </a:spcBef>
-        <a:buFont typeface="Arial"/>
-        <a:buChar char="•"/>
-        <a:defRPr sz="2400" kern="1200">
-          <a:solidFill>
-            <a:schemeClr val="tx1"/>
-          </a:solidFill>
-          <a:latin typeface="+mn-lt"/>
-          <a:ea typeface="+mn-ea"/>
-          <a:cs typeface="+mn-cs"/>
-        </a:defRPr>
-      </a:lvl3pPr>
-      <a:lvl4pPr marL="1600200" indent="-228600" algn="l" defTabSz="457200" rtl="0" eaLnBrk="1" latinLnBrk="0" hangingPunct="1">
-        <a:spcBef>
-          <a:spcPct val="20000"/>
-        </a:spcBef>
-        <a:buFont typeface="Arial"/>
-        <a:buChar char="–"/>
-        <a:defRPr sz="2000" kern="1200">
-          <a:solidFill>
-            <a:schemeClr val="tx1"/>
-          </a:solidFill>
-          <a:latin typeface="+mn-lt"/>
-          <a:ea typeface="+mn-ea"/>
-          <a:cs typeface="+mn-cs"/>
-        </a:defRPr>
-      </a:lvl4pPr>
-      <a:lvl5pPr marL="2057400" indent="-228600" algn="l" defTabSz="457200" rtl="0" eaLnBrk="1" latinLnBrk="0" hangingPunct="1">
-        <a:spcBef>
-          <a:spcPct val="20000"/>
-        </a:spcBef>
-        <a:buFont typeface="Arial"/>
-        <a:buChar char="»"/>
-        <a:defRPr sz="2000" kern="1200">
-          <a:solidFill>
-            <a:schemeClr val="tx1"/>
-          </a:solidFill>
-          <a:latin typeface="+mn-lt"/>
-          <a:ea typeface="+mn-ea"/>
-          <a:cs typeface="+mn-cs"/>
-        </a:defRPr>
-      </a:lvl5pPr>
-      <a:lvl6pPr marL="2514600" indent="-228600" algn="l" defTabSz="457200" rtl="0" eaLnBrk="1" latinLnBrk="0" hangingPunct="1">
-        <a:spcBef>
-          <a:spcPct val="20000"/>
-        </a:spcBef>
-        <a:buFont typeface="Arial"/>
+        <a:buFont typeface="Arial" panose="020B0604020202020204" pitchFamily="34" charset="0"/>
         <a:buChar char="•"/>
         <a:defRPr sz="2000" kern="1200">
           <a:solidFill>
@@ -2938,14 +5518,89 @@
           <a:ea typeface="+mn-ea"/>
           <a:cs typeface="+mn-cs"/>
         </a:defRPr>
+      </a:lvl2pPr>
+      <a:lvl3pPr marL="1143000" indent="-228600" algn="l" defTabSz="914400" rtl="0" eaLnBrk="1" latinLnBrk="0" hangingPunct="1">
+        <a:lnSpc>
+          <a:spcPct val="90000"/>
+        </a:lnSpc>
+        <a:spcBef>
+          <a:spcPts val="500"/>
+        </a:spcBef>
+        <a:buFont typeface="Arial" panose="020B0604020202020204" pitchFamily="34" charset="0"/>
+        <a:buChar char="•"/>
+        <a:defRPr sz="1800" kern="1200">
+          <a:solidFill>
+            <a:schemeClr val="tx1"/>
+          </a:solidFill>
+          <a:latin typeface="+mn-lt"/>
+          <a:ea typeface="+mn-ea"/>
+          <a:cs typeface="+mn-cs"/>
+        </a:defRPr>
+      </a:lvl3pPr>
+      <a:lvl4pPr marL="1600200" indent="-228600" algn="l" defTabSz="914400" rtl="0" eaLnBrk="1" latinLnBrk="0" hangingPunct="1">
+        <a:lnSpc>
+          <a:spcPct val="90000"/>
+        </a:lnSpc>
+        <a:spcBef>
+          <a:spcPts val="500"/>
+        </a:spcBef>
+        <a:buFont typeface="Arial" panose="020B0604020202020204" pitchFamily="34" charset="0"/>
+        <a:buChar char="•"/>
+        <a:defRPr sz="1600" kern="1200">
+          <a:solidFill>
+            <a:schemeClr val="tx1"/>
+          </a:solidFill>
+          <a:latin typeface="+mn-lt"/>
+          <a:ea typeface="+mn-ea"/>
+          <a:cs typeface="+mn-cs"/>
+        </a:defRPr>
+      </a:lvl4pPr>
+      <a:lvl5pPr marL="2057400" indent="-228600" algn="l" defTabSz="914400" rtl="0" eaLnBrk="1" latinLnBrk="0" hangingPunct="1">
+        <a:lnSpc>
+          <a:spcPct val="90000"/>
+        </a:lnSpc>
+        <a:spcBef>
+          <a:spcPts val="500"/>
+        </a:spcBef>
+        <a:buFont typeface="Arial" panose="020B0604020202020204" pitchFamily="34" charset="0"/>
+        <a:buChar char="•"/>
+        <a:defRPr sz="1600" kern="1200">
+          <a:solidFill>
+            <a:schemeClr val="tx1"/>
+          </a:solidFill>
+          <a:latin typeface="+mn-lt"/>
+          <a:ea typeface="+mn-ea"/>
+          <a:cs typeface="+mn-cs"/>
+        </a:defRPr>
+      </a:lvl5pPr>
+      <a:lvl6pPr marL="2514600" indent="-228600" algn="l" defTabSz="914400" rtl="0" eaLnBrk="1" latinLnBrk="0" hangingPunct="1">
+        <a:lnSpc>
+          <a:spcPct val="90000"/>
+        </a:lnSpc>
+        <a:spcBef>
+          <a:spcPts val="500"/>
+        </a:spcBef>
+        <a:buFont typeface="Arial" panose="020B0604020202020204" pitchFamily="34" charset="0"/>
+        <a:buChar char="•"/>
+        <a:defRPr sz="1600" kern="1200">
+          <a:solidFill>
+            <a:schemeClr val="tx1"/>
+          </a:solidFill>
+          <a:latin typeface="+mn-lt"/>
+          <a:ea typeface="+mn-ea"/>
+          <a:cs typeface="+mn-cs"/>
+        </a:defRPr>
       </a:lvl6pPr>
-      <a:lvl7pPr marL="2971800" indent="-228600" algn="l" defTabSz="457200" rtl="0" eaLnBrk="1" latinLnBrk="0" hangingPunct="1">
+      <a:lvl7pPr marL="2971800" indent="-228600" algn="l" defTabSz="914400" rtl="0" eaLnBrk="1" latinLnBrk="0" hangingPunct="1">
+        <a:lnSpc>
+          <a:spcPct val="90000"/>
+        </a:lnSpc>
         <a:spcBef>
-          <a:spcPct val="20000"/>
+          <a:spcPts val="500"/>
         </a:spcBef>
-        <a:buFont typeface="Arial"/>
+        <a:buFont typeface="Arial" panose="020B0604020202020204" pitchFamily="34" charset="0"/>
         <a:buChar char="•"/>
-        <a:defRPr sz="2000" kern="1200">
+        <a:defRPr sz="1600" kern="1200">
           <a:solidFill>
             <a:schemeClr val="tx1"/>
           </a:solidFill>
@@ -2954,13 +5609,16 @@
           <a:cs typeface="+mn-cs"/>
         </a:defRPr>
       </a:lvl7pPr>
-      <a:lvl8pPr marL="3429000" indent="-228600" algn="l" defTabSz="457200" rtl="0" eaLnBrk="1" latinLnBrk="0" hangingPunct="1">
+      <a:lvl8pPr marL="3429000" indent="-228600" algn="l" defTabSz="914400" rtl="0" eaLnBrk="1" latinLnBrk="0" hangingPunct="1">
+        <a:lnSpc>
+          <a:spcPct val="90000"/>
+        </a:lnSpc>
         <a:spcBef>
-          <a:spcPct val="20000"/>
+          <a:spcPts val="500"/>
         </a:spcBef>
-        <a:buFont typeface="Arial"/>
+        <a:buFont typeface="Arial" panose="020B0604020202020204" pitchFamily="34" charset="0"/>
         <a:buChar char="•"/>
-        <a:defRPr sz="2000" kern="1200">
+        <a:defRPr sz="1600" kern="1200">
           <a:solidFill>
             <a:schemeClr val="tx1"/>
           </a:solidFill>
@@ -2969,13 +5627,16 @@
           <a:cs typeface="+mn-cs"/>
         </a:defRPr>
       </a:lvl8pPr>
-      <a:lvl9pPr marL="3886200" indent="-228600" algn="l" defTabSz="457200" rtl="0" eaLnBrk="1" latinLnBrk="0" hangingPunct="1">
+      <a:lvl9pPr marL="3886200" indent="-228600" algn="l" defTabSz="914400" rtl="0" eaLnBrk="1" latinLnBrk="0" hangingPunct="1">
+        <a:lnSpc>
+          <a:spcPct val="90000"/>
+        </a:lnSpc>
         <a:spcBef>
-          <a:spcPct val="20000"/>
+          <a:spcPts val="500"/>
         </a:spcBef>
-        <a:buFont typeface="Arial"/>
+        <a:buFont typeface="Arial" panose="020B0604020202020204" pitchFamily="34" charset="0"/>
         <a:buChar char="•"/>
-        <a:defRPr sz="2000" kern="1200">
+        <a:defRPr sz="1600" kern="1200">
           <a:solidFill>
             <a:schemeClr val="tx1"/>
           </a:solidFill>
@@ -2989,7 +5650,7 @@
       <a:defPPr>
         <a:defRPr lang="en-US"/>
       </a:defPPr>
-      <a:lvl1pPr marL="0" algn="l" defTabSz="457200" rtl="0" eaLnBrk="1" latinLnBrk="0" hangingPunct="1">
+      <a:lvl1pPr marL="0" algn="l" defTabSz="914400" rtl="0" eaLnBrk="1" latinLnBrk="0" hangingPunct="1">
         <a:defRPr sz="1800" kern="1200">
           <a:solidFill>
             <a:schemeClr val="tx1"/>
@@ -2999,7 +5660,7 @@
           <a:cs typeface="+mn-cs"/>
         </a:defRPr>
       </a:lvl1pPr>
-      <a:lvl2pPr marL="457200" algn="l" defTabSz="457200" rtl="0" eaLnBrk="1" latinLnBrk="0" hangingPunct="1">
+      <a:lvl2pPr marL="457200" algn="l" defTabSz="914400" rtl="0" eaLnBrk="1" latinLnBrk="0" hangingPunct="1">
         <a:defRPr sz="1800" kern="1200">
           <a:solidFill>
             <a:schemeClr val="tx1"/>
@@ -3009,7 +5670,7 @@
           <a:cs typeface="+mn-cs"/>
         </a:defRPr>
       </a:lvl2pPr>
-      <a:lvl3pPr marL="914400" algn="l" defTabSz="457200" rtl="0" eaLnBrk="1" latinLnBrk="0" hangingPunct="1">
+      <a:lvl3pPr marL="914400" algn="l" defTabSz="914400" rtl="0" eaLnBrk="1" latinLnBrk="0" hangingPunct="1">
         <a:defRPr sz="1800" kern="1200">
           <a:solidFill>
             <a:schemeClr val="tx1"/>
@@ -3019,7 +5680,7 @@
           <a:cs typeface="+mn-cs"/>
         </a:defRPr>
       </a:lvl3pPr>
-      <a:lvl4pPr marL="1371600" algn="l" defTabSz="457200" rtl="0" eaLnBrk="1" latinLnBrk="0" hangingPunct="1">
+      <a:lvl4pPr marL="1371600" algn="l" defTabSz="914400" rtl="0" eaLnBrk="1" latinLnBrk="0" hangingPunct="1">
         <a:defRPr sz="1800" kern="1200">
           <a:solidFill>
             <a:schemeClr val="tx1"/>
@@ -3029,7 +5690,7 @@
           <a:cs typeface="+mn-cs"/>
         </a:defRPr>
       </a:lvl4pPr>
-      <a:lvl5pPr marL="1828800" algn="l" defTabSz="457200" rtl="0" eaLnBrk="1" latinLnBrk="0" hangingPunct="1">
+      <a:lvl5pPr marL="1828800" algn="l" defTabSz="914400" rtl="0" eaLnBrk="1" latinLnBrk="0" hangingPunct="1">
         <a:defRPr sz="1800" kern="1200">
           <a:solidFill>
             <a:schemeClr val="tx1"/>
@@ -3039,7 +5700,7 @@
           <a:cs typeface="+mn-cs"/>
         </a:defRPr>
       </a:lvl5pPr>
-      <a:lvl6pPr marL="2286000" algn="l" defTabSz="457200" rtl="0" eaLnBrk="1" latinLnBrk="0" hangingPunct="1">
+      <a:lvl6pPr marL="2286000" algn="l" defTabSz="914400" rtl="0" eaLnBrk="1" latinLnBrk="0" hangingPunct="1">
         <a:defRPr sz="1800" kern="1200">
           <a:solidFill>
             <a:schemeClr val="tx1"/>
@@ -3049,7 +5710,7 @@
           <a:cs typeface="+mn-cs"/>
         </a:defRPr>
       </a:lvl6pPr>
-      <a:lvl7pPr marL="2743200" algn="l" defTabSz="457200" rtl="0" eaLnBrk="1" latinLnBrk="0" hangingPunct="1">
+      <a:lvl7pPr marL="2743200" algn="l" defTabSz="914400" rtl="0" eaLnBrk="1" latinLnBrk="0" hangingPunct="1">
         <a:defRPr sz="1800" kern="1200">
           <a:solidFill>
             <a:schemeClr val="tx1"/>
@@ -3059,7 +5720,7 @@
           <a:cs typeface="+mn-cs"/>
         </a:defRPr>
       </a:lvl7pPr>
-      <a:lvl8pPr marL="3200400" algn="l" defTabSz="457200" rtl="0" eaLnBrk="1" latinLnBrk="0" hangingPunct="1">
+      <a:lvl8pPr marL="3200400" algn="l" defTabSz="914400" rtl="0" eaLnBrk="1" latinLnBrk="0" hangingPunct="1">
         <a:defRPr sz="1800" kern="1200">
           <a:solidFill>
             <a:schemeClr val="tx1"/>
@@ -3069,7 +5730,7 @@
           <a:cs typeface="+mn-cs"/>
         </a:defRPr>
       </a:lvl8pPr>
-      <a:lvl9pPr marL="3657600" algn="l" defTabSz="457200" rtl="0" eaLnBrk="1" latinLnBrk="0" hangingPunct="1">
+      <a:lvl9pPr marL="3657600" algn="l" defTabSz="914400" rtl="0" eaLnBrk="1" latinLnBrk="0" hangingPunct="1">
         <a:defRPr sz="1800" kern="1200">
           <a:solidFill>
             <a:schemeClr val="tx1"/>
@@ -3085,7 +5746,7 @@
 </file>
 
 <file path=ppt/slides/slide1.xml><?xml version="1.0" encoding="utf-8"?>
-<p:sld xmlns:a="http://schemas.openxmlformats.org/drawingml/2006/main" xmlns:p="http://schemas.openxmlformats.org/presentationml/2006/main" xmlns:r="http://schemas.openxmlformats.org/officeDocument/2006/relationships">
+<p:sld xmlns:a="http://schemas.openxmlformats.org/drawingml/2006/main" xmlns:r="http://schemas.openxmlformats.org/officeDocument/2006/relationships" xmlns:p="http://schemas.openxmlformats.org/presentationml/2006/main">
   <p:cSld>
     <p:spTree>
       <p:nvGrpSpPr>
@@ -3093,7 +5754,14 @@
         <p:cNvGrpSpPr/>
         <p:nvPr/>
       </p:nvGrpSpPr>
-      <p:grpSpPr/>
+      <p:grpSpPr>
+        <a:xfrm>
+          <a:off x="0" y="0"/>
+          <a:ext cx="0" cy="0"/>
+          <a:chOff x="0" y="0"/>
+          <a:chExt cx="0" cy="0"/>
+        </a:xfrm>
+      </p:grpSpPr>
       <p:sp>
         <p:nvSpPr>
           <p:cNvPr id="2" name="Title 1"/>
@@ -3106,7 +5774,9 @@
         </p:nvSpPr>
         <p:spPr/>
         <p:txBody>
-          <a:bodyPr/>
+          <a:bodyPr>
+            <a:normAutofit fontScale="90000"/>
+          </a:bodyPr>
           <a:lstStyle/>
           <a:p>
             <a:r>
@@ -3127,18 +5797,24 @@
         </p:nvSpPr>
         <p:spPr/>
         <p:txBody>
-          <a:bodyPr/>
-          <a:lstStyle/>
-          <a:p>
-            <a:r>
+          <a:bodyPr>
+            <a:normAutofit fontScale="92500" lnSpcReduction="10000"/>
+          </a:bodyPr>
+          <a:lstStyle/>
+          <a:p>
+            <a:r>
+              <a:rPr dirty="0"/>
               <a:t>Diabetes Prediction Using Supervised Learning</a:t>
             </a:r>
           </a:p>
-          <a:p/>
-          <a:p>
-            <a:r>
-              <a:t>Student Name</a:t>
-            </a:r>
+          <a:p>
+            <a:r>
+              <a:rPr lang="en-US" dirty="0"/>
+              <a:t>JOHNSON ONTWEKA</a:t>
+            </a:r>
+          </a:p>
+          <a:p>
+            <a:endParaRPr dirty="0"/>
           </a:p>
         </p:txBody>
       </p:sp>
@@ -3151,7 +5827,7 @@
 </file>
 
 <file path=ppt/slides/slide2.xml><?xml version="1.0" encoding="utf-8"?>
-<p:sld xmlns:a="http://schemas.openxmlformats.org/drawingml/2006/main" xmlns:p="http://schemas.openxmlformats.org/presentationml/2006/main" xmlns:r="http://schemas.openxmlformats.org/officeDocument/2006/relationships">
+<p:sld xmlns:a="http://schemas.openxmlformats.org/drawingml/2006/main" xmlns:r="http://schemas.openxmlformats.org/officeDocument/2006/relationships" xmlns:p="http://schemas.openxmlformats.org/presentationml/2006/main">
   <p:cSld>
     <p:spTree>
       <p:nvGrpSpPr>
@@ -3159,7 +5835,14 @@
         <p:cNvGrpSpPr/>
         <p:nvPr/>
       </p:nvGrpSpPr>
-      <p:grpSpPr/>
+      <p:grpSpPr>
+        <a:xfrm>
+          <a:off x="0" y="0"/>
+          <a:ext cx="0" cy="0"/>
+          <a:chOff x="0" y="0"/>
+          <a:chExt cx="0" cy="0"/>
+        </a:xfrm>
+      </p:grpSpPr>
       <p:sp>
         <p:nvSpPr>
           <p:cNvPr id="2" name="Title 1"/>
@@ -3221,7 +5904,7 @@
 </file>
 
 <file path=ppt/slides/slide3.xml><?xml version="1.0" encoding="utf-8"?>
-<p:sld xmlns:a="http://schemas.openxmlformats.org/drawingml/2006/main" xmlns:p="http://schemas.openxmlformats.org/presentationml/2006/main" xmlns:r="http://schemas.openxmlformats.org/officeDocument/2006/relationships">
+<p:sld xmlns:a="http://schemas.openxmlformats.org/drawingml/2006/main" xmlns:r="http://schemas.openxmlformats.org/officeDocument/2006/relationships" xmlns:p="http://schemas.openxmlformats.org/presentationml/2006/main">
   <p:cSld>
     <p:spTree>
       <p:nvGrpSpPr>
@@ -3229,7 +5912,14 @@
         <p:cNvGrpSpPr/>
         <p:nvPr/>
       </p:nvGrpSpPr>
-      <p:grpSpPr/>
+      <p:grpSpPr>
+        <a:xfrm>
+          <a:off x="0" y="0"/>
+          <a:ext cx="0" cy="0"/>
+          <a:chOff x="0" y="0"/>
+          <a:chExt cx="0" cy="0"/>
+        </a:xfrm>
+      </p:grpSpPr>
       <p:sp>
         <p:nvSpPr>
           <p:cNvPr id="2" name="Title 1"/>
@@ -3291,7 +5981,7 @@
 </file>
 
 <file path=ppt/slides/slide4.xml><?xml version="1.0" encoding="utf-8"?>
-<p:sld xmlns:a="http://schemas.openxmlformats.org/drawingml/2006/main" xmlns:p="http://schemas.openxmlformats.org/presentationml/2006/main" xmlns:r="http://schemas.openxmlformats.org/officeDocument/2006/relationships">
+<p:sld xmlns:a="http://schemas.openxmlformats.org/drawingml/2006/main" xmlns:r="http://schemas.openxmlformats.org/officeDocument/2006/relationships" xmlns:p="http://schemas.openxmlformats.org/presentationml/2006/main">
   <p:cSld>
     <p:spTree>
       <p:nvGrpSpPr>
@@ -3299,7 +5989,14 @@
         <p:cNvGrpSpPr/>
         <p:nvPr/>
       </p:nvGrpSpPr>
-      <p:grpSpPr/>
+      <p:grpSpPr>
+        <a:xfrm>
+          <a:off x="0" y="0"/>
+          <a:ext cx="0" cy="0"/>
+          <a:chOff x="0" y="0"/>
+          <a:chExt cx="0" cy="0"/>
+        </a:xfrm>
+      </p:grpSpPr>
       <p:sp>
         <p:nvSpPr>
           <p:cNvPr id="2" name="Title 1"/>
@@ -3362,11 +6059,23 @@
   <p:clrMapOvr>
     <a:masterClrMapping/>
   </p:clrMapOvr>
+  <mc:AlternateContent xmlns:mc="http://schemas.openxmlformats.org/markup-compatibility/2006">
+    <mc:Choice xmlns:p159="http://schemas.microsoft.com/office/powerpoint/2015/09/main" Requires="p159">
+      <p:transition xmlns:p14="http://schemas.microsoft.com/office/powerpoint/2010/main" spd="slow" p14:dur="2000">
+        <p159:morph option="byObject"/>
+      </p:transition>
+    </mc:Choice>
+    <mc:Fallback>
+      <p:transition spd="slow">
+        <p:fade/>
+      </p:transition>
+    </mc:Fallback>
+  </mc:AlternateContent>
 </p:sld>
 </file>
 
 <file path=ppt/slides/slide5.xml><?xml version="1.0" encoding="utf-8"?>
-<p:sld xmlns:a="http://schemas.openxmlformats.org/drawingml/2006/main" xmlns:p="http://schemas.openxmlformats.org/presentationml/2006/main" xmlns:r="http://schemas.openxmlformats.org/officeDocument/2006/relationships">
+<p:sld xmlns:a="http://schemas.openxmlformats.org/drawingml/2006/main" xmlns:r="http://schemas.openxmlformats.org/officeDocument/2006/relationships" xmlns:p="http://schemas.openxmlformats.org/presentationml/2006/main">
   <p:cSld>
     <p:spTree>
       <p:nvGrpSpPr>
@@ -3374,7 +6083,14 @@
         <p:cNvGrpSpPr/>
         <p:nvPr/>
       </p:nvGrpSpPr>
-      <p:grpSpPr/>
+      <p:grpSpPr>
+        <a:xfrm>
+          <a:off x="0" y="0"/>
+          <a:ext cx="0" cy="0"/>
+          <a:chOff x="0" y="0"/>
+          <a:chExt cx="0" cy="0"/>
+        </a:xfrm>
+      </p:grpSpPr>
       <p:sp>
         <p:nvSpPr>
           <p:cNvPr id="2" name="Title 1"/>
@@ -3441,7 +6157,7 @@
 </file>
 
 <file path=ppt/slides/slide6.xml><?xml version="1.0" encoding="utf-8"?>
-<p:sld xmlns:a="http://schemas.openxmlformats.org/drawingml/2006/main" xmlns:p="http://schemas.openxmlformats.org/presentationml/2006/main" xmlns:r="http://schemas.openxmlformats.org/officeDocument/2006/relationships">
+<p:sld xmlns:a="http://schemas.openxmlformats.org/drawingml/2006/main" xmlns:r="http://schemas.openxmlformats.org/officeDocument/2006/relationships" xmlns:p="http://schemas.openxmlformats.org/presentationml/2006/main">
   <p:cSld>
     <p:spTree>
       <p:nvGrpSpPr>
@@ -3449,7 +6165,14 @@
         <p:cNvGrpSpPr/>
         <p:nvPr/>
       </p:nvGrpSpPr>
-      <p:grpSpPr/>
+      <p:grpSpPr>
+        <a:xfrm>
+          <a:off x="0" y="0"/>
+          <a:ext cx="0" cy="0"/>
+          <a:chOff x="0" y="0"/>
+          <a:chExt cx="0" cy="0"/>
+        </a:xfrm>
+      </p:grpSpPr>
       <p:sp>
         <p:nvSpPr>
           <p:cNvPr id="2" name="Title 1"/>
@@ -3516,7 +6239,7 @@
 </file>
 
 <file path=ppt/slides/slide7.xml><?xml version="1.0" encoding="utf-8"?>
-<p:sld xmlns:a="http://schemas.openxmlformats.org/drawingml/2006/main" xmlns:p="http://schemas.openxmlformats.org/presentationml/2006/main" xmlns:r="http://schemas.openxmlformats.org/officeDocument/2006/relationships">
+<p:sld xmlns:a="http://schemas.openxmlformats.org/drawingml/2006/main" xmlns:r="http://schemas.openxmlformats.org/officeDocument/2006/relationships" xmlns:p="http://schemas.openxmlformats.org/presentationml/2006/main">
   <p:cSld>
     <p:spTree>
       <p:nvGrpSpPr>
@@ -3524,7 +6247,14 @@
         <p:cNvGrpSpPr/>
         <p:nvPr/>
       </p:nvGrpSpPr>
-      <p:grpSpPr/>
+      <p:grpSpPr>
+        <a:xfrm>
+          <a:off x="0" y="0"/>
+          <a:ext cx="0" cy="0"/>
+          <a:chOff x="0" y="0"/>
+          <a:chExt cx="0" cy="0"/>
+        </a:xfrm>
+      </p:grpSpPr>
       <p:sp>
         <p:nvSpPr>
           <p:cNvPr id="2" name="Title 1"/>
@@ -3591,9 +6321,9 @@
 </file>
 
 <file path=ppt/theme/theme1.xml><?xml version="1.0" encoding="utf-8"?>
-<a:theme xmlns:a="http://schemas.openxmlformats.org/drawingml/2006/main" name="Office Theme">
+<a:theme xmlns:a="http://schemas.openxmlformats.org/drawingml/2006/main" name="Vapor Trail">
   <a:themeElements>
-    <a:clrScheme name="Office">
+    <a:clrScheme name="Vapor Trail">
       <a:dk1>
         <a:sysClr val="windowText" lastClr="000000"/>
       </a:dk1>
@@ -3601,39 +6331,39 @@
         <a:sysClr val="window" lastClr="FFFFFF"/>
       </a:lt1>
       <a:dk2>
-        <a:srgbClr val="1F497D"/>
+        <a:srgbClr val="454545"/>
       </a:dk2>
       <a:lt2>
-        <a:srgbClr val="EEECE1"/>
+        <a:srgbClr val="DADADA"/>
       </a:lt2>
       <a:accent1>
-        <a:srgbClr val="4F81BD"/>
+        <a:srgbClr val="DF2E28"/>
       </a:accent1>
       <a:accent2>
-        <a:srgbClr val="C0504D"/>
+        <a:srgbClr val="FE801A"/>
       </a:accent2>
       <a:accent3>
-        <a:srgbClr val="9BBB59"/>
+        <a:srgbClr val="E9BF35"/>
       </a:accent3>
       <a:accent4>
-        <a:srgbClr val="8064A2"/>
+        <a:srgbClr val="81BB42"/>
       </a:accent4>
       <a:accent5>
-        <a:srgbClr val="4BACC6"/>
+        <a:srgbClr val="32C7A9"/>
       </a:accent5>
       <a:accent6>
-        <a:srgbClr val="F79646"/>
+        <a:srgbClr val="4A9BDC"/>
       </a:accent6>
       <a:hlink>
-        <a:srgbClr val="0000FF"/>
+        <a:srgbClr val="F0532B"/>
       </a:hlink>
       <a:folHlink>
-        <a:srgbClr val="800080"/>
+        <a:srgbClr val="F38B53"/>
       </a:folHlink>
     </a:clrScheme>
-    <a:fontScheme name="Office">
+    <a:fontScheme name="Vapor Trail">
       <a:majorFont>
-        <a:latin typeface="Calibri"/>
+        <a:latin typeface="Century Gothic" panose="020B0502020202020204"/>
         <a:ea typeface=""/>
         <a:cs typeface=""/>
         <a:font script="Jpan" typeface="ＭＳ Ｐゴシック"/>
@@ -3668,7 +6398,7 @@
         <a:font script="Geor" typeface="Sylfaen"/>
       </a:majorFont>
       <a:minorFont>
-        <a:latin typeface="Calibri"/>
+        <a:latin typeface="Century Gothic" panose="020B0502020202020204"/>
         <a:ea typeface=""/>
         <a:cs typeface=""/>
         <a:font script="Jpan" typeface="ＭＳ Ｐゴシック"/>
@@ -3703,7 +6433,7 @@
         <a:font script="Geor" typeface="Sylfaen"/>
       </a:minorFont>
     </a:fontScheme>
-    <a:fmtScheme name="Office">
+    <a:fmtScheme name="Vapor Trail">
       <a:fillStyleLst>
         <a:solidFill>
           <a:schemeClr val="phClr"/>
@@ -3712,62 +6442,63 @@
           <a:gsLst>
             <a:gs pos="0">
               <a:schemeClr val="phClr">
-                <a:tint val="50000"/>
-                <a:satMod val="300000"/>
+                <a:tint val="69000"/>
+                <a:alpha val="100000"/>
+                <a:satMod val="109000"/>
+                <a:lumMod val="110000"/>
               </a:schemeClr>
             </a:gs>
-            <a:gs pos="35000">
+            <a:gs pos="52000">
               <a:schemeClr val="phClr">
-                <a:tint val="37000"/>
-                <a:satMod val="300000"/>
+                <a:tint val="74000"/>
+                <a:satMod val="100000"/>
+                <a:lumMod val="104000"/>
               </a:schemeClr>
             </a:gs>
             <a:gs pos="100000">
               <a:schemeClr val="phClr">
-                <a:tint val="15000"/>
-                <a:satMod val="350000"/>
+                <a:tint val="78000"/>
+                <a:satMod val="100000"/>
+                <a:lumMod val="100000"/>
               </a:schemeClr>
             </a:gs>
           </a:gsLst>
-          <a:lin ang="16200000" scaled="1"/>
+          <a:lin ang="5400000" scaled="0"/>
         </a:gradFill>
         <a:gradFill rotWithShape="1">
           <a:gsLst>
             <a:gs pos="0">
               <a:schemeClr val="phClr">
-                <a:tint val="100000"/>
-                <a:shade val="100000"/>
-                <a:satMod val="130000"/>
+                <a:tint val="96000"/>
+                <a:satMod val="100000"/>
+                <a:lumMod val="104000"/>
               </a:schemeClr>
             </a:gs>
-            <a:gs pos="100000">
+            <a:gs pos="78000">
               <a:schemeClr val="phClr">
-                <a:tint val="50000"/>
                 <a:shade val="100000"/>
-                <a:satMod val="350000"/>
+                <a:satMod val="110000"/>
+                <a:lumMod val="100000"/>
               </a:schemeClr>
             </a:gs>
           </a:gsLst>
-          <a:lin ang="16200000" scaled="0"/>
+          <a:lin ang="5400000" scaled="0"/>
         </a:gradFill>
       </a:fillStyleLst>
       <a:lnStyleLst>
         <a:ln w="9525" cap="flat" cmpd="sng" algn="ctr">
           <a:solidFill>
-            <a:schemeClr val="phClr">
-              <a:shade val="95000"/>
-              <a:satMod val="105000"/>
-            </a:schemeClr>
+            <a:schemeClr val="phClr"/>
           </a:solidFill>
           <a:prstDash val="solid"/>
         </a:ln>
-        <a:ln w="25400" cap="flat" cmpd="sng" algn="ctr">
+        <a:ln w="12700" cap="flat" cmpd="sng" algn="ctr">
           <a:solidFill>
             <a:schemeClr val="phClr"/>
           </a:solidFill>
           <a:prstDash val="solid"/>
         </a:ln>
-        <a:ln w="38100" cap="flat" cmpd="sng" algn="ctr">
+        <a:ln w="19050" cap="flat" cmpd="sng" algn="ctr">
           <a:solidFill>
             <a:schemeClr val="phClr"/>
           </a:solidFill>
@@ -3776,28 +6507,25 @@
       </a:lnStyleLst>
       <a:effectStyleLst>
         <a:effectStyle>
-          <a:effectLst>
-            <a:outerShdw blurRad="40000" dist="20000" dir="5400000" rotWithShape="0">
-              <a:srgbClr val="000000">
-                <a:alpha val="38000"/>
-              </a:srgbClr>
-            </a:outerShdw>
-          </a:effectLst>
+          <a:effectLst/>
+        </a:effectStyle>
+        <a:effectStyle>
+          <a:effectLst/>
+          <a:scene3d>
+            <a:camera prst="orthographicFront">
+              <a:rot lat="0" lon="0" rev="0"/>
+            </a:camera>
+            <a:lightRig rig="threePt" dir="t"/>
+          </a:scene3d>
+          <a:sp3d>
+            <a:bevelT w="25400" h="12700"/>
+          </a:sp3d>
         </a:effectStyle>
         <a:effectStyle>
           <a:effectLst>
-            <a:outerShdw blurRad="40000" dist="23000" dir="5400000" rotWithShape="0">
+            <a:outerShdw blurRad="57150" dist="19050" dir="5400000" algn="ctr" rotWithShape="0">
               <a:srgbClr val="000000">
-                <a:alpha val="35000"/>
-              </a:srgbClr>
-            </a:outerShdw>
-          </a:effectLst>
-        </a:effectStyle>
-        <a:effectStyle>
-          <a:effectLst>
-            <a:outerShdw blurRad="40000" dist="23000" dir="5400000" rotWithShape="0">
-              <a:srgbClr val="000000">
-                <a:alpha val="35000"/>
+                <a:alpha val="48000"/>
               </a:srgbClr>
             </a:outerShdw>
           </a:effectLst>
@@ -3805,12 +6533,10 @@
             <a:camera prst="orthographicFront">
               <a:rot lat="0" lon="0" rev="0"/>
             </a:camera>
-            <a:lightRig rig="threePt" dir="t">
-              <a:rot lat="0" lon="0" rev="1200000"/>
-            </a:lightRig>
+            <a:lightRig rig="threePt" dir="t"/>
           </a:scene3d>
           <a:sp3d>
-            <a:bevelT w="63500" h="25400"/>
+            <a:bevelT w="50800" h="25400"/>
           </a:sp3d>
         </a:effectStyle>
       </a:effectStyleLst>
@@ -3818,94 +6544,48 @@
         <a:solidFill>
           <a:schemeClr val="phClr"/>
         </a:solidFill>
+        <a:solidFill>
+          <a:schemeClr val="phClr">
+            <a:tint val="95000"/>
+            <a:satMod val="170000"/>
+          </a:schemeClr>
+        </a:solidFill>
         <a:gradFill rotWithShape="1">
           <a:gsLst>
             <a:gs pos="0">
               <a:schemeClr val="phClr">
-                <a:tint val="40000"/>
-                <a:satMod val="350000"/>
+                <a:tint val="93000"/>
+                <a:shade val="98000"/>
+                <a:satMod val="150000"/>
+                <a:lumMod val="102000"/>
               </a:schemeClr>
             </a:gs>
-            <a:gs pos="40000">
+            <a:gs pos="50000">
               <a:schemeClr val="phClr">
-                <a:tint val="45000"/>
-                <a:shade val="99000"/>
-                <a:satMod val="350000"/>
+                <a:tint val="98000"/>
+                <a:shade val="90000"/>
+                <a:satMod val="130000"/>
+                <a:lumMod val="103000"/>
               </a:schemeClr>
             </a:gs>
             <a:gs pos="100000">
               <a:schemeClr val="phClr">
-                <a:shade val="20000"/>
-                <a:satMod val="255000"/>
+                <a:shade val="63000"/>
+                <a:satMod val="120000"/>
               </a:schemeClr>
             </a:gs>
           </a:gsLst>
-          <a:path path="circle">
-            <a:fillToRect l="50000" t="-80000" r="50000" b="180000"/>
-          </a:path>
-        </a:gradFill>
-        <a:gradFill rotWithShape="1">
-          <a:gsLst>
-            <a:gs pos="0">
-              <a:schemeClr val="phClr">
-                <a:tint val="80000"/>
-                <a:satMod val="300000"/>
-              </a:schemeClr>
-            </a:gs>
-            <a:gs pos="100000">
-              <a:schemeClr val="phClr">
-                <a:shade val="30000"/>
-                <a:satMod val="200000"/>
-              </a:schemeClr>
-            </a:gs>
-          </a:gsLst>
-          <a:path path="circle">
-            <a:fillToRect l="50000" t="50000" r="50000" b="50000"/>
-          </a:path>
+          <a:lin ang="5400000" scaled="0"/>
         </a:gradFill>
       </a:bgFillStyleLst>
     </a:fmtScheme>
   </a:themeElements>
-  <a:objectDefaults>
-    <a:spDef>
-      <a:spPr/>
-      <a:bodyPr/>
-      <a:lstStyle/>
-      <a:style>
-        <a:lnRef idx="1">
-          <a:schemeClr val="accent1"/>
-        </a:lnRef>
-        <a:fillRef idx="3">
-          <a:schemeClr val="accent1"/>
-        </a:fillRef>
-        <a:effectRef idx="2">
-          <a:schemeClr val="accent1"/>
-        </a:effectRef>
-        <a:fontRef idx="minor">
-          <a:schemeClr val="lt1"/>
-        </a:fontRef>
-      </a:style>
-    </a:spDef>
-    <a:lnDef>
-      <a:spPr/>
-      <a:bodyPr/>
-      <a:lstStyle/>
-      <a:style>
-        <a:lnRef idx="2">
-          <a:schemeClr val="accent1"/>
-        </a:lnRef>
-        <a:fillRef idx="0">
-          <a:schemeClr val="accent1"/>
-        </a:fillRef>
-        <a:effectRef idx="1">
-          <a:schemeClr val="accent1"/>
-        </a:effectRef>
-        <a:fontRef idx="minor">
-          <a:schemeClr val="tx1"/>
-        </a:fontRef>
-      </a:style>
-    </a:lnDef>
-  </a:objectDefaults>
+  <a:objectDefaults/>
   <a:extraClrSchemeLst/>
+  <a:extLst>
+    <a:ext uri="{05A4C25C-085E-4340-85A3-A5531E510DB2}">
+      <thm15:themeFamily xmlns:thm15="http://schemas.microsoft.com/office/thememl/2012/main" name="Vapor Trail" id="{4FDF2955-7D9C-493C-B9F9-C205151B46CD}" vid="{8F31A783-2159-4870-BC29-2BA7D038EA44}"/>
+    </a:ext>
+  </a:extLst>
 </a:theme>
 </file>